--- a/output_data/Road Safety.pptx
+++ b/output_data/Road Safety.pptx
@@ -2,30 +2,31 @@
 <file path=ppt/presentation.xml><?xml version="1.0" encoding="utf-8"?>
 <p:presentation xmlns:a="http://schemas.openxmlformats.org/drawingml/2006/main" xmlns:r="http://schemas.openxmlformats.org/officeDocument/2006/relationships" xmlns:p="http://schemas.openxmlformats.org/presentationml/2006/main">
   <p:sldMasterIdLst>
-    <p:sldMasterId id="2147483648" r:id="rId5"/>
+    <p:sldMasterId id="2147483648" r:id="rId1"/>
   </p:sldMasterIdLst>
   <p:notesMasterIdLst>
-    <p:notesMasterId r:id="rId7"/>
+    <p:notesMasterId r:id="rId21"/>
   </p:notesMasterIdLst>
   <p:sldIdLst>
-    <p:sldId id="256" r:id="rId8"/>
-    <p:sldId id="257" r:id="rId9"/>
-    <p:sldId id="258" r:id="rId10"/>
-    <p:sldId id="259" r:id="rId11"/>
-    <p:sldId id="260" r:id="rId12"/>
-    <p:sldId id="261" r:id="rId13"/>
-    <p:sldId id="262" r:id="rId14"/>
-    <p:sldId id="263" r:id="rId15"/>
-    <p:sldId id="264" r:id="rId16"/>
-    <p:sldId id="265" r:id="rId17"/>
-    <p:sldId id="266" r:id="rId18"/>
-    <p:sldId id="267" r:id="rId19"/>
-    <p:sldId id="268" r:id="rId20"/>
-    <p:sldId id="269" r:id="rId21"/>
-    <p:sldId id="270" r:id="rId22"/>
-    <p:sldId id="271" r:id="rId23"/>
-    <p:sldId id="272" r:id="rId24"/>
-    <p:sldId id="273" r:id="rId25"/>
+    <p:sldId id="256" r:id="rId2"/>
+    <p:sldId id="257" r:id="rId3"/>
+    <p:sldId id="258" r:id="rId4"/>
+    <p:sldId id="259" r:id="rId5"/>
+    <p:sldId id="260" r:id="rId6"/>
+    <p:sldId id="261" r:id="rId7"/>
+    <p:sldId id="262" r:id="rId8"/>
+    <p:sldId id="263" r:id="rId9"/>
+    <p:sldId id="264" r:id="rId10"/>
+    <p:sldId id="265" r:id="rId11"/>
+    <p:sldId id="266" r:id="rId12"/>
+    <p:sldId id="267" r:id="rId13"/>
+    <p:sldId id="268" r:id="rId14"/>
+    <p:sldId id="269" r:id="rId15"/>
+    <p:sldId id="270" r:id="rId16"/>
+    <p:sldId id="271" r:id="rId17"/>
+    <p:sldId id="274" r:id="rId18"/>
+    <p:sldId id="272" r:id="rId19"/>
+    <p:sldId id="273" r:id="rId20"/>
   </p:sldIdLst>
   <p:sldSz cx="13004800" cy="9753600"/>
   <p:notesSz cx="6858000" cy="9144000"/>
@@ -45,7 +46,7 @@
       <a:buFontTx/>
       <a:buNone/>
       <a:tabLst/>
-      <a:defRPr b="0" baseline="0" cap="none" i="0" spc="0" strike="noStrike" sz="1800" u="none" kumimoji="0" normalizeH="0">
+      <a:defRPr kumimoji="0" sz="1800" b="0" i="0" u="none" strike="noStrike" cap="none" spc="0" normalizeH="0" baseline="0">
         <a:ln>
           <a:noFill/>
         </a:ln>
@@ -71,7 +72,7 @@
       <a:buFontTx/>
       <a:buNone/>
       <a:tabLst/>
-      <a:defRPr b="0" baseline="0" cap="none" i="0" spc="0" strike="noStrike" sz="2400" u="none" kumimoji="0" normalizeH="0">
+      <a:defRPr kumimoji="0" sz="2400" b="0" i="0" u="none" strike="noStrike" cap="none" spc="0" normalizeH="0" baseline="0">
         <a:ln>
           <a:noFill/>
         </a:ln>
@@ -101,7 +102,7 @@
       <a:buFontTx/>
       <a:buNone/>
       <a:tabLst/>
-      <a:defRPr b="0" baseline="0" cap="none" i="0" spc="0" strike="noStrike" sz="2400" u="none" kumimoji="0" normalizeH="0">
+      <a:defRPr kumimoji="0" sz="2400" b="0" i="0" u="none" strike="noStrike" cap="none" spc="0" normalizeH="0" baseline="0">
         <a:ln>
           <a:noFill/>
         </a:ln>
@@ -131,7 +132,7 @@
       <a:buFontTx/>
       <a:buNone/>
       <a:tabLst/>
-      <a:defRPr b="0" baseline="0" cap="none" i="0" spc="0" strike="noStrike" sz="2400" u="none" kumimoji="0" normalizeH="0">
+      <a:defRPr kumimoji="0" sz="2400" b="0" i="0" u="none" strike="noStrike" cap="none" spc="0" normalizeH="0" baseline="0">
         <a:ln>
           <a:noFill/>
         </a:ln>
@@ -161,7 +162,7 @@
       <a:buFontTx/>
       <a:buNone/>
       <a:tabLst/>
-      <a:defRPr b="0" baseline="0" cap="none" i="0" spc="0" strike="noStrike" sz="2400" u="none" kumimoji="0" normalizeH="0">
+      <a:defRPr kumimoji="0" sz="2400" b="0" i="0" u="none" strike="noStrike" cap="none" spc="0" normalizeH="0" baseline="0">
         <a:ln>
           <a:noFill/>
         </a:ln>
@@ -191,7 +192,7 @@
       <a:buFontTx/>
       <a:buNone/>
       <a:tabLst/>
-      <a:defRPr b="0" baseline="0" cap="none" i="0" spc="0" strike="noStrike" sz="2400" u="none" kumimoji="0" normalizeH="0">
+      <a:defRPr kumimoji="0" sz="2400" b="0" i="0" u="none" strike="noStrike" cap="none" spc="0" normalizeH="0" baseline="0">
         <a:ln>
           <a:noFill/>
         </a:ln>
@@ -221,7 +222,7 @@
       <a:buFontTx/>
       <a:buNone/>
       <a:tabLst/>
-      <a:defRPr b="0" baseline="0" cap="none" i="0" spc="0" strike="noStrike" sz="2400" u="none" kumimoji="0" normalizeH="0">
+      <a:defRPr kumimoji="0" sz="2400" b="0" i="0" u="none" strike="noStrike" cap="none" spc="0" normalizeH="0" baseline="0">
         <a:ln>
           <a:noFill/>
         </a:ln>
@@ -251,7 +252,7 @@
       <a:buFontTx/>
       <a:buNone/>
       <a:tabLst/>
-      <a:defRPr b="0" baseline="0" cap="none" i="0" spc="0" strike="noStrike" sz="2400" u="none" kumimoji="0" normalizeH="0">
+      <a:defRPr kumimoji="0" sz="2400" b="0" i="0" u="none" strike="noStrike" cap="none" spc="0" normalizeH="0" baseline="0">
         <a:ln>
           <a:noFill/>
         </a:ln>
@@ -281,7 +282,7 @@
       <a:buFontTx/>
       <a:buNone/>
       <a:tabLst/>
-      <a:defRPr b="0" baseline="0" cap="none" i="0" spc="0" strike="noStrike" sz="2400" u="none" kumimoji="0" normalizeH="0">
+      <a:defRPr kumimoji="0" sz="2400" b="0" i="0" u="none" strike="noStrike" cap="none" spc="0" normalizeH="0" baseline="0">
         <a:ln>
           <a:noFill/>
         </a:ln>
@@ -311,7 +312,7 @@
       <a:buFontTx/>
       <a:buNone/>
       <a:tabLst/>
-      <a:defRPr b="0" baseline="0" cap="none" i="0" spc="0" strike="noStrike" sz="2400" u="none" kumimoji="0" normalizeH="0">
+      <a:defRPr kumimoji="0" sz="2400" b="0" i="0" u="none" strike="noStrike" cap="none" spc="0" normalizeH="0" baseline="0">
         <a:ln>
           <a:noFill/>
         </a:ln>
@@ -330,13 +331,14 @@
 </p:presentation>
 </file>
 
-<file path=ppt/commentAuthors.xml><?xml version="1.0" encoding="utf-8"?>
-<p:cmAuthorLst xmlns:a="http://schemas.openxmlformats.org/drawingml/2006/main" xmlns:r="http://schemas.openxmlformats.org/officeDocument/2006/relationships" xmlns:p="http://schemas.openxmlformats.org/presentationml/2006/main"/>
-</file>
-
 <file path=ppt/notesMasters/notesMaster1.xml><?xml version="1.0" encoding="utf-8"?>
 <p:notesMaster xmlns:a="http://schemas.openxmlformats.org/drawingml/2006/main" xmlns:r="http://schemas.openxmlformats.org/officeDocument/2006/relationships" xmlns:p="http://schemas.openxmlformats.org/presentationml/2006/main">
   <p:cSld>
+    <p:bg>
+      <p:bgRef idx="1001">
+        <a:schemeClr val="bg1"/>
+      </p:bgRef>
+    </p:bg>
     <p:spTree>
       <p:nvGrpSpPr>
         <p:cNvPr id="1" name=""/>
@@ -354,7 +356,9 @@
       <p:sp>
         <p:nvSpPr>
           <p:cNvPr id="130" name="Shape 130"/>
-          <p:cNvSpPr/>
+          <p:cNvSpPr>
+            <a:spLocks noGrp="1" noRot="1" noChangeAspect="1"/>
+          </p:cNvSpPr>
           <p:nvPr>
             <p:ph type="sldImg"/>
           </p:nvPr>
@@ -372,14 +376,16 @@
           <a:bodyPr/>
           <a:lstStyle/>
           <a:p>
-            <a:pPr/>
+            <a:endParaRPr/>
           </a:p>
         </p:txBody>
       </p:sp>
       <p:sp>
         <p:nvSpPr>
           <p:cNvPr id="131" name="Shape 131"/>
-          <p:cNvSpPr/>
+          <p:cNvSpPr>
+            <a:spLocks noGrp="1"/>
+          </p:cNvSpPr>
           <p:nvPr>
             <p:ph type="body" sz="quarter" idx="1"/>
           </p:nvPr>
@@ -397,7 +403,7 @@
           <a:bodyPr/>
           <a:lstStyle/>
           <a:p>
-            <a:pPr/>
+            <a:endParaRPr/>
           </a:p>
         </p:txBody>
       </p:sp>
@@ -509,7 +515,7 @@
 </file>
 
 <file path=ppt/slideLayouts/slideLayout1.xml><?xml version="1.0" encoding="utf-8"?>
-<p:sldLayout xmlns:a="http://schemas.openxmlformats.org/drawingml/2006/main" xmlns:r="http://schemas.openxmlformats.org/officeDocument/2006/relationships" xmlns:p="http://schemas.openxmlformats.org/presentationml/2006/main" type="title" showMasterSp="0" showMasterPhAnim="1">
+<p:sldLayout xmlns:a="http://schemas.openxmlformats.org/drawingml/2006/main" xmlns:r="http://schemas.openxmlformats.org/officeDocument/2006/relationships" xmlns:p="http://schemas.openxmlformats.org/presentationml/2006/main" showMasterSp="0" type="title">
   <p:cSld name="Title &amp; Subtitle">
     <p:spTree>
       <p:nvGrpSpPr>
@@ -563,6 +569,7 @@
                 <a:sym typeface="Helvetica"/>
               </a:defRPr>
             </a:pPr>
+            <a:endParaRPr/>
           </a:p>
         </p:txBody>
       </p:sp>
@@ -604,6 +611,7 @@
                 <a:sym typeface="Helvetica"/>
               </a:defRPr>
             </a:pPr>
+            <a:endParaRPr/>
           </a:p>
         </p:txBody>
       </p:sp>
@@ -645,13 +653,16 @@
                 <a:sym typeface="Helvetica"/>
               </a:defRPr>
             </a:pPr>
+            <a:endParaRPr/>
           </a:p>
         </p:txBody>
       </p:sp>
       <p:sp>
         <p:nvSpPr>
           <p:cNvPr id="16" name="Lorem Ipsum Dolor"/>
-          <p:cNvSpPr txBox="1"/>
+          <p:cNvSpPr txBox="1">
+            <a:spLocks noGrp="1"/>
+          </p:cNvSpPr>
           <p:nvPr>
             <p:ph type="body" sz="quarter" idx="13"/>
           </p:nvPr>
@@ -681,11 +692,10 @@
               <a:buSzTx/>
               <a:buFontTx/>
               <a:buNone/>
-              <a:defRPr i="1" sz="2400"/>
+              <a:defRPr sz="2400" i="1"/>
             </a:lvl1pPr>
           </a:lstStyle>
           <a:p>
-            <a:pPr/>
             <a:r>
               <a:t>Lorem Ipsum Dolor</a:t>
             </a:r>
@@ -695,7 +705,9 @@
       <p:sp>
         <p:nvSpPr>
           <p:cNvPr id="17" name="Title Text"/>
-          <p:cNvSpPr txBox="1"/>
+          <p:cNvSpPr txBox="1">
+            <a:spLocks noGrp="1"/>
+          </p:cNvSpPr>
           <p:nvPr>
             <p:ph type="title"/>
           </p:nvPr>
@@ -715,7 +727,6 @@
             <a:lvl1pPr algn="l"/>
           </a:lstStyle>
           <a:p>
-            <a:pPr/>
             <a:r>
               <a:t>Title Text</a:t>
             </a:r>
@@ -725,7 +736,9 @@
       <p:sp>
         <p:nvSpPr>
           <p:cNvPr id="18" name="Body Level One…"/>
-          <p:cNvSpPr txBox="1"/>
+          <p:cNvSpPr txBox="1">
+            <a:spLocks noGrp="1"/>
+          </p:cNvSpPr>
           <p:nvPr>
             <p:ph type="body" sz="quarter" idx="1"/>
           </p:nvPr>
@@ -794,7 +807,6 @@
             </a:lvl5pPr>
           </a:lstStyle>
           <a:p>
-            <a:pPr/>
             <a:r>
               <a:t>Body Level One</a:t>
             </a:r>
@@ -828,7 +840,9 @@
       <p:sp>
         <p:nvSpPr>
           <p:cNvPr id="19" name="Slide Number"/>
-          <p:cNvSpPr txBox="1"/>
+          <p:cNvSpPr txBox="1">
+            <a:spLocks noGrp="1"/>
+          </p:cNvSpPr>
           <p:nvPr>
             <p:ph type="sldNum" sz="quarter" idx="2"/>
           </p:nvPr>
@@ -842,8 +856,10 @@
           <a:bodyPr/>
           <a:lstStyle/>
           <a:p>
-            <a:pPr/>
-            <a:fld id="{86CB4B4D-7CA3-9044-876B-883B54F8677D}" type="slidenum"/>
+            <a:fld id="{86CB4B4D-7CA3-9044-876B-883B54F8677D}" type="slidenum">
+              <a:t>‹#›</a:t>
+            </a:fld>
+            <a:endParaRPr/>
           </a:p>
         </p:txBody>
       </p:sp>
@@ -852,12 +868,12 @@
   <p:clrMapOvr>
     <a:masterClrMapping/>
   </p:clrMapOvr>
-  <p:transition xmlns:p14="http://schemas.microsoft.com/office/powerpoint/2010/main" spd="med" advClick="1"/>
+  <p:transition spd="med"/>
 </p:sldLayout>
 </file>
 
 <file path=ppt/slideLayouts/slideLayout10.xml><?xml version="1.0" encoding="utf-8"?>
-<p:sldLayout xmlns:a="http://schemas.openxmlformats.org/drawingml/2006/main" xmlns:r="http://schemas.openxmlformats.org/officeDocument/2006/relationships" xmlns:p="http://schemas.openxmlformats.org/presentationml/2006/main" type="tx" showMasterSp="0" showMasterPhAnim="1">
+<p:sldLayout xmlns:a="http://schemas.openxmlformats.org/drawingml/2006/main" xmlns:r="http://schemas.openxmlformats.org/officeDocument/2006/relationships" xmlns:p="http://schemas.openxmlformats.org/presentationml/2006/main" showMasterSp="0" type="tx">
   <p:cSld name="Quote">
     <p:spTree>
       <p:nvGrpSpPr>
@@ -876,7 +892,9 @@
       <p:sp>
         <p:nvSpPr>
           <p:cNvPr id="107" name="–Johnny Appleseed"/>
-          <p:cNvSpPr txBox="1"/>
+          <p:cNvSpPr txBox="1">
+            <a:spLocks noGrp="1"/>
+          </p:cNvSpPr>
           <p:nvPr>
             <p:ph type="body" sz="quarter" idx="13"/>
           </p:nvPr>
@@ -903,11 +921,10 @@
               <a:buSzTx/>
               <a:buFontTx/>
               <a:buNone/>
-              <a:defRPr i="1" sz="3000"/>
+              <a:defRPr sz="3000" i="1"/>
             </a:lvl1pPr>
           </a:lstStyle>
           <a:p>
-            <a:pPr/>
             <a:r>
               <a:t>–Johnny Appleseed</a:t>
             </a:r>
@@ -917,7 +934,9 @@
       <p:sp>
         <p:nvSpPr>
           <p:cNvPr id="108" name="“Type a quote here.”"/>
-          <p:cNvSpPr txBox="1"/>
+          <p:cNvSpPr txBox="1">
+            <a:spLocks noGrp="1"/>
+          </p:cNvSpPr>
           <p:nvPr>
             <p:ph type="body" sz="quarter" idx="14"/>
           </p:nvPr>
@@ -947,7 +966,6 @@
             </a:lvl1pPr>
           </a:lstStyle>
           <a:p>
-            <a:pPr/>
             <a:r>
               <a:t>“Type a quote here.” </a:t>
             </a:r>
@@ -957,7 +975,9 @@
       <p:sp>
         <p:nvSpPr>
           <p:cNvPr id="109" name="Slide Number"/>
-          <p:cNvSpPr txBox="1"/>
+          <p:cNvSpPr txBox="1">
+            <a:spLocks noGrp="1"/>
+          </p:cNvSpPr>
           <p:nvPr>
             <p:ph type="sldNum" sz="quarter" idx="2"/>
           </p:nvPr>
@@ -971,8 +991,10 @@
           <a:bodyPr/>
           <a:lstStyle/>
           <a:p>
-            <a:pPr/>
-            <a:fld id="{86CB4B4D-7CA3-9044-876B-883B54F8677D}" type="slidenum"/>
+            <a:fld id="{86CB4B4D-7CA3-9044-876B-883B54F8677D}" type="slidenum">
+              <a:t>‹#›</a:t>
+            </a:fld>
+            <a:endParaRPr/>
           </a:p>
         </p:txBody>
       </p:sp>
@@ -981,12 +1003,12 @@
   <p:clrMapOvr>
     <a:masterClrMapping/>
   </p:clrMapOvr>
-  <p:transition xmlns:p14="http://schemas.microsoft.com/office/powerpoint/2010/main" spd="med" advClick="1"/>
+  <p:transition spd="med"/>
 </p:sldLayout>
 </file>
 
 <file path=ppt/slideLayouts/slideLayout11.xml><?xml version="1.0" encoding="utf-8"?>
-<p:sldLayout xmlns:a="http://schemas.openxmlformats.org/drawingml/2006/main" xmlns:r="http://schemas.openxmlformats.org/officeDocument/2006/relationships" xmlns:p="http://schemas.openxmlformats.org/presentationml/2006/main" type="tx" showMasterSp="0" showMasterPhAnim="1">
+<p:sldLayout xmlns:a="http://schemas.openxmlformats.org/drawingml/2006/main" xmlns:r="http://schemas.openxmlformats.org/officeDocument/2006/relationships" xmlns:p="http://schemas.openxmlformats.org/presentationml/2006/main" showMasterSp="0" type="tx">
   <p:cSld name="Photo">
     <p:spTree>
       <p:nvGrpSpPr>
@@ -1005,7 +1027,9 @@
       <p:sp>
         <p:nvSpPr>
           <p:cNvPr id="116" name="Image"/>
-          <p:cNvSpPr/>
+          <p:cNvSpPr>
+            <a:spLocks noGrp="1"/>
+          </p:cNvSpPr>
           <p:nvPr>
             <p:ph type="pic" idx="13"/>
           </p:nvPr>
@@ -1025,14 +1049,16 @@
           </a:bodyPr>
           <a:lstStyle/>
           <a:p>
-            <a:pPr/>
+            <a:endParaRPr/>
           </a:p>
         </p:txBody>
       </p:sp>
       <p:sp>
         <p:nvSpPr>
           <p:cNvPr id="117" name="Slide Number"/>
-          <p:cNvSpPr txBox="1"/>
+          <p:cNvSpPr txBox="1">
+            <a:spLocks noGrp="1"/>
+          </p:cNvSpPr>
           <p:nvPr>
             <p:ph type="sldNum" sz="quarter" idx="2"/>
           </p:nvPr>
@@ -1046,8 +1072,10 @@
           <a:bodyPr/>
           <a:lstStyle/>
           <a:p>
-            <a:pPr/>
-            <a:fld id="{86CB4B4D-7CA3-9044-876B-883B54F8677D}" type="slidenum"/>
+            <a:fld id="{86CB4B4D-7CA3-9044-876B-883B54F8677D}" type="slidenum">
+              <a:t>‹#›</a:t>
+            </a:fld>
+            <a:endParaRPr/>
           </a:p>
         </p:txBody>
       </p:sp>
@@ -1056,12 +1084,12 @@
   <p:clrMapOvr>
     <a:masterClrMapping/>
   </p:clrMapOvr>
-  <p:transition xmlns:p14="http://schemas.microsoft.com/office/powerpoint/2010/main" spd="med" advClick="1"/>
+  <p:transition spd="med"/>
 </p:sldLayout>
 </file>
 
 <file path=ppt/slideLayouts/slideLayout12.xml><?xml version="1.0" encoding="utf-8"?>
-<p:sldLayout xmlns:a="http://schemas.openxmlformats.org/drawingml/2006/main" xmlns:r="http://schemas.openxmlformats.org/officeDocument/2006/relationships" xmlns:p="http://schemas.openxmlformats.org/presentationml/2006/main" type="tx" showMasterSp="0" showMasterPhAnim="1">
+<p:sldLayout xmlns:a="http://schemas.openxmlformats.org/drawingml/2006/main" xmlns:r="http://schemas.openxmlformats.org/officeDocument/2006/relationships" xmlns:p="http://schemas.openxmlformats.org/presentationml/2006/main" showMasterSp="0" type="tx">
   <p:cSld name="Blank">
     <p:spTree>
       <p:nvGrpSpPr>
@@ -1080,7 +1108,9 @@
       <p:sp>
         <p:nvSpPr>
           <p:cNvPr id="124" name="Slide Number"/>
-          <p:cNvSpPr txBox="1"/>
+          <p:cNvSpPr txBox="1">
+            <a:spLocks noGrp="1"/>
+          </p:cNvSpPr>
           <p:nvPr>
             <p:ph type="sldNum" sz="quarter" idx="2"/>
           </p:nvPr>
@@ -1094,8 +1124,10 @@
           <a:bodyPr/>
           <a:lstStyle/>
           <a:p>
-            <a:pPr/>
-            <a:fld id="{86CB4B4D-7CA3-9044-876B-883B54F8677D}" type="slidenum"/>
+            <a:fld id="{86CB4B4D-7CA3-9044-876B-883B54F8677D}" type="slidenum">
+              <a:t>‹#›</a:t>
+            </a:fld>
+            <a:endParaRPr/>
           </a:p>
         </p:txBody>
       </p:sp>
@@ -1104,12 +1136,12 @@
   <p:clrMapOvr>
     <a:masterClrMapping/>
   </p:clrMapOvr>
-  <p:transition xmlns:p14="http://schemas.microsoft.com/office/powerpoint/2010/main" spd="med" advClick="1"/>
+  <p:transition spd="med"/>
 </p:sldLayout>
 </file>
 
 <file path=ppt/slideLayouts/slideLayout2.xml><?xml version="1.0" encoding="utf-8"?>
-<p:sldLayout xmlns:a="http://schemas.openxmlformats.org/drawingml/2006/main" xmlns:r="http://schemas.openxmlformats.org/officeDocument/2006/relationships" xmlns:p="http://schemas.openxmlformats.org/presentationml/2006/main" type="tx" showMasterSp="0" showMasterPhAnim="1">
+<p:sldLayout xmlns:a="http://schemas.openxmlformats.org/drawingml/2006/main" xmlns:r="http://schemas.openxmlformats.org/officeDocument/2006/relationships" xmlns:p="http://schemas.openxmlformats.org/presentationml/2006/main" showMasterSp="0" type="tx">
   <p:cSld name="Photo - Horizontal">
     <p:spTree>
       <p:nvGrpSpPr>
@@ -1163,6 +1195,7 @@
                 <a:sym typeface="Helvetica"/>
               </a:defRPr>
             </a:pPr>
+            <a:endParaRPr/>
           </a:p>
         </p:txBody>
       </p:sp>
@@ -1204,6 +1237,7 @@
                 <a:sym typeface="Helvetica"/>
               </a:defRPr>
             </a:pPr>
+            <a:endParaRPr/>
           </a:p>
         </p:txBody>
       </p:sp>
@@ -1245,6 +1279,7 @@
                 <a:sym typeface="Helvetica"/>
               </a:defRPr>
             </a:pPr>
+            <a:endParaRPr/>
           </a:p>
         </p:txBody>
       </p:sp>
@@ -1286,13 +1321,16 @@
                 <a:sym typeface="Helvetica"/>
               </a:defRPr>
             </a:pPr>
+            <a:endParaRPr/>
           </a:p>
         </p:txBody>
       </p:sp>
       <p:sp>
         <p:nvSpPr>
           <p:cNvPr id="30" name="Lorem Ipsum Dolor"/>
-          <p:cNvSpPr txBox="1"/>
+          <p:cNvSpPr txBox="1">
+            <a:spLocks noGrp="1"/>
+          </p:cNvSpPr>
           <p:nvPr>
             <p:ph type="body" sz="quarter" idx="13"/>
           </p:nvPr>
@@ -1322,11 +1360,10 @@
               <a:buSzTx/>
               <a:buFontTx/>
               <a:buNone/>
-              <a:defRPr i="1" sz="2400"/>
+              <a:defRPr sz="2400" i="1"/>
             </a:lvl1pPr>
           </a:lstStyle>
           <a:p>
-            <a:pPr/>
             <a:r>
               <a:t>Lorem Ipsum Dolor</a:t>
             </a:r>
@@ -1336,7 +1373,9 @@
       <p:sp>
         <p:nvSpPr>
           <p:cNvPr id="31" name="Image"/>
-          <p:cNvSpPr/>
+          <p:cNvSpPr>
+            <a:spLocks noGrp="1"/>
+          </p:cNvSpPr>
           <p:nvPr>
             <p:ph type="pic" idx="14"/>
           </p:nvPr>
@@ -1359,14 +1398,16 @@
           </a:bodyPr>
           <a:lstStyle/>
           <a:p>
-            <a:pPr/>
+            <a:endParaRPr/>
           </a:p>
         </p:txBody>
       </p:sp>
       <p:sp>
         <p:nvSpPr>
           <p:cNvPr id="32" name="Title Text"/>
-          <p:cNvSpPr txBox="1"/>
+          <p:cNvSpPr txBox="1">
+            <a:spLocks noGrp="1"/>
+          </p:cNvSpPr>
           <p:nvPr>
             <p:ph type="title"/>
           </p:nvPr>
@@ -1386,7 +1427,6 @@
             <a:lvl1pPr algn="l"/>
           </a:lstStyle>
           <a:p>
-            <a:pPr/>
             <a:r>
               <a:t>Title Text</a:t>
             </a:r>
@@ -1396,7 +1436,9 @@
       <p:sp>
         <p:nvSpPr>
           <p:cNvPr id="33" name="Body Level One…"/>
-          <p:cNvSpPr txBox="1"/>
+          <p:cNvSpPr txBox="1">
+            <a:spLocks noGrp="1"/>
+          </p:cNvSpPr>
           <p:nvPr>
             <p:ph type="body" sz="quarter" idx="1"/>
           </p:nvPr>
@@ -1465,7 +1507,6 @@
             </a:lvl5pPr>
           </a:lstStyle>
           <a:p>
-            <a:pPr/>
             <a:r>
               <a:t>Body Level One</a:t>
             </a:r>
@@ -1499,7 +1540,9 @@
       <p:sp>
         <p:nvSpPr>
           <p:cNvPr id="34" name="Slide Number"/>
-          <p:cNvSpPr txBox="1"/>
+          <p:cNvSpPr txBox="1">
+            <a:spLocks noGrp="1"/>
+          </p:cNvSpPr>
           <p:nvPr>
             <p:ph type="sldNum" sz="quarter" idx="2"/>
           </p:nvPr>
@@ -1513,8 +1556,10 @@
           <a:bodyPr/>
           <a:lstStyle/>
           <a:p>
-            <a:pPr/>
-            <a:fld id="{86CB4B4D-7CA3-9044-876B-883B54F8677D}" type="slidenum"/>
+            <a:fld id="{86CB4B4D-7CA3-9044-876B-883B54F8677D}" type="slidenum">
+              <a:t>‹#›</a:t>
+            </a:fld>
+            <a:endParaRPr/>
           </a:p>
         </p:txBody>
       </p:sp>
@@ -1523,12 +1568,12 @@
   <p:clrMapOvr>
     <a:masterClrMapping/>
   </p:clrMapOvr>
-  <p:transition xmlns:p14="http://schemas.microsoft.com/office/powerpoint/2010/main" spd="med" advClick="1"/>
+  <p:transition spd="med"/>
 </p:sldLayout>
 </file>
 
 <file path=ppt/slideLayouts/slideLayout3.xml><?xml version="1.0" encoding="utf-8"?>
-<p:sldLayout xmlns:a="http://schemas.openxmlformats.org/drawingml/2006/main" xmlns:r="http://schemas.openxmlformats.org/officeDocument/2006/relationships" xmlns:p="http://schemas.openxmlformats.org/presentationml/2006/main" type="tx" showMasterSp="0" showMasterPhAnim="1">
+<p:sldLayout xmlns:a="http://schemas.openxmlformats.org/drawingml/2006/main" xmlns:r="http://schemas.openxmlformats.org/officeDocument/2006/relationships" xmlns:p="http://schemas.openxmlformats.org/presentationml/2006/main" showMasterSp="0" type="tx">
   <p:cSld name="Title - Center">
     <p:spTree>
       <p:nvGrpSpPr>
@@ -1547,7 +1592,9 @@
       <p:sp>
         <p:nvSpPr>
           <p:cNvPr id="41" name="Title Text"/>
-          <p:cNvSpPr txBox="1"/>
+          <p:cNvSpPr txBox="1">
+            <a:spLocks noGrp="1"/>
+          </p:cNvSpPr>
           <p:nvPr>
             <p:ph type="title"/>
           </p:nvPr>
@@ -1565,7 +1612,6 @@
           <a:bodyPr/>
           <a:lstStyle/>
           <a:p>
-            <a:pPr/>
             <a:r>
               <a:t>Title Text</a:t>
             </a:r>
@@ -1575,7 +1621,9 @@
       <p:sp>
         <p:nvSpPr>
           <p:cNvPr id="42" name="Slide Number"/>
-          <p:cNvSpPr txBox="1"/>
+          <p:cNvSpPr txBox="1">
+            <a:spLocks noGrp="1"/>
+          </p:cNvSpPr>
           <p:nvPr>
             <p:ph type="sldNum" sz="quarter" idx="2"/>
           </p:nvPr>
@@ -1589,8 +1637,10 @@
           <a:bodyPr/>
           <a:lstStyle/>
           <a:p>
-            <a:pPr/>
-            <a:fld id="{86CB4B4D-7CA3-9044-876B-883B54F8677D}" type="slidenum"/>
+            <a:fld id="{86CB4B4D-7CA3-9044-876B-883B54F8677D}" type="slidenum">
+              <a:t>‹#›</a:t>
+            </a:fld>
+            <a:endParaRPr/>
           </a:p>
         </p:txBody>
       </p:sp>
@@ -1599,12 +1649,12 @@
   <p:clrMapOvr>
     <a:masterClrMapping/>
   </p:clrMapOvr>
-  <p:transition xmlns:p14="http://schemas.microsoft.com/office/powerpoint/2010/main" spd="med" advClick="1"/>
+  <p:transition spd="med"/>
 </p:sldLayout>
 </file>
 
 <file path=ppt/slideLayouts/slideLayout4.xml><?xml version="1.0" encoding="utf-8"?>
-<p:sldLayout xmlns:a="http://schemas.openxmlformats.org/drawingml/2006/main" xmlns:r="http://schemas.openxmlformats.org/officeDocument/2006/relationships" xmlns:p="http://schemas.openxmlformats.org/presentationml/2006/main" type="tx" showMasterSp="0" showMasterPhAnim="1">
+<p:sldLayout xmlns:a="http://schemas.openxmlformats.org/drawingml/2006/main" xmlns:r="http://schemas.openxmlformats.org/officeDocument/2006/relationships" xmlns:p="http://schemas.openxmlformats.org/presentationml/2006/main" showMasterSp="0" type="tx">
   <p:cSld name="Photo - Vertical">
     <p:spTree>
       <p:nvGrpSpPr>
@@ -1658,6 +1708,7 @@
                 <a:sym typeface="Helvetica"/>
               </a:defRPr>
             </a:pPr>
+            <a:endParaRPr/>
           </a:p>
         </p:txBody>
       </p:sp>
@@ -1699,13 +1750,16 @@
                 <a:sym typeface="Helvetica"/>
               </a:defRPr>
             </a:pPr>
+            <a:endParaRPr/>
           </a:p>
         </p:txBody>
       </p:sp>
       <p:sp>
         <p:nvSpPr>
           <p:cNvPr id="51" name="Lorem Ipsum Dolor"/>
-          <p:cNvSpPr txBox="1"/>
+          <p:cNvSpPr txBox="1">
+            <a:spLocks noGrp="1"/>
+          </p:cNvSpPr>
           <p:nvPr>
             <p:ph type="body" sz="quarter" idx="13"/>
           </p:nvPr>
@@ -1735,11 +1789,10 @@
               <a:buSzTx/>
               <a:buFontTx/>
               <a:buNone/>
-              <a:defRPr i="1" sz="2400"/>
+              <a:defRPr sz="2400" i="1"/>
             </a:lvl1pPr>
           </a:lstStyle>
           <a:p>
-            <a:pPr/>
             <a:r>
               <a:t>Lorem Ipsum Dolor</a:t>
             </a:r>
@@ -1749,7 +1802,9 @@
       <p:sp>
         <p:nvSpPr>
           <p:cNvPr id="52" name="Image"/>
-          <p:cNvSpPr/>
+          <p:cNvSpPr>
+            <a:spLocks noGrp="1"/>
+          </p:cNvSpPr>
           <p:nvPr>
             <p:ph type="pic" sz="half" idx="14"/>
           </p:nvPr>
@@ -1772,14 +1827,16 @@
           </a:bodyPr>
           <a:lstStyle/>
           <a:p>
-            <a:pPr/>
+            <a:endParaRPr/>
           </a:p>
         </p:txBody>
       </p:sp>
       <p:sp>
         <p:nvSpPr>
           <p:cNvPr id="53" name="Title Text"/>
-          <p:cNvSpPr txBox="1"/>
+          <p:cNvSpPr txBox="1">
+            <a:spLocks noGrp="1"/>
+          </p:cNvSpPr>
           <p:nvPr>
             <p:ph type="title"/>
           </p:nvPr>
@@ -1801,7 +1858,6 @@
             </a:lvl1pPr>
           </a:lstStyle>
           <a:p>
-            <a:pPr/>
             <a:r>
               <a:t>Title Text</a:t>
             </a:r>
@@ -1811,7 +1867,9 @@
       <p:sp>
         <p:nvSpPr>
           <p:cNvPr id="54" name="Body Level One…"/>
-          <p:cNvSpPr txBox="1"/>
+          <p:cNvSpPr txBox="1">
+            <a:spLocks noGrp="1"/>
+          </p:cNvSpPr>
           <p:nvPr>
             <p:ph type="body" sz="quarter" idx="1"/>
           </p:nvPr>
@@ -1880,7 +1938,6 @@
             </a:lvl5pPr>
           </a:lstStyle>
           <a:p>
-            <a:pPr/>
             <a:r>
               <a:t>Body Level One</a:t>
             </a:r>
@@ -1914,7 +1971,9 @@
       <p:sp>
         <p:nvSpPr>
           <p:cNvPr id="55" name="Slide Number"/>
-          <p:cNvSpPr txBox="1"/>
+          <p:cNvSpPr txBox="1">
+            <a:spLocks noGrp="1"/>
+          </p:cNvSpPr>
           <p:nvPr>
             <p:ph type="sldNum" sz="quarter" idx="2"/>
           </p:nvPr>
@@ -1928,8 +1987,10 @@
           <a:bodyPr/>
           <a:lstStyle/>
           <a:p>
-            <a:pPr/>
-            <a:fld id="{86CB4B4D-7CA3-9044-876B-883B54F8677D}" type="slidenum"/>
+            <a:fld id="{86CB4B4D-7CA3-9044-876B-883B54F8677D}" type="slidenum">
+              <a:t>‹#›</a:t>
+            </a:fld>
+            <a:endParaRPr/>
           </a:p>
         </p:txBody>
       </p:sp>
@@ -1938,12 +1999,12 @@
   <p:clrMapOvr>
     <a:masterClrMapping/>
   </p:clrMapOvr>
-  <p:transition xmlns:p14="http://schemas.microsoft.com/office/powerpoint/2010/main" spd="med" advClick="1"/>
+  <p:transition spd="med"/>
 </p:sldLayout>
 </file>
 
 <file path=ppt/slideLayouts/slideLayout5.xml><?xml version="1.0" encoding="utf-8"?>
-<p:sldLayout xmlns:a="http://schemas.openxmlformats.org/drawingml/2006/main" xmlns:r="http://schemas.openxmlformats.org/officeDocument/2006/relationships" xmlns:p="http://schemas.openxmlformats.org/presentationml/2006/main" type="tx" showMasterSp="1" showMasterPhAnim="1">
+<p:sldLayout xmlns:a="http://schemas.openxmlformats.org/drawingml/2006/main" xmlns:r="http://schemas.openxmlformats.org/officeDocument/2006/relationships" xmlns:p="http://schemas.openxmlformats.org/presentationml/2006/main" type="tx">
   <p:cSld name="Title - Top">
     <p:spTree>
       <p:nvGrpSpPr>
@@ -1962,7 +2023,9 @@
       <p:sp>
         <p:nvSpPr>
           <p:cNvPr id="62" name="Title Text"/>
-          <p:cNvSpPr txBox="1"/>
+          <p:cNvSpPr txBox="1">
+            <a:spLocks noGrp="1"/>
+          </p:cNvSpPr>
           <p:nvPr>
             <p:ph type="title"/>
           </p:nvPr>
@@ -1976,7 +2039,6 @@
           <a:bodyPr/>
           <a:lstStyle/>
           <a:p>
-            <a:pPr/>
             <a:r>
               <a:t>Title Text</a:t>
             </a:r>
@@ -1986,7 +2048,9 @@
       <p:sp>
         <p:nvSpPr>
           <p:cNvPr id="63" name="Slide Number"/>
-          <p:cNvSpPr txBox="1"/>
+          <p:cNvSpPr txBox="1">
+            <a:spLocks noGrp="1"/>
+          </p:cNvSpPr>
           <p:nvPr>
             <p:ph type="sldNum" sz="quarter" idx="2"/>
           </p:nvPr>
@@ -2000,8 +2064,10 @@
           <a:bodyPr/>
           <a:lstStyle/>
           <a:p>
-            <a:pPr/>
-            <a:fld id="{86CB4B4D-7CA3-9044-876B-883B54F8677D}" type="slidenum"/>
+            <a:fld id="{86CB4B4D-7CA3-9044-876B-883B54F8677D}" type="slidenum">
+              <a:t>‹#›</a:t>
+            </a:fld>
+            <a:endParaRPr/>
           </a:p>
         </p:txBody>
       </p:sp>
@@ -2010,12 +2076,12 @@
   <p:clrMapOvr>
     <a:masterClrMapping/>
   </p:clrMapOvr>
-  <p:transition xmlns:p14="http://schemas.microsoft.com/office/powerpoint/2010/main" spd="med" advClick="1"/>
+  <p:transition spd="med"/>
 </p:sldLayout>
 </file>
 
 <file path=ppt/slideLayouts/slideLayout6.xml><?xml version="1.0" encoding="utf-8"?>
-<p:sldLayout xmlns:a="http://schemas.openxmlformats.org/drawingml/2006/main" xmlns:r="http://schemas.openxmlformats.org/officeDocument/2006/relationships" xmlns:p="http://schemas.openxmlformats.org/presentationml/2006/main" type="tx" showMasterSp="1" showMasterPhAnim="1">
+<p:sldLayout xmlns:a="http://schemas.openxmlformats.org/drawingml/2006/main" xmlns:r="http://schemas.openxmlformats.org/officeDocument/2006/relationships" xmlns:p="http://schemas.openxmlformats.org/presentationml/2006/main" type="tx">
   <p:cSld name="Title &amp; Bullets">
     <p:spTree>
       <p:nvGrpSpPr>
@@ -2034,7 +2100,9 @@
       <p:sp>
         <p:nvSpPr>
           <p:cNvPr id="70" name="Title Text"/>
-          <p:cNvSpPr txBox="1"/>
+          <p:cNvSpPr txBox="1">
+            <a:spLocks noGrp="1"/>
+          </p:cNvSpPr>
           <p:nvPr>
             <p:ph type="title"/>
           </p:nvPr>
@@ -2048,7 +2116,6 @@
           <a:bodyPr/>
           <a:lstStyle/>
           <a:p>
-            <a:pPr/>
             <a:r>
               <a:t>Title Text</a:t>
             </a:r>
@@ -2058,7 +2125,9 @@
       <p:sp>
         <p:nvSpPr>
           <p:cNvPr id="71" name="Body Level One…"/>
-          <p:cNvSpPr txBox="1"/>
+          <p:cNvSpPr txBox="1">
+            <a:spLocks noGrp="1"/>
+          </p:cNvSpPr>
           <p:nvPr>
             <p:ph type="body" idx="1"/>
           </p:nvPr>
@@ -2072,7 +2141,6 @@
           <a:bodyPr/>
           <a:lstStyle/>
           <a:p>
-            <a:pPr/>
             <a:r>
               <a:t>Body Level One</a:t>
             </a:r>
@@ -2106,7 +2174,9 @@
       <p:sp>
         <p:nvSpPr>
           <p:cNvPr id="72" name="Slide Number"/>
-          <p:cNvSpPr txBox="1"/>
+          <p:cNvSpPr txBox="1">
+            <a:spLocks noGrp="1"/>
+          </p:cNvSpPr>
           <p:nvPr>
             <p:ph type="sldNum" sz="quarter" idx="2"/>
           </p:nvPr>
@@ -2120,8 +2190,10 @@
           <a:bodyPr/>
           <a:lstStyle/>
           <a:p>
-            <a:pPr/>
-            <a:fld id="{86CB4B4D-7CA3-9044-876B-883B54F8677D}" type="slidenum"/>
+            <a:fld id="{86CB4B4D-7CA3-9044-876B-883B54F8677D}" type="slidenum">
+              <a:t>‹#›</a:t>
+            </a:fld>
+            <a:endParaRPr/>
           </a:p>
         </p:txBody>
       </p:sp>
@@ -2130,12 +2202,12 @@
   <p:clrMapOvr>
     <a:masterClrMapping/>
   </p:clrMapOvr>
-  <p:transition xmlns:p14="http://schemas.microsoft.com/office/powerpoint/2010/main" spd="med" advClick="1"/>
+  <p:transition spd="med"/>
 </p:sldLayout>
 </file>
 
 <file path=ppt/slideLayouts/slideLayout7.xml><?xml version="1.0" encoding="utf-8"?>
-<p:sldLayout xmlns:a="http://schemas.openxmlformats.org/drawingml/2006/main" xmlns:r="http://schemas.openxmlformats.org/officeDocument/2006/relationships" xmlns:p="http://schemas.openxmlformats.org/presentationml/2006/main" type="tx" showMasterSp="1" showMasterPhAnim="1">
+<p:sldLayout xmlns:a="http://schemas.openxmlformats.org/drawingml/2006/main" xmlns:r="http://schemas.openxmlformats.org/officeDocument/2006/relationships" xmlns:p="http://schemas.openxmlformats.org/presentationml/2006/main" type="tx">
   <p:cSld name="Title, Bullets &amp; Photo">
     <p:spTree>
       <p:nvGrpSpPr>
@@ -2154,7 +2226,9 @@
       <p:sp>
         <p:nvSpPr>
           <p:cNvPr id="79" name="Image"/>
-          <p:cNvSpPr/>
+          <p:cNvSpPr>
+            <a:spLocks noGrp="1"/>
+          </p:cNvSpPr>
           <p:nvPr>
             <p:ph type="pic" sz="half" idx="13"/>
           </p:nvPr>
@@ -2177,14 +2251,16 @@
           </a:bodyPr>
           <a:lstStyle/>
           <a:p>
-            <a:pPr/>
+            <a:endParaRPr/>
           </a:p>
         </p:txBody>
       </p:sp>
       <p:sp>
         <p:nvSpPr>
           <p:cNvPr id="80" name="Title Text"/>
-          <p:cNvSpPr txBox="1"/>
+          <p:cNvSpPr txBox="1">
+            <a:spLocks noGrp="1"/>
+          </p:cNvSpPr>
           <p:nvPr>
             <p:ph type="title"/>
           </p:nvPr>
@@ -2198,7 +2274,6 @@
           <a:bodyPr/>
           <a:lstStyle/>
           <a:p>
-            <a:pPr/>
             <a:r>
               <a:t>Title Text</a:t>
             </a:r>
@@ -2208,7 +2283,9 @@
       <p:sp>
         <p:nvSpPr>
           <p:cNvPr id="81" name="Body Level One…"/>
-          <p:cNvSpPr txBox="1"/>
+          <p:cNvSpPr txBox="1">
+            <a:spLocks noGrp="1"/>
+          </p:cNvSpPr>
           <p:nvPr>
             <p:ph type="body" sz="half" idx="1"/>
           </p:nvPr>
@@ -2262,7 +2339,6 @@
             </a:lvl5pPr>
           </a:lstStyle>
           <a:p>
-            <a:pPr/>
             <a:r>
               <a:t>Body Level One</a:t>
             </a:r>
@@ -2296,7 +2372,9 @@
       <p:sp>
         <p:nvSpPr>
           <p:cNvPr id="82" name="Slide Number"/>
-          <p:cNvSpPr txBox="1"/>
+          <p:cNvSpPr txBox="1">
+            <a:spLocks noGrp="1"/>
+          </p:cNvSpPr>
           <p:nvPr>
             <p:ph type="sldNum" sz="quarter" idx="2"/>
           </p:nvPr>
@@ -2310,8 +2388,10 @@
           <a:bodyPr/>
           <a:lstStyle/>
           <a:p>
-            <a:pPr/>
-            <a:fld id="{86CB4B4D-7CA3-9044-876B-883B54F8677D}" type="slidenum"/>
+            <a:fld id="{86CB4B4D-7CA3-9044-876B-883B54F8677D}" type="slidenum">
+              <a:t>‹#›</a:t>
+            </a:fld>
+            <a:endParaRPr/>
           </a:p>
         </p:txBody>
       </p:sp>
@@ -2320,12 +2400,12 @@
   <p:clrMapOvr>
     <a:masterClrMapping/>
   </p:clrMapOvr>
-  <p:transition xmlns:p14="http://schemas.microsoft.com/office/powerpoint/2010/main" spd="med" advClick="1"/>
+  <p:transition spd="med"/>
 </p:sldLayout>
 </file>
 
 <file path=ppt/slideLayouts/slideLayout8.xml><?xml version="1.0" encoding="utf-8"?>
-<p:sldLayout xmlns:a="http://schemas.openxmlformats.org/drawingml/2006/main" xmlns:r="http://schemas.openxmlformats.org/officeDocument/2006/relationships" xmlns:p="http://schemas.openxmlformats.org/presentationml/2006/main" type="tx" showMasterSp="0" showMasterPhAnim="1">
+<p:sldLayout xmlns:a="http://schemas.openxmlformats.org/drawingml/2006/main" xmlns:r="http://schemas.openxmlformats.org/officeDocument/2006/relationships" xmlns:p="http://schemas.openxmlformats.org/presentationml/2006/main" showMasterSp="0" type="tx">
   <p:cSld name="Bullets">
     <p:spTree>
       <p:nvGrpSpPr>
@@ -2344,7 +2424,9 @@
       <p:sp>
         <p:nvSpPr>
           <p:cNvPr id="89" name="Body Level One…"/>
-          <p:cNvSpPr txBox="1"/>
+          <p:cNvSpPr txBox="1">
+            <a:spLocks noGrp="1"/>
+          </p:cNvSpPr>
           <p:nvPr>
             <p:ph type="body" idx="1"/>
           </p:nvPr>
@@ -2362,7 +2444,6 @@
           <a:bodyPr/>
           <a:lstStyle/>
           <a:p>
-            <a:pPr/>
             <a:r>
               <a:t>Body Level One</a:t>
             </a:r>
@@ -2396,7 +2477,9 @@
       <p:sp>
         <p:nvSpPr>
           <p:cNvPr id="90" name="Slide Number"/>
-          <p:cNvSpPr txBox="1"/>
+          <p:cNvSpPr txBox="1">
+            <a:spLocks noGrp="1"/>
+          </p:cNvSpPr>
           <p:nvPr>
             <p:ph type="sldNum" sz="quarter" idx="2"/>
           </p:nvPr>
@@ -2410,8 +2493,10 @@
           <a:bodyPr/>
           <a:lstStyle/>
           <a:p>
-            <a:pPr/>
-            <a:fld id="{86CB4B4D-7CA3-9044-876B-883B54F8677D}" type="slidenum"/>
+            <a:fld id="{86CB4B4D-7CA3-9044-876B-883B54F8677D}" type="slidenum">
+              <a:t>‹#›</a:t>
+            </a:fld>
+            <a:endParaRPr/>
           </a:p>
         </p:txBody>
       </p:sp>
@@ -2420,12 +2505,12 @@
   <p:clrMapOvr>
     <a:masterClrMapping/>
   </p:clrMapOvr>
-  <p:transition xmlns:p14="http://schemas.microsoft.com/office/powerpoint/2010/main" spd="med" advClick="1"/>
+  <p:transition spd="med"/>
 </p:sldLayout>
 </file>
 
 <file path=ppt/slideLayouts/slideLayout9.xml><?xml version="1.0" encoding="utf-8"?>
-<p:sldLayout xmlns:a="http://schemas.openxmlformats.org/drawingml/2006/main" xmlns:r="http://schemas.openxmlformats.org/officeDocument/2006/relationships" xmlns:p="http://schemas.openxmlformats.org/presentationml/2006/main" type="tx" showMasterSp="0" showMasterPhAnim="1">
+<p:sldLayout xmlns:a="http://schemas.openxmlformats.org/drawingml/2006/main" xmlns:r="http://schemas.openxmlformats.org/officeDocument/2006/relationships" xmlns:p="http://schemas.openxmlformats.org/presentationml/2006/main" showMasterSp="0" type="tx">
   <p:cSld name="Photo - 3 Up">
     <p:spTree>
       <p:nvGrpSpPr>
@@ -2444,7 +2529,9 @@
       <p:sp>
         <p:nvSpPr>
           <p:cNvPr id="97" name="Image"/>
-          <p:cNvSpPr/>
+          <p:cNvSpPr>
+            <a:spLocks noGrp="1"/>
+          </p:cNvSpPr>
           <p:nvPr>
             <p:ph type="pic" sz="quarter" idx="13"/>
           </p:nvPr>
@@ -2467,14 +2554,16 @@
           </a:bodyPr>
           <a:lstStyle/>
           <a:p>
-            <a:pPr/>
+            <a:endParaRPr/>
           </a:p>
         </p:txBody>
       </p:sp>
       <p:sp>
         <p:nvSpPr>
           <p:cNvPr id="98" name="Image"/>
-          <p:cNvSpPr/>
+          <p:cNvSpPr>
+            <a:spLocks noGrp="1"/>
+          </p:cNvSpPr>
           <p:nvPr>
             <p:ph type="pic" sz="quarter" idx="14"/>
           </p:nvPr>
@@ -2497,14 +2586,16 @@
           </a:bodyPr>
           <a:lstStyle/>
           <a:p>
-            <a:pPr/>
+            <a:endParaRPr/>
           </a:p>
         </p:txBody>
       </p:sp>
       <p:sp>
         <p:nvSpPr>
           <p:cNvPr id="99" name="Image"/>
-          <p:cNvSpPr/>
+          <p:cNvSpPr>
+            <a:spLocks noGrp="1"/>
+          </p:cNvSpPr>
           <p:nvPr>
             <p:ph type="pic" sz="half" idx="15"/>
           </p:nvPr>
@@ -2527,14 +2618,16 @@
           </a:bodyPr>
           <a:lstStyle/>
           <a:p>
-            <a:pPr/>
+            <a:endParaRPr/>
           </a:p>
         </p:txBody>
       </p:sp>
       <p:sp>
         <p:nvSpPr>
           <p:cNvPr id="100" name="Slide Number"/>
-          <p:cNvSpPr txBox="1"/>
+          <p:cNvSpPr txBox="1">
+            <a:spLocks noGrp="1"/>
+          </p:cNvSpPr>
           <p:nvPr>
             <p:ph type="sldNum" sz="quarter" idx="2"/>
           </p:nvPr>
@@ -2548,8 +2641,10 @@
           <a:bodyPr/>
           <a:lstStyle/>
           <a:p>
-            <a:pPr/>
-            <a:fld id="{86CB4B4D-7CA3-9044-876B-883B54F8677D}" type="slidenum"/>
+            <a:fld id="{86CB4B4D-7CA3-9044-876B-883B54F8677D}" type="slidenum">
+              <a:t>‹#›</a:t>
+            </a:fld>
+            <a:endParaRPr/>
           </a:p>
         </p:txBody>
       </p:sp>
@@ -2558,7 +2653,7 @@
   <p:clrMapOvr>
     <a:masterClrMapping/>
   </p:clrMapOvr>
-  <p:transition xmlns:p14="http://schemas.microsoft.com/office/powerpoint/2010/main" spd="med" advClick="1"/>
+  <p:transition spd="med"/>
 </p:sldLayout>
 </file>
 
@@ -2568,12 +2663,13 @@
     <p:bg>
       <p:bgPr>
         <a:blipFill rotWithShape="1">
-          <a:blip r:embed="rId2"/>
-          <a:srcRect l="0" t="0" r="0" b="0"/>
+          <a:blip r:embed="rId14"/>
+          <a:srcRect/>
           <a:stretch>
             <a:fillRect/>
           </a:stretch>
         </a:blipFill>
+        <a:effectLst/>
       </p:bgPr>
     </p:bg>
     <p:spTree>
@@ -2628,6 +2724,7 @@
                 <a:sym typeface="Helvetica"/>
               </a:defRPr>
             </a:pPr>
+            <a:endParaRPr/>
           </a:p>
         </p:txBody>
       </p:sp>
@@ -2669,13 +2766,16 @@
                 <a:sym typeface="Helvetica"/>
               </a:defRPr>
             </a:pPr>
+            <a:endParaRPr/>
           </a:p>
         </p:txBody>
       </p:sp>
       <p:sp>
         <p:nvSpPr>
           <p:cNvPr id="4" name="Title Text"/>
-          <p:cNvSpPr txBox="1"/>
+          <p:cNvSpPr txBox="1">
+            <a:spLocks noGrp="1"/>
+          </p:cNvSpPr>
           <p:nvPr>
             <p:ph type="title"/>
           </p:nvPr>
@@ -2693,17 +2793,16 @@
           </a:ln>
           <a:extLst>
             <a:ext uri="{C572A759-6A51-4108-AA02-DFA0A04FC94B}">
-              <ma14:wrappingTextBoxFlag xmlns:ma14="http://schemas.microsoft.com/office/mac/drawingml/2011/main" val="1"/>
+              <ma14:wrappingTextBoxFlag xmlns:ma14="http://schemas.microsoft.com/office/mac/drawingml/2011/main" xmlns="" val="1"/>
             </a:ext>
           </a:extLst>
         </p:spPr>
         <p:txBody>
           <a:bodyPr lIns="50800" tIns="50800" rIns="50800" bIns="50800" anchor="ctr">
-            <a:normAutofit fontScale="100000" lnSpcReduction="0"/>
+            <a:normAutofit/>
           </a:bodyPr>
           <a:lstStyle/>
           <a:p>
-            <a:pPr/>
             <a:r>
               <a:t>Title Text</a:t>
             </a:r>
@@ -2713,7 +2812,9 @@
       <p:sp>
         <p:nvSpPr>
           <p:cNvPr id="5" name="Body Level One…"/>
-          <p:cNvSpPr txBox="1"/>
+          <p:cNvSpPr txBox="1">
+            <a:spLocks noGrp="1"/>
+          </p:cNvSpPr>
           <p:nvPr>
             <p:ph type="body" idx="1"/>
           </p:nvPr>
@@ -2731,17 +2832,16 @@
           </a:ln>
           <a:extLst>
             <a:ext uri="{C572A759-6A51-4108-AA02-DFA0A04FC94B}">
-              <ma14:wrappingTextBoxFlag xmlns:ma14="http://schemas.microsoft.com/office/mac/drawingml/2011/main" val="1"/>
+              <ma14:wrappingTextBoxFlag xmlns:ma14="http://schemas.microsoft.com/office/mac/drawingml/2011/main" xmlns="" val="1"/>
             </a:ext>
           </a:extLst>
         </p:spPr>
         <p:txBody>
           <a:bodyPr lIns="50800" tIns="50800" rIns="50800" bIns="50800" anchor="ctr">
-            <a:normAutofit fontScale="100000" lnSpcReduction="0"/>
+            <a:normAutofit/>
           </a:bodyPr>
           <a:lstStyle/>
           <a:p>
-            <a:pPr/>
             <a:r>
               <a:t>Body Level One</a:t>
             </a:r>
@@ -2775,7 +2875,9 @@
       <p:sp>
         <p:nvSpPr>
           <p:cNvPr id="6" name="Slide Number"/>
-          <p:cNvSpPr txBox="1"/>
+          <p:cNvSpPr txBox="1">
+            <a:spLocks noGrp="1"/>
+          </p:cNvSpPr>
           <p:nvPr>
             <p:ph type="sldNum" sz="quarter" idx="2"/>
           </p:nvPr>
@@ -2806,8 +2908,10 @@
             </a:lvl1pPr>
           </a:lstStyle>
           <a:p>
-            <a:pPr/>
-            <a:fld id="{86CB4B4D-7CA3-9044-876B-883B54F8677D}" type="slidenum"/>
+            <a:fld id="{86CB4B4D-7CA3-9044-876B-883B54F8677D}" type="slidenum">
+              <a:t>‹#›</a:t>
+            </a:fld>
+            <a:endParaRPr/>
           </a:p>
         </p:txBody>
       </p:sp>
@@ -2815,20 +2919,20 @@
   </p:cSld>
   <p:clrMap bg1="lt1" tx1="dk1" bg2="lt2" tx2="dk2" accent1="accent1" accent2="accent2" accent3="accent3" accent4="accent4" accent5="accent5" accent6="accent6" hlink="hlink" folHlink="folHlink"/>
   <p:sldLayoutIdLst>
-    <p:sldLayoutId id="2147483649" r:id="rId3"/>
-    <p:sldLayoutId id="2147483650" r:id="rId4"/>
-    <p:sldLayoutId id="2147483651" r:id="rId5"/>
-    <p:sldLayoutId id="2147483652" r:id="rId6"/>
-    <p:sldLayoutId id="2147483653" r:id="rId7"/>
-    <p:sldLayoutId id="2147483654" r:id="rId8"/>
-    <p:sldLayoutId id="2147483655" r:id="rId9"/>
-    <p:sldLayoutId id="2147483656" r:id="rId10"/>
-    <p:sldLayoutId id="2147483657" r:id="rId11"/>
-    <p:sldLayoutId id="2147483658" r:id="rId12"/>
-    <p:sldLayoutId id="2147483659" r:id="rId13"/>
-    <p:sldLayoutId id="2147483660" r:id="rId14"/>
+    <p:sldLayoutId id="2147483649" r:id="rId1"/>
+    <p:sldLayoutId id="2147483650" r:id="rId2"/>
+    <p:sldLayoutId id="2147483651" r:id="rId3"/>
+    <p:sldLayoutId id="2147483652" r:id="rId4"/>
+    <p:sldLayoutId id="2147483653" r:id="rId5"/>
+    <p:sldLayoutId id="2147483654" r:id="rId6"/>
+    <p:sldLayoutId id="2147483655" r:id="rId7"/>
+    <p:sldLayoutId id="2147483656" r:id="rId8"/>
+    <p:sldLayoutId id="2147483657" r:id="rId9"/>
+    <p:sldLayoutId id="2147483658" r:id="rId10"/>
+    <p:sldLayoutId id="2147483659" r:id="rId11"/>
+    <p:sldLayoutId id="2147483660" r:id="rId12"/>
   </p:sldLayoutIdLst>
-  <p:transition xmlns:p14="http://schemas.microsoft.com/office/powerpoint/2010/main" spd="med" advClick="1"/>
+  <p:transition spd="med"/>
   <p:txStyles>
     <p:titleStyle>
       <a:lvl1pPr marL="0" marR="0" indent="0" algn="ctr" defTabSz="584200" rtl="0" latinLnBrk="0">
@@ -2846,7 +2950,7 @@
         <a:buFontTx/>
         <a:buNone/>
         <a:tabLst/>
-        <a:defRPr b="0" baseline="0" cap="none" i="0" spc="0" strike="noStrike" sz="7000" u="none">
+        <a:defRPr sz="7000" b="0" i="0" u="none" strike="noStrike" cap="none" spc="0" baseline="0">
           <a:ln>
             <a:noFill/>
           </a:ln>
@@ -2875,7 +2979,7 @@
         <a:buFontTx/>
         <a:buNone/>
         <a:tabLst/>
-        <a:defRPr b="0" baseline="0" cap="none" i="0" spc="0" strike="noStrike" sz="7000" u="none">
+        <a:defRPr sz="7000" b="0" i="0" u="none" strike="noStrike" cap="none" spc="0" baseline="0">
           <a:ln>
             <a:noFill/>
           </a:ln>
@@ -2904,7 +3008,7 @@
         <a:buFontTx/>
         <a:buNone/>
         <a:tabLst/>
-        <a:defRPr b="0" baseline="0" cap="none" i="0" spc="0" strike="noStrike" sz="7000" u="none">
+        <a:defRPr sz="7000" b="0" i="0" u="none" strike="noStrike" cap="none" spc="0" baseline="0">
           <a:ln>
             <a:noFill/>
           </a:ln>
@@ -2933,7 +3037,7 @@
         <a:buFontTx/>
         <a:buNone/>
         <a:tabLst/>
-        <a:defRPr b="0" baseline="0" cap="none" i="0" spc="0" strike="noStrike" sz="7000" u="none">
+        <a:defRPr sz="7000" b="0" i="0" u="none" strike="noStrike" cap="none" spc="0" baseline="0">
           <a:ln>
             <a:noFill/>
           </a:ln>
@@ -2962,7 +3066,7 @@
         <a:buFontTx/>
         <a:buNone/>
         <a:tabLst/>
-        <a:defRPr b="0" baseline="0" cap="none" i="0" spc="0" strike="noStrike" sz="7000" u="none">
+        <a:defRPr sz="7000" b="0" i="0" u="none" strike="noStrike" cap="none" spc="0" baseline="0">
           <a:ln>
             <a:noFill/>
           </a:ln>
@@ -2991,7 +3095,7 @@
         <a:buFontTx/>
         <a:buNone/>
         <a:tabLst/>
-        <a:defRPr b="0" baseline="0" cap="none" i="0" spc="0" strike="noStrike" sz="7000" u="none">
+        <a:defRPr sz="7000" b="0" i="0" u="none" strike="noStrike" cap="none" spc="0" baseline="0">
           <a:ln>
             <a:noFill/>
           </a:ln>
@@ -3020,7 +3124,7 @@
         <a:buFontTx/>
         <a:buNone/>
         <a:tabLst/>
-        <a:defRPr b="0" baseline="0" cap="none" i="0" spc="0" strike="noStrike" sz="7000" u="none">
+        <a:defRPr sz="7000" b="0" i="0" u="none" strike="noStrike" cap="none" spc="0" baseline="0">
           <a:ln>
             <a:noFill/>
           </a:ln>
@@ -3049,7 +3153,7 @@
         <a:buFontTx/>
         <a:buNone/>
         <a:tabLst/>
-        <a:defRPr b="0" baseline="0" cap="none" i="0" spc="0" strike="noStrike" sz="7000" u="none">
+        <a:defRPr sz="7000" b="0" i="0" u="none" strike="noStrike" cap="none" spc="0" baseline="0">
           <a:ln>
             <a:noFill/>
           </a:ln>
@@ -3078,7 +3182,7 @@
         <a:buFontTx/>
         <a:buNone/>
         <a:tabLst/>
-        <a:defRPr b="0" baseline="0" cap="none" i="0" spc="0" strike="noStrike" sz="7000" u="none">
+        <a:defRPr sz="7000" b="0" i="0" u="none" strike="noStrike" cap="none" spc="0" baseline="0">
           <a:ln>
             <a:noFill/>
           </a:ln>
@@ -3111,7 +3215,7 @@
         <a:buFont typeface="Zapf Dingbats"/>
         <a:buChar char="❖"/>
         <a:tabLst/>
-        <a:defRPr b="0" baseline="0" cap="none" i="0" spc="0" strike="noStrike" sz="3600" u="none">
+        <a:defRPr sz="3600" b="0" i="0" u="none" strike="noStrike" cap="none" spc="0" baseline="0">
           <a:ln>
             <a:noFill/>
           </a:ln>
@@ -3142,7 +3246,7 @@
         <a:buFont typeface="Zapf Dingbats"/>
         <a:buChar char="❖"/>
         <a:tabLst/>
-        <a:defRPr b="0" baseline="0" cap="none" i="0" spc="0" strike="noStrike" sz="3600" u="none">
+        <a:defRPr sz="3600" b="0" i="0" u="none" strike="noStrike" cap="none" spc="0" baseline="0">
           <a:ln>
             <a:noFill/>
           </a:ln>
@@ -3173,7 +3277,7 @@
         <a:buFont typeface="Zapf Dingbats"/>
         <a:buChar char="❖"/>
         <a:tabLst/>
-        <a:defRPr b="0" baseline="0" cap="none" i="0" spc="0" strike="noStrike" sz="3600" u="none">
+        <a:defRPr sz="3600" b="0" i="0" u="none" strike="noStrike" cap="none" spc="0" baseline="0">
           <a:ln>
             <a:noFill/>
           </a:ln>
@@ -3204,7 +3308,7 @@
         <a:buFont typeface="Zapf Dingbats"/>
         <a:buChar char="❖"/>
         <a:tabLst/>
-        <a:defRPr b="0" baseline="0" cap="none" i="0" spc="0" strike="noStrike" sz="3600" u="none">
+        <a:defRPr sz="3600" b="0" i="0" u="none" strike="noStrike" cap="none" spc="0" baseline="0">
           <a:ln>
             <a:noFill/>
           </a:ln>
@@ -3235,7 +3339,7 @@
         <a:buFont typeface="Zapf Dingbats"/>
         <a:buChar char="❖"/>
         <a:tabLst/>
-        <a:defRPr b="0" baseline="0" cap="none" i="0" spc="0" strike="noStrike" sz="3600" u="none">
+        <a:defRPr sz="3600" b="0" i="0" u="none" strike="noStrike" cap="none" spc="0" baseline="0">
           <a:ln>
             <a:noFill/>
           </a:ln>
@@ -3266,7 +3370,7 @@
         <a:buFont typeface="Zapf Dingbats"/>
         <a:buChar char="❖"/>
         <a:tabLst/>
-        <a:defRPr b="0" baseline="0" cap="none" i="0" spc="0" strike="noStrike" sz="3600" u="none">
+        <a:defRPr sz="3600" b="0" i="0" u="none" strike="noStrike" cap="none" spc="0" baseline="0">
           <a:ln>
             <a:noFill/>
           </a:ln>
@@ -3297,7 +3401,7 @@
         <a:buFont typeface="Zapf Dingbats"/>
         <a:buChar char="❖"/>
         <a:tabLst/>
-        <a:defRPr b="0" baseline="0" cap="none" i="0" spc="0" strike="noStrike" sz="3600" u="none">
+        <a:defRPr sz="3600" b="0" i="0" u="none" strike="noStrike" cap="none" spc="0" baseline="0">
           <a:ln>
             <a:noFill/>
           </a:ln>
@@ -3328,7 +3432,7 @@
         <a:buFont typeface="Zapf Dingbats"/>
         <a:buChar char="❖"/>
         <a:tabLst/>
-        <a:defRPr b="0" baseline="0" cap="none" i="0" spc="0" strike="noStrike" sz="3600" u="none">
+        <a:defRPr sz="3600" b="0" i="0" u="none" strike="noStrike" cap="none" spc="0" baseline="0">
           <a:ln>
             <a:noFill/>
           </a:ln>
@@ -3359,7 +3463,7 @@
         <a:buFont typeface="Zapf Dingbats"/>
         <a:buChar char="❖"/>
         <a:tabLst/>
-        <a:defRPr b="0" baseline="0" cap="none" i="0" spc="0" strike="noStrike" sz="3600" u="none">
+        <a:defRPr sz="3600" b="0" i="0" u="none" strike="noStrike" cap="none" spc="0" baseline="0">
           <a:ln>
             <a:noFill/>
           </a:ln>
@@ -3390,7 +3494,7 @@
         <a:buFontTx/>
         <a:buNone/>
         <a:tabLst/>
-        <a:defRPr b="0" baseline="0" cap="none" i="0" spc="0" strike="noStrike" sz="1800" u="none">
+        <a:defRPr sz="1800" b="0" i="0" u="none" strike="noStrike" cap="none" spc="0" baseline="0">
           <a:ln>
             <a:noFill/>
           </a:ln>
@@ -3419,7 +3523,7 @@
         <a:buFontTx/>
         <a:buNone/>
         <a:tabLst/>
-        <a:defRPr b="0" baseline="0" cap="none" i="0" spc="0" strike="noStrike" sz="1800" u="none">
+        <a:defRPr sz="1800" b="0" i="0" u="none" strike="noStrike" cap="none" spc="0" baseline="0">
           <a:ln>
             <a:noFill/>
           </a:ln>
@@ -3448,7 +3552,7 @@
         <a:buFontTx/>
         <a:buNone/>
         <a:tabLst/>
-        <a:defRPr b="0" baseline="0" cap="none" i="0" spc="0" strike="noStrike" sz="1800" u="none">
+        <a:defRPr sz="1800" b="0" i="0" u="none" strike="noStrike" cap="none" spc="0" baseline="0">
           <a:ln>
             <a:noFill/>
           </a:ln>
@@ -3477,7 +3581,7 @@
         <a:buFontTx/>
         <a:buNone/>
         <a:tabLst/>
-        <a:defRPr b="0" baseline="0" cap="none" i="0" spc="0" strike="noStrike" sz="1800" u="none">
+        <a:defRPr sz="1800" b="0" i="0" u="none" strike="noStrike" cap="none" spc="0" baseline="0">
           <a:ln>
             <a:noFill/>
           </a:ln>
@@ -3506,7 +3610,7 @@
         <a:buFontTx/>
         <a:buNone/>
         <a:tabLst/>
-        <a:defRPr b="0" baseline="0" cap="none" i="0" spc="0" strike="noStrike" sz="1800" u="none">
+        <a:defRPr sz="1800" b="0" i="0" u="none" strike="noStrike" cap="none" spc="0" baseline="0">
           <a:ln>
             <a:noFill/>
           </a:ln>
@@ -3535,7 +3639,7 @@
         <a:buFontTx/>
         <a:buNone/>
         <a:tabLst/>
-        <a:defRPr b="0" baseline="0" cap="none" i="0" spc="0" strike="noStrike" sz="1800" u="none">
+        <a:defRPr sz="1800" b="0" i="0" u="none" strike="noStrike" cap="none" spc="0" baseline="0">
           <a:ln>
             <a:noFill/>
           </a:ln>
@@ -3564,7 +3668,7 @@
         <a:buFontTx/>
         <a:buNone/>
         <a:tabLst/>
-        <a:defRPr b="0" baseline="0" cap="none" i="0" spc="0" strike="noStrike" sz="1800" u="none">
+        <a:defRPr sz="1800" b="0" i="0" u="none" strike="noStrike" cap="none" spc="0" baseline="0">
           <a:ln>
             <a:noFill/>
           </a:ln>
@@ -3593,7 +3697,7 @@
         <a:buFontTx/>
         <a:buNone/>
         <a:tabLst/>
-        <a:defRPr b="0" baseline="0" cap="none" i="0" spc="0" strike="noStrike" sz="1800" u="none">
+        <a:defRPr sz="1800" b="0" i="0" u="none" strike="noStrike" cap="none" spc="0" baseline="0">
           <a:ln>
             <a:noFill/>
           </a:ln>
@@ -3622,7 +3726,7 @@
         <a:buFontTx/>
         <a:buNone/>
         <a:tabLst/>
-        <a:defRPr b="0" baseline="0" cap="none" i="0" spc="0" strike="noStrike" sz="1800" u="none">
+        <a:defRPr sz="1800" b="0" i="0" u="none" strike="noStrike" cap="none" spc="0" baseline="0">
           <a:ln>
             <a:noFill/>
           </a:ln>
@@ -3642,7 +3746,7 @@
 </file>
 
 <file path=ppt/slides/slide1.xml><?xml version="1.0" encoding="utf-8"?>
-<p:sld xmlns:a="http://schemas.openxmlformats.org/drawingml/2006/main" xmlns:r="http://schemas.openxmlformats.org/officeDocument/2006/relationships" xmlns:p="http://schemas.openxmlformats.org/presentationml/2006/main" showMasterSp="1" showMasterPhAnim="1">
+<p:sld xmlns:a="http://schemas.openxmlformats.org/drawingml/2006/main" xmlns:r="http://schemas.openxmlformats.org/officeDocument/2006/relationships" xmlns:p="http://schemas.openxmlformats.org/presentationml/2006/main">
   <p:cSld>
     <p:spTree>
       <p:nvGrpSpPr>
@@ -3661,7 +3765,9 @@
       <p:sp>
         <p:nvSpPr>
           <p:cNvPr id="133" name="Road Safety"/>
-          <p:cNvSpPr txBox="1"/>
+          <p:cNvSpPr txBox="1">
+            <a:spLocks noGrp="1"/>
+          </p:cNvSpPr>
           <p:nvPr>
             <p:ph type="ctrTitle"/>
           </p:nvPr>
@@ -3679,7 +3785,7 @@
           <a:bodyPr/>
           <a:lstStyle>
             <a:lvl1pPr>
-              <a:defRPr b="1" sz="7500">
+              <a:defRPr sz="7500" b="1">
                 <a:solidFill>
                   <a:schemeClr val="accent5">
                     <a:hueOff val="-411174"/>
@@ -3695,7 +3801,6 @@
             </a:lvl1pPr>
           </a:lstStyle>
           <a:p>
-            <a:pPr/>
             <a:r>
               <a:t>Road Safety</a:t>
             </a:r>
@@ -3705,7 +3810,9 @@
       <p:sp>
         <p:nvSpPr>
           <p:cNvPr id="134" name="By:…"/>
-          <p:cNvSpPr txBox="1"/>
+          <p:cNvSpPr txBox="1">
+            <a:spLocks noGrp="1"/>
+          </p:cNvSpPr>
           <p:nvPr>
             <p:ph type="subTitle" sz="quarter" idx="1"/>
           </p:nvPr>
@@ -3845,9 +3952,7 @@
           <p:nvPr/>
         </p:nvPicPr>
         <p:blipFill>
-          <a:blip r:embed="rId2">
-            <a:extLst/>
-          </a:blip>
+          <a:blip r:embed="rId2"/>
           <a:stretch>
             <a:fillRect/>
           </a:stretch>
@@ -3870,12 +3975,12 @@
   <p:clrMapOvr>
     <a:masterClrMapping/>
   </p:clrMapOvr>
-  <p:transition xmlns:p14="http://schemas.microsoft.com/office/powerpoint/2010/main" spd="med" advClick="1"/>
+  <p:transition spd="med"/>
 </p:sld>
 </file>
 
 <file path=ppt/slides/slide10.xml><?xml version="1.0" encoding="utf-8"?>
-<p:sld xmlns:a="http://schemas.openxmlformats.org/drawingml/2006/main" xmlns:r="http://schemas.openxmlformats.org/officeDocument/2006/relationships" xmlns:p="http://schemas.openxmlformats.org/presentationml/2006/main" showMasterSp="1" showMasterPhAnim="1">
+<p:sld xmlns:a="http://schemas.openxmlformats.org/drawingml/2006/main" xmlns:r="http://schemas.openxmlformats.org/officeDocument/2006/relationships" xmlns:p="http://schemas.openxmlformats.org/presentationml/2006/main">
   <p:cSld>
     <p:spTree>
       <p:nvGrpSpPr>
@@ -3894,7 +3999,9 @@
       <p:sp>
         <p:nvSpPr>
           <p:cNvPr id="170" name="Child restraints are highly effective in reducing injury and death to chid occupants.…"/>
-          <p:cNvSpPr txBox="1"/>
+          <p:cNvSpPr txBox="1">
+            <a:spLocks noGrp="1"/>
+          </p:cNvSpPr>
           <p:nvPr>
             <p:ph type="body" sz="half" idx="1"/>
           </p:nvPr>
@@ -3923,7 +4030,7 @@
               <a:buSzTx/>
               <a:buFontTx/>
               <a:buNone/>
-              <a:defRPr b="1" sz="1764">
+              <a:defRPr sz="1764" b="1">
                 <a:solidFill>
                   <a:srgbClr val="262626"/>
                 </a:solidFill>
@@ -3949,7 +4056,7 @@
               <a:buSzTx/>
               <a:buFontTx/>
               <a:buNone/>
-              <a:defRPr b="1" sz="1764">
+              <a:defRPr sz="1764" b="1">
                 <a:latin typeface="Helvetica"/>
                 <a:ea typeface="Helvetica"/>
                 <a:cs typeface="Helvetica"/>
@@ -3972,7 +4079,7 @@
               <a:buSzTx/>
               <a:buFontTx/>
               <a:buNone/>
-              <a:defRPr b="1" sz="1764">
+              <a:defRPr sz="1764" b="1">
                 <a:latin typeface="Helvetica"/>
                 <a:ea typeface="Helvetica"/>
                 <a:cs typeface="Helvetica"/>
@@ -3995,7 +4102,7 @@
               <a:buSzTx/>
               <a:buFontTx/>
               <a:buNone/>
-              <a:defRPr b="1" sz="1764">
+              <a:defRPr sz="1764" b="1">
                 <a:latin typeface="Helvetica"/>
                 <a:ea typeface="Helvetica"/>
                 <a:cs typeface="Helvetica"/>
@@ -4022,7 +4129,7 @@
               <a:buSzTx/>
               <a:buFontTx/>
               <a:buNone/>
-              <a:defRPr b="1" sz="1764">
+              <a:defRPr sz="1764" b="1">
                 <a:solidFill>
                   <a:srgbClr val="000000"/>
                 </a:solidFill>
@@ -4032,6 +4139,7 @@
                 <a:sym typeface="Helvetica"/>
               </a:defRPr>
             </a:pPr>
+            <a:endParaRPr/>
           </a:p>
         </p:txBody>
       </p:sp>
@@ -4054,13 +4162,13 @@
           </a:ln>
           <a:extLst>
             <a:ext uri="{C572A759-6A51-4108-AA02-DFA0A04FC94B}">
-              <ma14:wrappingTextBoxFlag xmlns:ma14="http://schemas.microsoft.com/office/mac/drawingml/2011/main" val="1"/>
+              <ma14:wrappingTextBoxFlag xmlns:ma14="http://schemas.microsoft.com/office/mac/drawingml/2011/main" xmlns="" val="1"/>
             </a:ext>
           </a:extLst>
         </p:spPr>
         <p:txBody>
           <a:bodyPr lIns="50800" tIns="50800" rIns="50800" bIns="50800" anchor="ctr">
-            <a:normAutofit fontScale="100000" lnSpcReduction="0"/>
+            <a:normAutofit/>
           </a:bodyPr>
           <a:lstStyle>
             <a:lvl1pPr algn="l" defTabSz="406908">
@@ -4080,8 +4188,8 @@
             </a:lvl1pPr>
           </a:lstStyle>
           <a:p>
-            <a:pPr/>
-            <a:r>
+            <a:r>
+              <a:rPr dirty="0"/>
               <a:t>Influence of child restraints laws on road traffic deaths</a:t>
             </a:r>
           </a:p>
@@ -4096,9 +4204,7 @@
           <p:nvPr/>
         </p:nvPicPr>
         <p:blipFill>
-          <a:blip r:embed="rId2">
-            <a:extLst/>
-          </a:blip>
+          <a:blip r:embed="rId2"/>
           <a:stretch>
             <a:fillRect/>
           </a:stretch>
@@ -4115,7 +4221,7 @@
             <a:miter lim="400000"/>
           </a:ln>
           <a:effectLst>
-            <a:outerShdw sx="100000" sy="100000" kx="0" ky="0" algn="b" rotWithShape="0" blurRad="190500" dist="101600" dir="5400000">
+            <a:outerShdw blurRad="190500" dist="101600" dir="5400000" rotWithShape="0">
               <a:srgbClr val="000000">
                 <a:alpha val="40000"/>
               </a:srgbClr>
@@ -4128,12 +4234,12 @@
   <p:clrMapOvr>
     <a:masterClrMapping/>
   </p:clrMapOvr>
-  <p:transition xmlns:p14="http://schemas.microsoft.com/office/powerpoint/2010/main" spd="med" advClick="1"/>
+  <p:transition spd="med"/>
 </p:sld>
 </file>
 
 <file path=ppt/slides/slide11.xml><?xml version="1.0" encoding="utf-8"?>
-<p:sld xmlns:a="http://schemas.openxmlformats.org/drawingml/2006/main" xmlns:r="http://schemas.openxmlformats.org/officeDocument/2006/relationships" xmlns:p="http://schemas.openxmlformats.org/presentationml/2006/main" showMasterSp="1" showMasterPhAnim="1">
+<p:sld xmlns:a="http://schemas.openxmlformats.org/drawingml/2006/main" xmlns:r="http://schemas.openxmlformats.org/officeDocument/2006/relationships" xmlns:p="http://schemas.openxmlformats.org/presentationml/2006/main">
   <p:cSld>
     <p:spTree>
       <p:nvGrpSpPr>
@@ -4168,13 +4274,13 @@
           </a:ln>
           <a:extLst>
             <a:ext uri="{C572A759-6A51-4108-AA02-DFA0A04FC94B}">
-              <ma14:wrappingTextBoxFlag xmlns:ma14="http://schemas.microsoft.com/office/mac/drawingml/2011/main" val="1"/>
+              <ma14:wrappingTextBoxFlag xmlns:ma14="http://schemas.microsoft.com/office/mac/drawingml/2011/main" xmlns="" val="1"/>
             </a:ext>
           </a:extLst>
         </p:spPr>
         <p:txBody>
           <a:bodyPr lIns="50800" tIns="50800" rIns="50800" bIns="50800" anchor="ctr">
-            <a:normAutofit fontScale="100000" lnSpcReduction="0"/>
+            <a:normAutofit/>
           </a:bodyPr>
           <a:lstStyle>
             <a:lvl1pPr algn="l" defTabSz="457200">
@@ -4194,7 +4300,6 @@
             </a:lvl1pPr>
           </a:lstStyle>
           <a:p>
-            <a:pPr/>
             <a:r>
               <a:t>Seat-belt laws </a:t>
             </a:r>
@@ -4210,9 +4315,7 @@
           <p:nvPr/>
         </p:nvPicPr>
         <p:blipFill>
-          <a:blip r:embed="rId2">
-            <a:extLst/>
-          </a:blip>
+          <a:blip r:embed="rId2"/>
           <a:stretch>
             <a:fillRect/>
           </a:stretch>
@@ -4229,7 +4332,7 @@
             <a:miter lim="400000"/>
           </a:ln>
           <a:effectLst>
-            <a:outerShdw sx="100000" sy="100000" kx="0" ky="0" algn="b" rotWithShape="0" blurRad="190500" dist="101600" dir="5400000">
+            <a:outerShdw blurRad="190500" dist="101600" dir="5400000" rotWithShape="0">
               <a:srgbClr val="000000">
                 <a:alpha val="40000"/>
               </a:srgbClr>
@@ -4240,7 +4343,9 @@
       <p:sp>
         <p:nvSpPr>
           <p:cNvPr id="176" name="Seat belts dramatically reduce risk of death and serious injury. Seat belt use is on the rise. Laws, education, and technology have increased seat belt use all around the world.…"/>
-          <p:cNvSpPr txBox="1"/>
+          <p:cNvSpPr txBox="1">
+            <a:spLocks noGrp="1"/>
+          </p:cNvSpPr>
           <p:nvPr>
             <p:ph type="body" sz="half" idx="1"/>
           </p:nvPr>
@@ -4269,7 +4374,7 @@
               <a:buSzTx/>
               <a:buFontTx/>
               <a:buNone/>
-              <a:defRPr b="1" sz="1746">
+              <a:defRPr sz="1746" b="1">
                 <a:latin typeface="Helvetica"/>
                 <a:ea typeface="Helvetica"/>
                 <a:cs typeface="Helvetica"/>
@@ -4292,7 +4397,7 @@
               <a:buSzTx/>
               <a:buFontTx/>
               <a:buNone/>
-              <a:defRPr b="1" sz="1746">
+              <a:defRPr sz="1746" b="1">
                 <a:latin typeface="Helvetica"/>
                 <a:ea typeface="Helvetica"/>
                 <a:cs typeface="Helvetica"/>
@@ -4315,13 +4420,14 @@
               <a:buSzTx/>
               <a:buFontTx/>
               <a:buNone/>
-              <a:defRPr b="1" sz="1746">
+              <a:defRPr sz="1746" b="1">
                 <a:latin typeface="Helvetica"/>
                 <a:ea typeface="Helvetica"/>
                 <a:cs typeface="Helvetica"/>
                 <a:sym typeface="Helvetica"/>
               </a:defRPr>
             </a:pPr>
+            <a:endParaRPr/>
           </a:p>
           <a:p>
             <a:pPr marL="0" indent="0" defTabSz="566674">
@@ -4335,7 +4441,7 @@
               <a:buSzTx/>
               <a:buFontTx/>
               <a:buNone/>
-              <a:defRPr b="1" sz="1746">
+              <a:defRPr sz="1746" b="1">
                 <a:latin typeface="Helvetica"/>
                 <a:ea typeface="Helvetica"/>
                 <a:cs typeface="Helvetica"/>
@@ -4367,13 +4473,13 @@
           </a:ln>
           <a:extLst>
             <a:ext uri="{C572A759-6A51-4108-AA02-DFA0A04FC94B}">
-              <ma14:wrappingTextBoxFlag xmlns:ma14="http://schemas.microsoft.com/office/mac/drawingml/2011/main" val="1"/>
+              <ma14:wrappingTextBoxFlag xmlns:ma14="http://schemas.microsoft.com/office/mac/drawingml/2011/main" xmlns="" val="1"/>
             </a:ext>
           </a:extLst>
         </p:spPr>
         <p:txBody>
           <a:bodyPr lIns="50800" tIns="50800" rIns="50800" bIns="50800" anchor="ctr">
-            <a:normAutofit fontScale="100000" lnSpcReduction="0"/>
+            <a:normAutofit/>
           </a:bodyPr>
           <a:lstStyle/>
           <a:p>
@@ -4381,7 +4487,7 @@
               <a:lnSpc>
                 <a:spcPct val="150000"/>
               </a:lnSpc>
-              <a:defRPr b="1" sz="1800">
+              <a:defRPr sz="1800" b="1">
                 <a:latin typeface="Helvetica"/>
                 <a:ea typeface="Helvetica"/>
                 <a:cs typeface="Helvetica"/>
@@ -4397,7 +4503,7 @@
               <a:lnSpc>
                 <a:spcPct val="150000"/>
               </a:lnSpc>
-              <a:defRPr b="1" sz="1800">
+              <a:defRPr sz="1800" b="1">
                 <a:latin typeface="Helvetica"/>
                 <a:ea typeface="Helvetica"/>
                 <a:cs typeface="Helvetica"/>
@@ -4415,12 +4521,12 @@
   <p:clrMapOvr>
     <a:masterClrMapping/>
   </p:clrMapOvr>
-  <p:transition xmlns:p14="http://schemas.microsoft.com/office/powerpoint/2010/main" spd="med" advClick="1"/>
+  <p:transition spd="med"/>
 </p:sld>
 </file>
 
 <file path=ppt/slides/slide12.xml><?xml version="1.0" encoding="utf-8"?>
-<p:sld xmlns:a="http://schemas.openxmlformats.org/drawingml/2006/main" xmlns:r="http://schemas.openxmlformats.org/officeDocument/2006/relationships" xmlns:p="http://schemas.openxmlformats.org/presentationml/2006/main" showMasterSp="1" showMasterPhAnim="1">
+<p:sld xmlns:a="http://schemas.openxmlformats.org/drawingml/2006/main" xmlns:r="http://schemas.openxmlformats.org/officeDocument/2006/relationships" xmlns:p="http://schemas.openxmlformats.org/presentationml/2006/main">
   <p:cSld>
     <p:spTree>
       <p:nvGrpSpPr>
@@ -4439,7 +4545,9 @@
       <p:sp>
         <p:nvSpPr>
           <p:cNvPr id="179" name="105 countries of 175 countries currently have laws on seat-belt use.…"/>
-          <p:cNvSpPr txBox="1"/>
+          <p:cNvSpPr txBox="1">
+            <a:spLocks noGrp="1"/>
+          </p:cNvSpPr>
           <p:nvPr>
             <p:ph type="body" sz="quarter" idx="1"/>
           </p:nvPr>
@@ -4454,7 +4562,9 @@
           </a:prstGeom>
         </p:spPr>
         <p:txBody>
-          <a:bodyPr/>
+          <a:bodyPr>
+            <a:normAutofit lnSpcReduction="10000"/>
+          </a:bodyPr>
           <a:lstStyle/>
           <a:p>
             <a:pPr marL="0" indent="0" defTabSz="566674">
@@ -4468,7 +4578,7 @@
               <a:buSzTx/>
               <a:buFontTx/>
               <a:buNone/>
-              <a:defRPr b="1" sz="1746">
+              <a:defRPr sz="1746" b="1">
                 <a:latin typeface="Helvetica"/>
                 <a:ea typeface="Helvetica"/>
                 <a:cs typeface="Helvetica"/>
@@ -4491,7 +4601,7 @@
               <a:buSzTx/>
               <a:buFontTx/>
               <a:buNone/>
-              <a:defRPr b="1" sz="1746">
+              <a:defRPr sz="1746" b="1">
                 <a:latin typeface="Helvetica"/>
                 <a:ea typeface="Helvetica"/>
                 <a:cs typeface="Helvetica"/>
@@ -4514,7 +4624,7 @@
               <a:buSzTx/>
               <a:buFontTx/>
               <a:buNone/>
-              <a:defRPr b="1" sz="1746">
+              <a:defRPr sz="1746" b="1">
                 <a:latin typeface="Helvetica"/>
                 <a:ea typeface="Helvetica"/>
                 <a:cs typeface="Helvetica"/>
@@ -4546,13 +4656,13 @@
           </a:ln>
           <a:extLst>
             <a:ext uri="{C572A759-6A51-4108-AA02-DFA0A04FC94B}">
-              <ma14:wrappingTextBoxFlag xmlns:ma14="http://schemas.microsoft.com/office/mac/drawingml/2011/main" val="1"/>
+              <ma14:wrappingTextBoxFlag xmlns:ma14="http://schemas.microsoft.com/office/mac/drawingml/2011/main" xmlns="" val="1"/>
             </a:ext>
           </a:extLst>
         </p:spPr>
         <p:txBody>
           <a:bodyPr lIns="50800" tIns="50800" rIns="50800" bIns="50800" anchor="ctr">
-            <a:normAutofit fontScale="100000" lnSpcReduction="0"/>
+            <a:normAutofit/>
           </a:bodyPr>
           <a:lstStyle>
             <a:lvl1pPr algn="l" defTabSz="457200">
@@ -4572,7 +4682,6 @@
             </a:lvl1pPr>
           </a:lstStyle>
           <a:p>
-            <a:pPr/>
             <a:r>
               <a:t>Seat-belt laws </a:t>
             </a:r>
@@ -4588,9 +4697,7 @@
           <p:nvPr/>
         </p:nvPicPr>
         <p:blipFill>
-          <a:blip r:embed="rId2">
-            <a:extLst/>
-          </a:blip>
+          <a:blip r:embed="rId2"/>
           <a:stretch>
             <a:fillRect/>
           </a:stretch>
@@ -4607,7 +4714,7 @@
             <a:miter lim="400000"/>
           </a:ln>
           <a:effectLst>
-            <a:outerShdw sx="100000" sy="100000" kx="0" ky="0" algn="b" rotWithShape="0" blurRad="190500" dist="101600" dir="5400000">
+            <a:outerShdw blurRad="190500" dist="101600" dir="5400000" rotWithShape="0">
               <a:srgbClr val="000000">
                 <a:alpha val="40000"/>
               </a:srgbClr>
@@ -4620,12 +4727,12 @@
   <p:clrMapOvr>
     <a:masterClrMapping/>
   </p:clrMapOvr>
-  <p:transition xmlns:p14="http://schemas.microsoft.com/office/powerpoint/2010/main" spd="med" advClick="1"/>
+  <p:transition spd="med"/>
 </p:sld>
 </file>
 
 <file path=ppt/slides/slide13.xml><?xml version="1.0" encoding="utf-8"?>
-<p:sld xmlns:a="http://schemas.openxmlformats.org/drawingml/2006/main" xmlns:r="http://schemas.openxmlformats.org/officeDocument/2006/relationships" xmlns:p="http://schemas.openxmlformats.org/presentationml/2006/main" showMasterSp="1" showMasterPhAnim="1">
+<p:sld xmlns:a="http://schemas.openxmlformats.org/drawingml/2006/main" xmlns:r="http://schemas.openxmlformats.org/officeDocument/2006/relationships" xmlns:p="http://schemas.openxmlformats.org/presentationml/2006/main">
   <p:cSld>
     <p:spTree>
       <p:nvGrpSpPr>
@@ -4660,13 +4767,13 @@
           </a:ln>
           <a:extLst>
             <a:ext uri="{C572A759-6A51-4108-AA02-DFA0A04FC94B}">
-              <ma14:wrappingTextBoxFlag xmlns:ma14="http://schemas.microsoft.com/office/mac/drawingml/2011/main" val="1"/>
+              <ma14:wrappingTextBoxFlag xmlns:ma14="http://schemas.microsoft.com/office/mac/drawingml/2011/main" xmlns="" val="1"/>
             </a:ext>
           </a:extLst>
         </p:spPr>
         <p:txBody>
           <a:bodyPr lIns="50800" tIns="50800" rIns="50800" bIns="50800" anchor="ctr">
-            <a:normAutofit fontScale="100000" lnSpcReduction="0"/>
+            <a:normAutofit/>
           </a:bodyPr>
           <a:lstStyle>
             <a:lvl1pPr algn="l" defTabSz="457200">
@@ -4686,8 +4793,8 @@
             </a:lvl1pPr>
           </a:lstStyle>
           <a:p>
-            <a:pPr/>
-            <a:r>
+            <a:r>
+              <a:rPr dirty="0"/>
               <a:t>Mobile phone Laws </a:t>
             </a:r>
           </a:p>
@@ -4702,9 +4809,7 @@
           <p:nvPr/>
         </p:nvPicPr>
         <p:blipFill>
-          <a:blip r:embed="rId2">
-            <a:extLst/>
-          </a:blip>
+          <a:blip r:embed="rId2"/>
           <a:stretch>
             <a:fillRect/>
           </a:stretch>
@@ -4721,7 +4826,7 @@
             <a:miter lim="400000"/>
           </a:ln>
           <a:effectLst>
-            <a:outerShdw sx="100000" sy="100000" kx="0" ky="0" algn="b" rotWithShape="0" blurRad="190500" dist="101600" dir="5400000">
+            <a:outerShdw blurRad="190500" dist="101600" dir="5400000" rotWithShape="0">
               <a:srgbClr val="000000">
                 <a:alpha val="40000"/>
               </a:srgbClr>
@@ -4732,7 +4837,9 @@
       <p:sp>
         <p:nvSpPr>
           <p:cNvPr id="185" name="150 countries of 175 countries (86% ) have banned using mobile phone while driving.…"/>
-          <p:cNvSpPr txBox="1"/>
+          <p:cNvSpPr txBox="1">
+            <a:spLocks noGrp="1"/>
+          </p:cNvSpPr>
           <p:nvPr>
             <p:ph type="body" sz="half" idx="1"/>
           </p:nvPr>
@@ -4761,7 +4868,7 @@
               <a:buSzTx/>
               <a:buFontTx/>
               <a:buNone/>
-              <a:defRPr b="1" sz="1800">
+              <a:defRPr sz="1800" b="1">
                 <a:latin typeface="Helvetica"/>
                 <a:ea typeface="Helvetica"/>
                 <a:cs typeface="Helvetica"/>
@@ -4769,6 +4876,7 @@
               </a:defRPr>
             </a:pPr>
             <a:r>
+              <a:rPr dirty="0"/>
               <a:t>150 countries of 175 countries (86% ) have banned using mobile phone while driving.</a:t>
             </a:r>
           </a:p>
@@ -4784,7 +4892,7 @@
               <a:buSzTx/>
               <a:buFontTx/>
               <a:buNone/>
-              <a:defRPr b="1" sz="1800">
+              <a:defRPr sz="1800" b="1">
                 <a:latin typeface="Helvetica"/>
                 <a:ea typeface="Helvetica"/>
                 <a:cs typeface="Helvetica"/>
@@ -4792,6 +4900,7 @@
               </a:defRPr>
             </a:pPr>
             <a:r>
+              <a:rPr dirty="0"/>
               <a:t>In this chart, we can see 96% of high-income countries used this law, this number is 86% for middle-income  countries and 68% of low-income countries banned mobile phone while driving. </a:t>
             </a:r>
           </a:p>
@@ -4807,7 +4916,7 @@
               <a:buSzTx/>
               <a:buFontTx/>
               <a:buNone/>
-              <a:defRPr b="1" sz="1800">
+              <a:defRPr sz="1800" b="1">
                 <a:latin typeface="Helvetica"/>
                 <a:ea typeface="Helvetica"/>
                 <a:cs typeface="Helvetica"/>
@@ -4815,6 +4924,7 @@
               </a:defRPr>
             </a:pPr>
             <a:r>
+              <a:rPr dirty="0"/>
               <a:t>It can be inferred from the above information that most of countries understand the importance of this laws. </a:t>
             </a:r>
           </a:p>
@@ -4827,7 +4937,7 @@
               <a:buSzTx/>
               <a:buFontTx/>
               <a:buNone/>
-              <a:defRPr b="1" sz="1800">
+              <a:defRPr sz="1800" b="1">
                 <a:solidFill>
                   <a:srgbClr val="000000"/>
                 </a:solidFill>
@@ -4837,6 +4947,7 @@
                 <a:sym typeface="Helvetica"/>
               </a:defRPr>
             </a:pPr>
+            <a:endParaRPr dirty="0"/>
           </a:p>
         </p:txBody>
       </p:sp>
@@ -4859,13 +4970,13 @@
           </a:ln>
           <a:extLst>
             <a:ext uri="{C572A759-6A51-4108-AA02-DFA0A04FC94B}">
-              <ma14:wrappingTextBoxFlag xmlns:ma14="http://schemas.microsoft.com/office/mac/drawingml/2011/main" val="1"/>
+              <ma14:wrappingTextBoxFlag xmlns:ma14="http://schemas.microsoft.com/office/mac/drawingml/2011/main" xmlns="" val="1"/>
             </a:ext>
           </a:extLst>
         </p:spPr>
         <p:txBody>
           <a:bodyPr lIns="50800" tIns="50800" rIns="50800" bIns="50800" anchor="ctr">
-            <a:normAutofit fontScale="100000" lnSpcReduction="0"/>
+            <a:normAutofit/>
           </a:bodyPr>
           <a:lstStyle/>
           <a:p>
@@ -4873,7 +4984,7 @@
               <a:lnSpc>
                 <a:spcPct val="150000"/>
               </a:lnSpc>
-              <a:defRPr b="1" sz="1746">
+              <a:defRPr sz="1746" b="1">
                 <a:latin typeface="Helvetica"/>
                 <a:ea typeface="Helvetica"/>
                 <a:cs typeface="Helvetica"/>
@@ -4881,42 +4992,61 @@
               </a:defRPr>
             </a:pPr>
             <a:r>
-              <a:t>Using mobile devices such as smartphones and/or other in-vehicle devices is a major source of distraction while driving. Some behaviour studies show that using mobile phone while driving has the same effect as drink-driving. Evidence suggests that if there is no enforcement, this behaviour will increase in society because of human nature. </a:t>
-            </a:r>
-            <a:endParaRPr sz="1164"/>
+              <a:rPr dirty="0"/>
+              <a:t>Using mobile devices such as smartphones and/or other in-vehicle devices is a major source of distraction while driving. Some </a:t>
+            </a:r>
+            <a:r>
+              <a:rPr dirty="0" err="1"/>
+              <a:t>behaviour</a:t>
+            </a:r>
+            <a:r>
+              <a:rPr dirty="0"/>
+              <a:t> studies show that using mobile phone while driving has the same effect as drink-driving. Evidence suggests that if there is no enforcement, this </a:t>
+            </a:r>
+            <a:r>
+              <a:rPr dirty="0" err="1"/>
+              <a:t>behaviour</a:t>
+            </a:r>
+            <a:r>
+              <a:rPr dirty="0"/>
+              <a:t> will increase in society because of human nature. </a:t>
+            </a:r>
+            <a:endParaRPr sz="1164" dirty="0"/>
           </a:p>
           <a:p>
             <a:pPr algn="l" defTabSz="566674">
               <a:lnSpc>
                 <a:spcPct val="150000"/>
               </a:lnSpc>
-              <a:defRPr b="1" sz="1746">
+              <a:defRPr sz="1746" b="1">
                 <a:latin typeface="Helvetica"/>
                 <a:ea typeface="Helvetica"/>
                 <a:cs typeface="Helvetica"/>
                 <a:sym typeface="Helvetica"/>
               </a:defRPr>
             </a:pPr>
+            <a:endParaRPr sz="1164" dirty="0"/>
           </a:p>
           <a:p>
             <a:pPr algn="l" defTabSz="566674">
               <a:lnSpc>
                 <a:spcPct val="150000"/>
               </a:lnSpc>
-              <a:defRPr b="1" sz="1746">
+              <a:defRPr sz="1746" b="1">
                 <a:latin typeface="Helvetica"/>
                 <a:ea typeface="Helvetica"/>
                 <a:cs typeface="Helvetica"/>
                 <a:sym typeface="Helvetica"/>
               </a:defRPr>
             </a:pPr>
+            <a:endParaRPr sz="1164" dirty="0"/>
           </a:p>
           <a:p>
             <a:pPr algn="l" defTabSz="566674">
               <a:lnSpc>
                 <a:spcPct val="150000"/>
               </a:lnSpc>
-              <a:defRPr b="1" sz="1746">
+              <a:defRPr sz="1746" b="1">
                 <a:latin typeface="Helvetica"/>
                 <a:ea typeface="Helvetica"/>
                 <a:cs typeface="Helvetica"/>
@@ -4924,6 +5054,7 @@
               </a:defRPr>
             </a:pPr>
             <a:r>
+              <a:rPr dirty="0"/>
               <a:t> </a:t>
             </a:r>
           </a:p>
@@ -4934,12 +5065,12 @@
   <p:clrMapOvr>
     <a:masterClrMapping/>
   </p:clrMapOvr>
-  <p:transition xmlns:p14="http://schemas.microsoft.com/office/powerpoint/2010/main" spd="med" advClick="1"/>
+  <p:transition spd="med"/>
 </p:sld>
 </file>
 
 <file path=ppt/slides/slide14.xml><?xml version="1.0" encoding="utf-8"?>
-<p:sld xmlns:a="http://schemas.openxmlformats.org/drawingml/2006/main" xmlns:r="http://schemas.openxmlformats.org/officeDocument/2006/relationships" xmlns:p="http://schemas.openxmlformats.org/presentationml/2006/main" showMasterSp="1" showMasterPhAnim="1">
+<p:sld xmlns:a="http://schemas.openxmlformats.org/drawingml/2006/main" xmlns:r="http://schemas.openxmlformats.org/officeDocument/2006/relationships" xmlns:p="http://schemas.openxmlformats.org/presentationml/2006/main">
   <p:cSld>
     <p:spTree>
       <p:nvGrpSpPr>
@@ -4974,13 +5105,13 @@
           </a:ln>
           <a:extLst>
             <a:ext uri="{C572A759-6A51-4108-AA02-DFA0A04FC94B}">
-              <ma14:wrappingTextBoxFlag xmlns:ma14="http://schemas.microsoft.com/office/mac/drawingml/2011/main" val="1"/>
+              <ma14:wrappingTextBoxFlag xmlns:ma14="http://schemas.microsoft.com/office/mac/drawingml/2011/main" xmlns="" val="1"/>
             </a:ext>
           </a:extLst>
         </p:spPr>
         <p:txBody>
           <a:bodyPr lIns="50800" tIns="50800" rIns="50800" bIns="50800" anchor="ctr">
-            <a:normAutofit fontScale="100000" lnSpcReduction="0"/>
+            <a:normAutofit/>
           </a:bodyPr>
           <a:lstStyle>
             <a:lvl1pPr algn="l" defTabSz="457200">
@@ -5000,8 +5131,8 @@
             </a:lvl1pPr>
           </a:lstStyle>
           <a:p>
-            <a:pPr/>
-            <a:r>
+            <a:r>
+              <a:rPr dirty="0"/>
               <a:t>Mobile phone Laws </a:t>
             </a:r>
           </a:p>
@@ -5016,9 +5147,7 @@
           <p:nvPr/>
         </p:nvPicPr>
         <p:blipFill>
-          <a:blip r:embed="rId2">
-            <a:extLst/>
-          </a:blip>
+          <a:blip r:embed="rId2"/>
           <a:stretch>
             <a:fillRect/>
           </a:stretch>
@@ -5035,7 +5164,7 @@
             <a:miter lim="400000"/>
           </a:ln>
           <a:effectLst>
-            <a:outerShdw sx="100000" sy="100000" kx="0" ky="0" algn="b" rotWithShape="0" blurRad="190500" dist="101600" dir="5400000">
+            <a:outerShdw blurRad="190500" dist="101600" dir="5400000" rotWithShape="0">
               <a:srgbClr val="000000">
                 <a:alpha val="40000"/>
               </a:srgbClr>
@@ -5062,20 +5191,20 @@
           </a:ln>
           <a:extLst>
             <a:ext uri="{C572A759-6A51-4108-AA02-DFA0A04FC94B}">
-              <ma14:wrappingTextBoxFlag xmlns:ma14="http://schemas.microsoft.com/office/mac/drawingml/2011/main" val="1"/>
+              <ma14:wrappingTextBoxFlag xmlns:ma14="http://schemas.microsoft.com/office/mac/drawingml/2011/main" xmlns="" val="1"/>
             </a:ext>
           </a:extLst>
         </p:spPr>
         <p:txBody>
           <a:bodyPr lIns="50800" tIns="50800" rIns="50800" bIns="50800" anchor="ctr">
-            <a:normAutofit fontScale="100000" lnSpcReduction="0"/>
+            <a:normAutofit/>
           </a:bodyPr>
           <a:lstStyle>
             <a:lvl1pPr algn="l">
               <a:lnSpc>
                 <a:spcPct val="150000"/>
               </a:lnSpc>
-              <a:defRPr b="1" sz="1800">
+              <a:defRPr sz="1800" b="1">
                 <a:latin typeface="Helvetica"/>
                 <a:ea typeface="Helvetica"/>
                 <a:cs typeface="Helvetica"/>
@@ -5084,8 +5213,8 @@
             </a:lvl1pPr>
           </a:lstStyle>
           <a:p>
-            <a:pPr/>
-            <a:r>
+            <a:r>
+              <a:rPr dirty="0"/>
               <a:t>The extent to which mobile phone use while driving is restricted in different countries is demonstrated in below chart by income level categories. </a:t>
             </a:r>
           </a:p>
@@ -5096,12 +5225,12 @@
   <p:clrMapOvr>
     <a:masterClrMapping/>
   </p:clrMapOvr>
-  <p:transition xmlns:p14="http://schemas.microsoft.com/office/powerpoint/2010/main" spd="med" advClick="1"/>
+  <p:transition spd="med"/>
 </p:sld>
 </file>
 
 <file path=ppt/slides/slide15.xml><?xml version="1.0" encoding="utf-8"?>
-<p:sld xmlns:a="http://schemas.openxmlformats.org/drawingml/2006/main" xmlns:r="http://schemas.openxmlformats.org/officeDocument/2006/relationships" xmlns:p="http://schemas.openxmlformats.org/presentationml/2006/main" showMasterSp="1" showMasterPhAnim="1">
+<p:sld xmlns:a="http://schemas.openxmlformats.org/drawingml/2006/main" xmlns:r="http://schemas.openxmlformats.org/officeDocument/2006/relationships" xmlns:p="http://schemas.openxmlformats.org/presentationml/2006/main">
   <p:cSld>
     <p:spTree>
       <p:nvGrpSpPr>
@@ -5120,7 +5249,9 @@
       <p:sp>
         <p:nvSpPr>
           <p:cNvPr id="192" name="Title"/>
-          <p:cNvSpPr txBox="1"/>
+          <p:cNvSpPr txBox="1">
+            <a:spLocks noGrp="1"/>
+          </p:cNvSpPr>
           <p:nvPr>
             <p:ph type="title"/>
           </p:nvPr>
@@ -5134,42 +5265,202 @@
           <a:bodyPr/>
           <a:lstStyle/>
           <a:p>
-            <a:pPr/>
+            <a:r>
+              <a:rPr lang="en-AU" sz="4800" dirty="0">
+                <a:solidFill>
+                  <a:schemeClr val="accent5">
+                    <a:hueOff val="-411174"/>
+                    <a:satOff val="4030"/>
+                    <a:lumOff val="-29867"/>
+                  </a:schemeClr>
+                </a:solidFill>
+                <a:latin typeface="Times"/>
+                <a:cs typeface="Times"/>
+                <a:sym typeface="Times"/>
+              </a:rPr>
+              <a:t>Death</a:t>
+            </a:r>
+            <a:r>
+              <a:rPr lang="en-AU" dirty="0"/>
+              <a:t> </a:t>
+            </a:r>
+            <a:r>
+              <a:rPr lang="en-AU" sz="4800" dirty="0">
+                <a:solidFill>
+                  <a:schemeClr val="accent5">
+                    <a:hueOff val="-411174"/>
+                    <a:satOff val="4030"/>
+                    <a:lumOff val="-29867"/>
+                  </a:schemeClr>
+                </a:solidFill>
+                <a:latin typeface="Times"/>
+                <a:cs typeface="Times"/>
+              </a:rPr>
+              <a:t>by</a:t>
+            </a:r>
+            <a:r>
+              <a:rPr lang="en-AU" dirty="0"/>
+              <a:t> </a:t>
+            </a:r>
+            <a:r>
+              <a:rPr lang="en-AU" sz="4800" dirty="0">
+                <a:solidFill>
+                  <a:schemeClr val="accent5">
+                    <a:hueOff val="-411174"/>
+                    <a:satOff val="4030"/>
+                    <a:lumOff val="-29867"/>
+                  </a:schemeClr>
+                </a:solidFill>
+                <a:latin typeface="Times"/>
+                <a:cs typeface="Times"/>
+              </a:rPr>
+              <a:t>Vehicle</a:t>
+            </a:r>
+            <a:r>
+              <a:rPr lang="en-AU" dirty="0"/>
+              <a:t> </a:t>
+            </a:r>
+            <a:r>
+              <a:rPr lang="en-AU" sz="4800" dirty="0">
+                <a:solidFill>
+                  <a:schemeClr val="accent5">
+                    <a:hueOff val="-411174"/>
+                    <a:satOff val="4030"/>
+                    <a:lumOff val="-29867"/>
+                  </a:schemeClr>
+                </a:solidFill>
+                <a:latin typeface="Times"/>
+                <a:cs typeface="Times"/>
+              </a:rPr>
+              <a:t>Type</a:t>
+            </a:r>
+            <a:endParaRPr sz="4800" dirty="0">
+              <a:solidFill>
+                <a:schemeClr val="accent5">
+                  <a:hueOff val="-411174"/>
+                  <a:satOff val="4030"/>
+                  <a:lumOff val="-29867"/>
+                </a:schemeClr>
+              </a:solidFill>
+              <a:latin typeface="Times"/>
+              <a:cs typeface="Times"/>
+            </a:endParaRPr>
           </a:p>
         </p:txBody>
       </p:sp>
       <p:sp>
         <p:nvSpPr>
           <p:cNvPr id="193" name="Body"/>
-          <p:cNvSpPr txBox="1"/>
+          <p:cNvSpPr txBox="1">
+            <a:spLocks noGrp="1"/>
+          </p:cNvSpPr>
           <p:nvPr>
             <p:ph type="body" idx="1"/>
           </p:nvPr>
         </p:nvSpPr>
         <p:spPr>
+          <a:xfrm>
+            <a:off x="508000" y="2187146"/>
+            <a:ext cx="11681254" cy="1532237"/>
+          </a:xfrm>
           <a:prstGeom prst="rect">
             <a:avLst/>
           </a:prstGeom>
         </p:spPr>
         <p:txBody>
-          <a:bodyPr/>
+          <a:bodyPr>
+            <a:normAutofit/>
+          </a:bodyPr>
           <a:lstStyle/>
           <a:p>
-            <a:pPr/>
+            <a:pPr>
+              <a:buFontTx/>
+              <a:buChar char="-"/>
+            </a:pPr>
+            <a:r>
+              <a:rPr lang="en-AU" sz="1800" b="1" dirty="0">
+                <a:latin typeface="Helvetica"/>
+                <a:cs typeface="Helvetica"/>
+                <a:sym typeface="Helvetica"/>
+              </a:rPr>
+              <a:t>Large difference in a lot of countries with 4 wheel vehicles vs other as a %</a:t>
+            </a:r>
+          </a:p>
+          <a:p>
+            <a:pPr>
+              <a:buFontTx/>
+              <a:buChar char="-"/>
+            </a:pPr>
+            <a:r>
+              <a:rPr lang="en-AU" sz="1800" b="1" dirty="0">
+                <a:latin typeface="Helvetica"/>
+                <a:cs typeface="Helvetica"/>
+                <a:sym typeface="Helvetica"/>
+              </a:rPr>
+              <a:t>When compared open/closed it comes closer to 50/50% split</a:t>
+            </a:r>
+            <a:br>
+              <a:rPr lang="en-AU" sz="1800" b="1" dirty="0">
+                <a:latin typeface="Helvetica"/>
+                <a:cs typeface="Helvetica"/>
+                <a:sym typeface="Helvetica"/>
+              </a:rPr>
+            </a:br>
+            <a:endParaRPr sz="1800" b="1" dirty="0">
+              <a:latin typeface="Helvetica"/>
+              <a:cs typeface="Helvetica"/>
+              <a:sym typeface="Helvetica"/>
+            </a:endParaRPr>
           </a:p>
         </p:txBody>
       </p:sp>
+      <p:pic>
+        <p:nvPicPr>
+          <p:cNvPr id="3" name="Picture 2">
+            <a:extLst>
+              <a:ext uri="{FF2B5EF4-FFF2-40B4-BE49-F238E27FC236}">
+                <a16:creationId xmlns:a16="http://schemas.microsoft.com/office/drawing/2014/main" id="{FB925752-7A33-4CE9-8379-A641C643FFF4}"/>
+              </a:ext>
+            </a:extLst>
+          </p:cNvPr>
+          <p:cNvPicPr>
+            <a:picLocks noChangeAspect="1"/>
+          </p:cNvPicPr>
+          <p:nvPr/>
+        </p:nvPicPr>
+        <p:blipFill>
+          <a:blip r:embed="rId2">
+            <a:extLst>
+              <a:ext uri="{28A0092B-C50C-407E-A947-70E740481C1C}">
+                <a14:useLocalDpi xmlns:a14="http://schemas.microsoft.com/office/drawing/2010/main" val="0"/>
+              </a:ext>
+            </a:extLst>
+          </a:blip>
+          <a:stretch>
+            <a:fillRect/>
+          </a:stretch>
+        </p:blipFill>
+        <p:spPr>
+          <a:xfrm>
+            <a:off x="508000" y="4201297"/>
+            <a:ext cx="11988800" cy="4264111"/>
+          </a:xfrm>
+          <a:prstGeom prst="rect">
+            <a:avLst/>
+          </a:prstGeom>
+        </p:spPr>
+      </p:pic>
     </p:spTree>
   </p:cSld>
   <p:clrMapOvr>
     <a:masterClrMapping/>
   </p:clrMapOvr>
-  <p:transition xmlns:p14="http://schemas.microsoft.com/office/powerpoint/2010/main" spd="med" advClick="1"/>
+  <p:transition spd="med"/>
 </p:sld>
 </file>
 
 <file path=ppt/slides/slide16.xml><?xml version="1.0" encoding="utf-8"?>
-<p:sld xmlns:a="http://schemas.openxmlformats.org/drawingml/2006/main" xmlns:r="http://schemas.openxmlformats.org/officeDocument/2006/relationships" xmlns:p="http://schemas.openxmlformats.org/presentationml/2006/main" showMasterSp="1" showMasterPhAnim="1">
+<p:sld xmlns:a="http://schemas.openxmlformats.org/drawingml/2006/main" xmlns:r="http://schemas.openxmlformats.org/officeDocument/2006/relationships" xmlns:p="http://schemas.openxmlformats.org/presentationml/2006/main">
   <p:cSld>
     <p:spTree>
       <p:nvGrpSpPr>
@@ -5188,7 +5479,9 @@
       <p:sp>
         <p:nvSpPr>
           <p:cNvPr id="195" name="Title"/>
-          <p:cNvSpPr txBox="1"/>
+          <p:cNvSpPr txBox="1">
+            <a:spLocks noGrp="1"/>
+          </p:cNvSpPr>
           <p:nvPr>
             <p:ph type="title"/>
           </p:nvPr>
@@ -5199,31 +5492,144 @@
           </a:prstGeom>
         </p:spPr>
         <p:txBody>
-          <a:bodyPr/>
+          <a:bodyPr>
+            <a:normAutofit/>
+          </a:bodyPr>
           <a:lstStyle/>
           <a:p>
-            <a:pPr/>
+            <a:r>
+              <a:rPr lang="en-AU" sz="4800" dirty="0">
+                <a:solidFill>
+                  <a:schemeClr val="accent5">
+                    <a:hueOff val="-411174"/>
+                    <a:satOff val="4030"/>
+                    <a:lumOff val="-29867"/>
+                  </a:schemeClr>
+                </a:solidFill>
+                <a:latin typeface="Times"/>
+                <a:cs typeface="Times"/>
+              </a:rPr>
+              <a:t>Deaths open/no vehicle vs closed</a:t>
+            </a:r>
+            <a:endParaRPr sz="4800" dirty="0">
+              <a:solidFill>
+                <a:schemeClr val="accent5">
+                  <a:hueOff val="-411174"/>
+                  <a:satOff val="4030"/>
+                  <a:lumOff val="-29867"/>
+                </a:schemeClr>
+              </a:solidFill>
+              <a:latin typeface="Times"/>
+              <a:cs typeface="Times"/>
+            </a:endParaRPr>
           </a:p>
         </p:txBody>
       </p:sp>
+      <p:pic>
+        <p:nvPicPr>
+          <p:cNvPr id="5" name="Picture 4">
+            <a:extLst>
+              <a:ext uri="{FF2B5EF4-FFF2-40B4-BE49-F238E27FC236}">
+                <a16:creationId xmlns:a16="http://schemas.microsoft.com/office/drawing/2014/main" id="{2AF4BDB2-B4EE-4527-9E9A-0D382AE1531D}"/>
+              </a:ext>
+            </a:extLst>
+          </p:cNvPr>
+          <p:cNvPicPr>
+            <a:picLocks noChangeAspect="1"/>
+          </p:cNvPicPr>
+          <p:nvPr/>
+        </p:nvPicPr>
+        <p:blipFill>
+          <a:blip r:embed="rId2">
+            <a:extLst>
+              <a:ext uri="{28A0092B-C50C-407E-A947-70E740481C1C}">
+                <a14:useLocalDpi xmlns:a14="http://schemas.microsoft.com/office/drawing/2010/main" val="0"/>
+              </a:ext>
+            </a:extLst>
+          </a:blip>
+          <a:stretch>
+            <a:fillRect/>
+          </a:stretch>
+        </p:blipFill>
+        <p:spPr>
+          <a:xfrm>
+            <a:off x="508000" y="4618567"/>
+            <a:ext cx="11988800" cy="4334933"/>
+          </a:xfrm>
+          <a:prstGeom prst="rect">
+            <a:avLst/>
+          </a:prstGeom>
+        </p:spPr>
+      </p:pic>
       <p:sp>
         <p:nvSpPr>
-          <p:cNvPr id="196" name="Body"/>
-          <p:cNvSpPr txBox="1"/>
+          <p:cNvPr id="9" name="Body">
+            <a:extLst>
+              <a:ext uri="{FF2B5EF4-FFF2-40B4-BE49-F238E27FC236}">
+                <a16:creationId xmlns:a16="http://schemas.microsoft.com/office/drawing/2014/main" id="{338F3576-372A-4981-92F3-A18FE520F310}"/>
+              </a:ext>
+            </a:extLst>
+          </p:cNvPr>
+          <p:cNvSpPr txBox="1">
+            <a:spLocks noGrp="1"/>
+          </p:cNvSpPr>
           <p:nvPr>
             <p:ph type="body" idx="1"/>
           </p:nvPr>
         </p:nvSpPr>
         <p:spPr>
+          <a:xfrm>
+            <a:off x="508000" y="2187146"/>
+            <a:ext cx="11681254" cy="1532237"/>
+          </a:xfrm>
           <a:prstGeom prst="rect">
             <a:avLst/>
           </a:prstGeom>
         </p:spPr>
         <p:txBody>
-          <a:bodyPr/>
+          <a:bodyPr>
+            <a:normAutofit/>
+          </a:bodyPr>
           <a:lstStyle/>
           <a:p>
-            <a:pPr/>
+            <a:pPr>
+              <a:buFontTx/>
+              <a:buChar char="-"/>
+            </a:pPr>
+            <a:r>
+              <a:rPr lang="en-AU" sz="1800" b="1" dirty="0">
+                <a:latin typeface="Helvetica"/>
+                <a:cs typeface="Helvetica"/>
+                <a:sym typeface="Helvetica"/>
+              </a:rPr>
+              <a:t>% of Road Deaths open/no vehicle vs closed</a:t>
+            </a:r>
+          </a:p>
+          <a:p>
+            <a:pPr>
+              <a:buFontTx/>
+              <a:buChar char="-"/>
+            </a:pPr>
+            <a:r>
+              <a:rPr lang="en-AU" sz="1800" b="1" dirty="0">
+                <a:latin typeface="Helvetica"/>
+                <a:cs typeface="Helvetica"/>
+                <a:sym typeface="Helvetica"/>
+              </a:rPr>
+              <a:t>- Closer to 50/50 split</a:t>
+            </a:r>
+            <a:br>
+              <a:rPr lang="en-AU" sz="1800" b="1" dirty="0">
+                <a:latin typeface="Helvetica"/>
+                <a:cs typeface="Helvetica"/>
+                <a:sym typeface="Helvetica"/>
+              </a:rPr>
+            </a:br>
+            <a:endParaRPr sz="1800" b="1" dirty="0">
+              <a:latin typeface="Helvetica"/>
+              <a:cs typeface="Helvetica"/>
+              <a:sym typeface="Helvetica"/>
+            </a:endParaRPr>
           </a:p>
         </p:txBody>
       </p:sp>
@@ -5232,12 +5638,191 @@
   <p:clrMapOvr>
     <a:masterClrMapping/>
   </p:clrMapOvr>
-  <p:transition xmlns:p14="http://schemas.microsoft.com/office/powerpoint/2010/main" spd="med" advClick="1"/>
+  <p:transition spd="med"/>
 </p:sld>
 </file>
 
 <file path=ppt/slides/slide17.xml><?xml version="1.0" encoding="utf-8"?>
-<p:sld xmlns:a="http://schemas.openxmlformats.org/drawingml/2006/main" xmlns:r="http://schemas.openxmlformats.org/officeDocument/2006/relationships" xmlns:p="http://schemas.openxmlformats.org/presentationml/2006/main" showMasterSp="1" showMasterPhAnim="1">
+<p:sld xmlns:a="http://schemas.openxmlformats.org/drawingml/2006/main" xmlns:r="http://schemas.openxmlformats.org/officeDocument/2006/relationships" xmlns:p="http://schemas.openxmlformats.org/presentationml/2006/main">
+  <p:cSld>
+    <p:spTree>
+      <p:nvGrpSpPr>
+        <p:cNvPr id="1" name=""/>
+        <p:cNvGrpSpPr/>
+        <p:nvPr/>
+      </p:nvGrpSpPr>
+      <p:grpSpPr>
+        <a:xfrm>
+          <a:off x="0" y="0"/>
+          <a:ext cx="0" cy="0"/>
+          <a:chOff x="0" y="0"/>
+          <a:chExt cx="0" cy="0"/>
+        </a:xfrm>
+      </p:grpSpPr>
+      <p:sp>
+        <p:nvSpPr>
+          <p:cNvPr id="2" name="Title 1">
+            <a:extLst>
+              <a:ext uri="{FF2B5EF4-FFF2-40B4-BE49-F238E27FC236}">
+                <a16:creationId xmlns:a16="http://schemas.microsoft.com/office/drawing/2014/main" id="{5CEF6E89-E835-47AA-A1C3-C9133EA05DA6}"/>
+              </a:ext>
+            </a:extLst>
+          </p:cNvPr>
+          <p:cNvSpPr>
+            <a:spLocks noGrp="1"/>
+          </p:cNvSpPr>
+          <p:nvPr>
+            <p:ph type="title"/>
+          </p:nvPr>
+        </p:nvSpPr>
+        <p:spPr/>
+        <p:txBody>
+          <a:bodyPr>
+            <a:normAutofit/>
+          </a:bodyPr>
+          <a:lstStyle/>
+          <a:p>
+            <a:r>
+              <a:rPr lang="en-AU" sz="4800" dirty="0">
+                <a:solidFill>
+                  <a:schemeClr val="accent5">
+                    <a:hueOff val="-411174"/>
+                    <a:satOff val="4030"/>
+                    <a:lumOff val="-29867"/>
+                  </a:schemeClr>
+                </a:solidFill>
+                <a:latin typeface="Times"/>
+                <a:cs typeface="Times"/>
+              </a:rPr>
+              <a:t>Do Helmet Laws Help?</a:t>
+            </a:r>
+          </a:p>
+        </p:txBody>
+      </p:sp>
+      <p:pic>
+        <p:nvPicPr>
+          <p:cNvPr id="5" name="Picture 4">
+            <a:extLst>
+              <a:ext uri="{FF2B5EF4-FFF2-40B4-BE49-F238E27FC236}">
+                <a16:creationId xmlns:a16="http://schemas.microsoft.com/office/drawing/2014/main" id="{77A0024B-D687-41AD-8E90-5CF3618CB23A}"/>
+              </a:ext>
+            </a:extLst>
+          </p:cNvPr>
+          <p:cNvPicPr>
+            <a:picLocks noChangeAspect="1"/>
+          </p:cNvPicPr>
+          <p:nvPr/>
+        </p:nvPicPr>
+        <p:blipFill>
+          <a:blip r:embed="rId2">
+            <a:extLst>
+              <a:ext uri="{28A0092B-C50C-407E-A947-70E740481C1C}">
+                <a14:useLocalDpi xmlns:a14="http://schemas.microsoft.com/office/drawing/2010/main" val="0"/>
+              </a:ext>
+            </a:extLst>
+          </a:blip>
+          <a:stretch>
+            <a:fillRect/>
+          </a:stretch>
+        </p:blipFill>
+        <p:spPr>
+          <a:xfrm>
+            <a:off x="0" y="2184401"/>
+            <a:ext cx="10834722" cy="5854700"/>
+          </a:xfrm>
+          <a:prstGeom prst="rect">
+            <a:avLst/>
+          </a:prstGeom>
+        </p:spPr>
+      </p:pic>
+      <p:pic>
+        <p:nvPicPr>
+          <p:cNvPr id="7" name="Picture 6">
+            <a:extLst>
+              <a:ext uri="{FF2B5EF4-FFF2-40B4-BE49-F238E27FC236}">
+                <a16:creationId xmlns:a16="http://schemas.microsoft.com/office/drawing/2014/main" id="{EFB80E7C-AE97-45F7-B937-B51B6C36A50B}"/>
+              </a:ext>
+            </a:extLst>
+          </p:cNvPr>
+          <p:cNvPicPr>
+            <a:picLocks noChangeAspect="1"/>
+          </p:cNvPicPr>
+          <p:nvPr/>
+        </p:nvPicPr>
+        <p:blipFill>
+          <a:blip r:embed="rId3">
+            <a:extLst>
+              <a:ext uri="{28A0092B-C50C-407E-A947-70E740481C1C}">
+                <a14:useLocalDpi xmlns:a14="http://schemas.microsoft.com/office/drawing/2010/main" val="0"/>
+              </a:ext>
+            </a:extLst>
+          </a:blip>
+          <a:stretch>
+            <a:fillRect/>
+          </a:stretch>
+        </p:blipFill>
+        <p:spPr>
+          <a:xfrm>
+            <a:off x="10082142" y="2889064"/>
+            <a:ext cx="1762371" cy="2629267"/>
+          </a:xfrm>
+          <a:prstGeom prst="rect">
+            <a:avLst/>
+          </a:prstGeom>
+        </p:spPr>
+      </p:pic>
+      <p:pic>
+        <p:nvPicPr>
+          <p:cNvPr id="9" name="Picture 8">
+            <a:extLst>
+              <a:ext uri="{FF2B5EF4-FFF2-40B4-BE49-F238E27FC236}">
+                <a16:creationId xmlns:a16="http://schemas.microsoft.com/office/drawing/2014/main" id="{E75834EE-D7B2-4EA2-A24C-76715FA524B4}"/>
+              </a:ext>
+            </a:extLst>
+          </p:cNvPr>
+          <p:cNvPicPr>
+            <a:picLocks noChangeAspect="1"/>
+          </p:cNvPicPr>
+          <p:nvPr/>
+        </p:nvPicPr>
+        <p:blipFill>
+          <a:blip r:embed="rId4">
+            <a:extLst>
+              <a:ext uri="{28A0092B-C50C-407E-A947-70E740481C1C}">
+                <a14:useLocalDpi xmlns:a14="http://schemas.microsoft.com/office/drawing/2010/main" val="0"/>
+              </a:ext>
+            </a:extLst>
+          </a:blip>
+          <a:stretch>
+            <a:fillRect/>
+          </a:stretch>
+        </p:blipFill>
+        <p:spPr>
+          <a:xfrm>
+            <a:off x="10834722" y="5683432"/>
+            <a:ext cx="1009791" cy="819264"/>
+          </a:xfrm>
+          <a:prstGeom prst="rect">
+            <a:avLst/>
+          </a:prstGeom>
+        </p:spPr>
+      </p:pic>
+    </p:spTree>
+    <p:extLst>
+      <p:ext uri="{BB962C8B-B14F-4D97-AF65-F5344CB8AC3E}">
+        <p14:creationId xmlns:p14="http://schemas.microsoft.com/office/powerpoint/2010/main" val="4230305963"/>
+      </p:ext>
+    </p:extLst>
+  </p:cSld>
+  <p:clrMapOvr>
+    <a:masterClrMapping/>
+  </p:clrMapOvr>
+  <p:transition spd="med"/>
+</p:sld>
+</file>
+
+<file path=ppt/slides/slide18.xml><?xml version="1.0" encoding="utf-8"?>
+<p:sld xmlns:a="http://schemas.openxmlformats.org/drawingml/2006/main" xmlns:r="http://schemas.openxmlformats.org/officeDocument/2006/relationships" xmlns:p="http://schemas.openxmlformats.org/presentationml/2006/main">
   <p:cSld>
     <p:spTree>
       <p:nvGrpSpPr>
@@ -5256,7 +5841,9 @@
       <p:sp>
         <p:nvSpPr>
           <p:cNvPr id="198" name="In your opinion, what changes should be made to the traffic structure to reduce the number of deaths in this area?"/>
-          <p:cNvSpPr txBox="1"/>
+          <p:cNvSpPr txBox="1">
+            <a:spLocks noGrp="1"/>
+          </p:cNvSpPr>
           <p:nvPr>
             <p:ph type="body" idx="1"/>
           </p:nvPr>
@@ -5296,7 +5883,6 @@
             </a:lvl1pPr>
           </a:lstStyle>
           <a:p>
-            <a:pPr/>
             <a:r>
               <a:t>In your opinion, what changes should be made to the traffic structure to reduce the number of deaths in this area?</a:t>
             </a:r>
@@ -5308,12 +5894,12 @@
   <p:clrMapOvr>
     <a:masterClrMapping/>
   </p:clrMapOvr>
-  <p:transition xmlns:p14="http://schemas.microsoft.com/office/powerpoint/2010/main" spd="med" advClick="1"/>
+  <p:transition spd="med"/>
 </p:sld>
 </file>
 
-<file path=ppt/slides/slide18.xml><?xml version="1.0" encoding="utf-8"?>
-<p:sld xmlns:a="http://schemas.openxmlformats.org/drawingml/2006/main" xmlns:r="http://schemas.openxmlformats.org/officeDocument/2006/relationships" xmlns:p="http://schemas.openxmlformats.org/presentationml/2006/main" showMasterSp="1" showMasterPhAnim="1">
+<file path=ppt/slides/slide19.xml><?xml version="1.0" encoding="utf-8"?>
+<p:sld xmlns:a="http://schemas.openxmlformats.org/drawingml/2006/main" xmlns:r="http://schemas.openxmlformats.org/officeDocument/2006/relationships" xmlns:p="http://schemas.openxmlformats.org/presentationml/2006/main">
   <p:cSld>
     <p:spTree>
       <p:nvGrpSpPr>
@@ -5332,7 +5918,9 @@
       <p:sp>
         <p:nvSpPr>
           <p:cNvPr id="200" name="https://www.optalert.com/the-evolution-of-road-safety/…"/>
-          <p:cNvSpPr txBox="1"/>
+          <p:cNvSpPr txBox="1">
+            <a:spLocks noGrp="1"/>
+          </p:cNvSpPr>
           <p:nvPr>
             <p:ph type="body" idx="1"/>
           </p:nvPr>
@@ -5351,7 +5939,7 @@
               <a:buSzPct val="75000"/>
               <a:buFontTx/>
               <a:buChar char="•"/>
-              <a:defRPr b="1" sz="1800">
+              <a:defRPr sz="1800" b="1">
                 <a:latin typeface="Helvetica"/>
                 <a:ea typeface="Helvetica"/>
                 <a:cs typeface="Helvetica"/>
@@ -5360,7 +5948,7 @@
             </a:pPr>
             <a:r>
               <a:rPr u="sng">
-                <a:hlinkClick r:id="rId2" invalidUrl="" action="" tgtFrame="" tooltip="" history="1" highlightClick="0" endSnd="0"/>
+                <a:hlinkClick r:id="rId2"/>
               </a:rPr>
               <a:t>https://www.optalert.com/the-evolution-of-road-safety/</a:t>
             </a:r>
@@ -5371,7 +5959,7 @@
               <a:buSzPct val="75000"/>
               <a:buFontTx/>
               <a:buChar char="•"/>
-              <a:defRPr b="1" sz="1800">
+              <a:defRPr sz="1800" b="1">
                 <a:latin typeface="Helvetica"/>
                 <a:ea typeface="Helvetica"/>
                 <a:cs typeface="Helvetica"/>
@@ -5380,7 +5968,7 @@
             </a:pPr>
             <a:r>
               <a:rPr u="sng">
-                <a:hlinkClick r:id="rId3" invalidUrl="" action="" tgtFrame="" tooltip="" history="1" highlightClick="0" endSnd="0"/>
+                <a:hlinkClick r:id="rId3"/>
               </a:rPr>
               <a:t>https://commons.wikimedia.org/wiki/File:World_Health_Organization_Logo.svg</a:t>
             </a:r>
@@ -5391,7 +5979,7 @@
               <a:buSzPct val="75000"/>
               <a:buFontTx/>
               <a:buChar char="•"/>
-              <a:defRPr b="1" sz="1800">
+              <a:defRPr sz="1800" b="1">
                 <a:latin typeface="Helvetica"/>
                 <a:ea typeface="Helvetica"/>
                 <a:cs typeface="Helvetica"/>
@@ -5400,7 +5988,7 @@
             </a:pPr>
             <a:r>
               <a:rPr u="sng">
-                <a:hlinkClick r:id="rId4" invalidUrl="" action="" tgtFrame="" tooltip="" history="1" highlightClick="0" endSnd="0"/>
+                <a:hlinkClick r:id="rId4"/>
               </a:rPr>
               <a:t>https://knowinjury.org.au/2016/12/funding-for-road-trauma-data-another-step-towards-safer-australian-roads/</a:t>
             </a:r>
@@ -5411,7 +5999,7 @@
               <a:buSzPct val="75000"/>
               <a:buFontTx/>
               <a:buChar char="•"/>
-              <a:defRPr b="1" sz="1800">
+              <a:defRPr sz="1800" b="1">
                 <a:latin typeface="Helvetica"/>
                 <a:ea typeface="Helvetica"/>
                 <a:cs typeface="Helvetica"/>
@@ -5420,7 +6008,7 @@
             </a:pPr>
             <a:r>
               <a:rPr u="sng">
-                <a:hlinkClick r:id="rId5" invalidUrl="" action="" tgtFrame="" tooltip="" history="1" highlightClick="0" endSnd="0"/>
+                <a:hlinkClick r:id="rId5"/>
               </a:rPr>
               <a:t>https://www.who.int/violence_injury_prevention/road_safety_status/2018/en/</a:t>
             </a:r>
@@ -5430,7 +6018,9 @@
       <p:sp>
         <p:nvSpPr>
           <p:cNvPr id="201" name="References"/>
-          <p:cNvSpPr txBox="1"/>
+          <p:cNvSpPr txBox="1">
+            <a:spLocks noGrp="1"/>
+          </p:cNvSpPr>
           <p:nvPr>
             <p:ph type="title"/>
           </p:nvPr>
@@ -5466,7 +6056,6 @@
             </a:lvl1pPr>
           </a:lstStyle>
           <a:p>
-            <a:pPr/>
             <a:r>
               <a:t>References</a:t>
             </a:r>
@@ -5478,12 +6067,12 @@
   <p:clrMapOvr>
     <a:masterClrMapping/>
   </p:clrMapOvr>
-  <p:transition xmlns:p14="http://schemas.microsoft.com/office/powerpoint/2010/main" spd="med" advClick="1"/>
+  <p:transition spd="med"/>
 </p:sld>
 </file>
 
 <file path=ppt/slides/slide2.xml><?xml version="1.0" encoding="utf-8"?>
-<p:sld xmlns:a="http://schemas.openxmlformats.org/drawingml/2006/main" xmlns:r="http://schemas.openxmlformats.org/officeDocument/2006/relationships" xmlns:p="http://schemas.openxmlformats.org/presentationml/2006/main" showMasterSp="1" showMasterPhAnim="1">
+<p:sld xmlns:a="http://schemas.openxmlformats.org/drawingml/2006/main" xmlns:r="http://schemas.openxmlformats.org/officeDocument/2006/relationships" xmlns:p="http://schemas.openxmlformats.org/presentationml/2006/main">
   <p:cSld>
     <p:spTree>
       <p:nvGrpSpPr>
@@ -5502,7 +6091,9 @@
       <p:sp>
         <p:nvSpPr>
           <p:cNvPr id="137" name="EXECUTIVE SUMMARY"/>
-          <p:cNvSpPr txBox="1"/>
+          <p:cNvSpPr txBox="1">
+            <a:spLocks noGrp="1"/>
+          </p:cNvSpPr>
           <p:nvPr>
             <p:ph type="title"/>
           </p:nvPr>
@@ -5538,7 +6129,6 @@
             </a:lvl1pPr>
           </a:lstStyle>
           <a:p>
-            <a:pPr/>
             <a:r>
               <a:t>EXECUTIVE SUMMARY </a:t>
             </a:r>
@@ -5548,7 +6138,9 @@
       <p:sp>
         <p:nvSpPr>
           <p:cNvPr id="138" name="Decreasing the risk of accident on the road and improving the quality of roads is one of the signs of progress in a country.…"/>
-          <p:cNvSpPr txBox="1"/>
+          <p:cNvSpPr txBox="1">
+            <a:spLocks noGrp="1"/>
+          </p:cNvSpPr>
           <p:nvPr>
             <p:ph type="body" idx="1"/>
           </p:nvPr>
@@ -5577,7 +6169,7 @@
               <a:buSzPct val="75000"/>
               <a:buFontTx/>
               <a:buChar char="•"/>
-              <a:defRPr b="1" sz="1800">
+              <a:defRPr sz="1800" b="1">
                 <a:solidFill>
                   <a:srgbClr val="000000"/>
                 </a:solidFill>
@@ -5603,7 +6195,7 @@
               <a:buSzTx/>
               <a:buFontTx/>
               <a:buNone/>
-              <a:defRPr b="1" sz="1800">
+              <a:defRPr sz="1800" b="1">
                 <a:solidFill>
                   <a:srgbClr val="000000"/>
                 </a:solidFill>
@@ -5613,6 +6205,7 @@
                 <a:sym typeface="Helvetica"/>
               </a:defRPr>
             </a:pPr>
+            <a:endParaRPr/>
           </a:p>
           <a:p>
             <a:pPr marL="234950" indent="-234950" algn="just" defTabSz="457200">
@@ -5626,7 +6219,7 @@
               <a:buSzPct val="75000"/>
               <a:buFontTx/>
               <a:buChar char="•"/>
-              <a:defRPr b="1" sz="1800">
+              <a:defRPr sz="1800" b="1">
                 <a:solidFill>
                   <a:srgbClr val="000000"/>
                 </a:solidFill>
@@ -5651,7 +6244,7 @@
               <a:t>8</a:t>
             </a:r>
             <a:r>
-              <a:rPr baseline="31999" sz="2400"/>
+              <a:rPr sz="2400" baseline="31999"/>
               <a:t>th</a:t>
             </a:r>
             <a:r>
@@ -5669,12 +6262,12 @@
   <p:clrMapOvr>
     <a:masterClrMapping/>
   </p:clrMapOvr>
-  <p:transition xmlns:p14="http://schemas.microsoft.com/office/powerpoint/2010/main" spd="med" advClick="1"/>
+  <p:transition spd="med"/>
 </p:sld>
 </file>
 
 <file path=ppt/slides/slide3.xml><?xml version="1.0" encoding="utf-8"?>
-<p:sld xmlns:a="http://schemas.openxmlformats.org/drawingml/2006/main" xmlns:r="http://schemas.openxmlformats.org/officeDocument/2006/relationships" xmlns:p="http://schemas.openxmlformats.org/presentationml/2006/main" showMasterSp="1" showMasterPhAnim="1">
+<p:sld xmlns:a="http://schemas.openxmlformats.org/drawingml/2006/main" xmlns:r="http://schemas.openxmlformats.org/officeDocument/2006/relationships" xmlns:p="http://schemas.openxmlformats.org/presentationml/2006/main">
   <p:cSld>
     <p:spTree>
       <p:nvGrpSpPr>
@@ -5694,17 +6287,15 @@
         <p:nvPicPr>
           <p:cNvPr id="140" name="vidar-nordli-mathisen-Kuu5mmxkwW4-unsplash.jpg" descr="vidar-nordli-mathisen-Kuu5mmxkwW4-unsplash.jpg"/>
           <p:cNvPicPr>
-            <a:picLocks noChangeAspect="1"/>
+            <a:picLocks noGrp="1" noChangeAspect="1"/>
           </p:cNvPicPr>
           <p:nvPr>
             <p:ph type="pic" idx="13"/>
           </p:nvPr>
         </p:nvPicPr>
         <p:blipFill>
-          <a:blip r:embed="rId2">
-            <a:extLst/>
-          </a:blip>
-          <a:srcRect l="13125" t="0" r="13125" b="0"/>
+          <a:blip r:embed="rId2"/>
+          <a:srcRect l="13125" r="13125"/>
           <a:stretch>
             <a:fillRect/>
           </a:stretch>
@@ -5734,18 +6325,18 @@
           </a:ln>
           <a:extLst>
             <a:ext uri="{C572A759-6A51-4108-AA02-DFA0A04FC94B}">
-              <ma14:wrappingTextBoxFlag xmlns:ma14="http://schemas.microsoft.com/office/mac/drawingml/2011/main" val="1"/>
+              <ma14:wrappingTextBoxFlag xmlns:ma14="http://schemas.microsoft.com/office/mac/drawingml/2011/main" xmlns="" val="1"/>
             </a:ext>
           </a:extLst>
         </p:spPr>
         <p:txBody>
           <a:bodyPr lIns="50800" tIns="50800" rIns="50800" bIns="50800" anchor="ctr">
-            <a:normAutofit fontScale="100000" lnSpcReduction="0"/>
+            <a:normAutofit/>
           </a:bodyPr>
           <a:lstStyle/>
           <a:p>
             <a:pPr algn="l" defTabSz="457200">
-              <a:defRPr b="1" sz="4000">
+              <a:defRPr sz="4000" b="1">
                 <a:solidFill>
                   <a:srgbClr val="FFFFFF"/>
                 </a:solidFill>
@@ -5812,18 +6403,18 @@
           </a:ln>
           <a:extLst>
             <a:ext uri="{C572A759-6A51-4108-AA02-DFA0A04FC94B}">
-              <ma14:wrappingTextBoxFlag xmlns:ma14="http://schemas.microsoft.com/office/mac/drawingml/2011/main" val="1"/>
+              <ma14:wrappingTextBoxFlag xmlns:ma14="http://schemas.microsoft.com/office/mac/drawingml/2011/main" xmlns="" val="1"/>
             </a:ext>
           </a:extLst>
         </p:spPr>
         <p:txBody>
           <a:bodyPr lIns="50800" tIns="50800" rIns="50800" bIns="50800" anchor="ctr">
-            <a:normAutofit fontScale="100000" lnSpcReduction="0"/>
+            <a:normAutofit/>
           </a:bodyPr>
           <a:lstStyle/>
           <a:p>
             <a:pPr algn="l" defTabSz="457200">
-              <a:defRPr b="1" sz="4000">
+              <a:defRPr sz="4000" b="1">
                 <a:solidFill>
                   <a:srgbClr val="FFFFFF"/>
                 </a:solidFill>
@@ -5890,13 +6481,13 @@
           </a:ln>
           <a:extLst>
             <a:ext uri="{C572A759-6A51-4108-AA02-DFA0A04FC94B}">
-              <ma14:wrappingTextBoxFlag xmlns:ma14="http://schemas.microsoft.com/office/mac/drawingml/2011/main" val="1"/>
+              <ma14:wrappingTextBoxFlag xmlns:ma14="http://schemas.microsoft.com/office/mac/drawingml/2011/main" xmlns="" val="1"/>
             </a:ext>
           </a:extLst>
         </p:spPr>
         <p:txBody>
           <a:bodyPr lIns="50800" tIns="50800" rIns="50800" bIns="50800" anchor="ctr">
-            <a:normAutofit fontScale="100000" lnSpcReduction="0"/>
+            <a:normAutofit/>
           </a:bodyPr>
           <a:lstStyle/>
           <a:p>
@@ -5904,7 +6495,7 @@
               <a:spcBef>
                 <a:spcPts val="1200"/>
               </a:spcBef>
-              <a:defRPr b="1" sz="3866">
+              <a:defRPr sz="3866" b="1">
                 <a:solidFill>
                   <a:srgbClr val="FFFFFF"/>
                 </a:solidFill>
@@ -5915,7 +6506,7 @@
               </a:defRPr>
             </a:pPr>
             <a:r>
-              <a:rPr baseline="-46000" sz="5000">
+              <a:rPr sz="5000" baseline="-46000">
                 <a:latin typeface="Arial"/>
                 <a:ea typeface="Arial"/>
                 <a:cs typeface="Arial"/>
@@ -5935,7 +6526,7 @@
             <a:r>
               <a:t> </a:t>
             </a:r>
-            <a:endParaRPr b="0" sz="1200"/>
+            <a:endParaRPr sz="1200" b="0"/>
           </a:p>
           <a:p>
             <a:pPr algn="l" defTabSz="457200">
@@ -5977,13 +6568,13 @@
           </a:ln>
           <a:extLst>
             <a:ext uri="{C572A759-6A51-4108-AA02-DFA0A04FC94B}">
-              <ma14:wrappingTextBoxFlag xmlns:ma14="http://schemas.microsoft.com/office/mac/drawingml/2011/main" val="1"/>
+              <ma14:wrappingTextBoxFlag xmlns:ma14="http://schemas.microsoft.com/office/mac/drawingml/2011/main" xmlns="" val="1"/>
             </a:ext>
           </a:extLst>
         </p:spPr>
         <p:txBody>
           <a:bodyPr lIns="50800" tIns="50800" rIns="50800" bIns="50800" anchor="ctr">
-            <a:normAutofit fontScale="100000" lnSpcReduction="0"/>
+            <a:normAutofit/>
           </a:bodyPr>
           <a:lstStyle/>
           <a:p>
@@ -5991,7 +6582,7 @@
               <a:spcBef>
                 <a:spcPts val="1200"/>
               </a:spcBef>
-              <a:defRPr b="1" sz="3866">
+              <a:defRPr sz="3866" b="1">
                 <a:solidFill>
                   <a:srgbClr val="FFFFFF"/>
                 </a:solidFill>
@@ -6002,7 +6593,7 @@
               </a:defRPr>
             </a:pPr>
             <a:r>
-              <a:rPr baseline="-46000" sz="5000">
+              <a:rPr sz="5000" baseline="-46000">
                 <a:latin typeface="Arial"/>
                 <a:ea typeface="Arial"/>
                 <a:cs typeface="Arial"/>
@@ -6013,7 +6604,7 @@
             <a:r>
               <a:t> </a:t>
             </a:r>
-            <a:endParaRPr b="0" sz="1200"/>
+            <a:endParaRPr sz="1200" b="0"/>
           </a:p>
           <a:p>
             <a:pPr algn="l" defTabSz="457200">
@@ -6041,12 +6632,12 @@
   <p:clrMapOvr>
     <a:masterClrMapping/>
   </p:clrMapOvr>
-  <p:transition xmlns:p14="http://schemas.microsoft.com/office/powerpoint/2010/main" spd="med" advClick="1"/>
+  <p:transition spd="med"/>
 </p:sld>
 </file>
 
 <file path=ppt/slides/slide4.xml><?xml version="1.0" encoding="utf-8"?>
-<p:sld xmlns:a="http://schemas.openxmlformats.org/drawingml/2006/main" xmlns:r="http://schemas.openxmlformats.org/officeDocument/2006/relationships" xmlns:p="http://schemas.openxmlformats.org/presentationml/2006/main" showMasterSp="1" showMasterPhAnim="1">
+<p:sld xmlns:a="http://schemas.openxmlformats.org/drawingml/2006/main" xmlns:r="http://schemas.openxmlformats.org/officeDocument/2006/relationships" xmlns:p="http://schemas.openxmlformats.org/presentationml/2006/main">
   <p:cSld>
     <p:spTree>
       <p:nvGrpSpPr>
@@ -6065,7 +6656,9 @@
       <p:sp>
         <p:nvSpPr>
           <p:cNvPr id="146" name="Based on the importance of the cause study in this area and by information collected by the group, it was decided to direct the project to answer the following questions:…"/>
-          <p:cNvSpPr txBox="1"/>
+          <p:cNvSpPr txBox="1">
+            <a:spLocks noGrp="1"/>
+          </p:cNvSpPr>
           <p:nvPr>
             <p:ph type="body" idx="1"/>
           </p:nvPr>
@@ -6097,7 +6690,7 @@
               <a:tabLst>
                 <a:tab pos="457200" algn="l"/>
               </a:tabLst>
-              <a:defRPr b="1" sz="1800">
+              <a:defRPr sz="1800" b="1">
                 <a:solidFill>
                   <a:srgbClr val="000000"/>
                 </a:solidFill>
@@ -6126,7 +6719,7 @@
               <a:tabLst>
                 <a:tab pos="457200" algn="l"/>
               </a:tabLst>
-              <a:defRPr b="1" sz="1800">
+              <a:defRPr sz="1800" b="1">
                 <a:solidFill>
                   <a:srgbClr val="000000"/>
                 </a:solidFill>
@@ -6136,6 +6729,7 @@
                 <a:sym typeface="Helvetica"/>
               </a:defRPr>
             </a:pPr>
+            <a:endParaRPr/>
           </a:p>
           <a:p>
             <a:pPr marL="457200" indent="-228600" defTabSz="457200">
@@ -6152,7 +6746,7 @@
               <a:tabLst>
                 <a:tab pos="457200" algn="l"/>
               </a:tabLst>
-              <a:defRPr b="1" sz="1800">
+              <a:defRPr sz="1800" b="1">
                 <a:solidFill>
                   <a:srgbClr val="000000"/>
                 </a:solidFill>
@@ -6181,7 +6775,7 @@
               <a:tabLst>
                 <a:tab pos="457200" algn="l"/>
               </a:tabLst>
-              <a:defRPr b="1" sz="1800">
+              <a:defRPr sz="1800" b="1">
                 <a:solidFill>
                   <a:srgbClr val="000000"/>
                 </a:solidFill>
@@ -6210,7 +6804,7 @@
               <a:tabLst>
                 <a:tab pos="457200" algn="l"/>
               </a:tabLst>
-              <a:defRPr b="1" sz="1800">
+              <a:defRPr sz="1800" b="1">
                 <a:solidFill>
                   <a:srgbClr val="000000"/>
                 </a:solidFill>
@@ -6239,7 +6833,7 @@
               <a:tabLst>
                 <a:tab pos="457200" algn="l"/>
               </a:tabLst>
-              <a:defRPr b="1" sz="1800">
+              <a:defRPr sz="1800" b="1">
                 <a:solidFill>
                   <a:srgbClr val="000000"/>
                 </a:solidFill>
@@ -6268,7 +6862,7 @@
               <a:tabLst>
                 <a:tab pos="457200" algn="l"/>
               </a:tabLst>
-              <a:defRPr b="1" sz="1800">
+              <a:defRPr sz="1800" b="1">
                 <a:solidFill>
                   <a:srgbClr val="000000"/>
                 </a:solidFill>
@@ -6297,7 +6891,7 @@
               <a:tabLst>
                 <a:tab pos="457200" algn="l"/>
               </a:tabLst>
-              <a:defRPr b="1" sz="1800">
+              <a:defRPr sz="1800" b="1">
                 <a:solidFill>
                   <a:srgbClr val="000000"/>
                 </a:solidFill>
@@ -6326,7 +6920,7 @@
               <a:tabLst>
                 <a:tab pos="457200" algn="l"/>
               </a:tabLst>
-              <a:defRPr b="1" sz="1800">
+              <a:defRPr sz="1800" b="1">
                 <a:solidFill>
                   <a:srgbClr val="000000"/>
                 </a:solidFill>
@@ -6355,7 +6949,7 @@
               <a:tabLst>
                 <a:tab pos="457200" algn="l"/>
               </a:tabLst>
-              <a:defRPr b="1" sz="1800">
+              <a:defRPr sz="1800" b="1">
                 <a:solidFill>
                   <a:srgbClr val="000000"/>
                 </a:solidFill>
@@ -6384,7 +6978,7 @@
               <a:tabLst>
                 <a:tab pos="457200" algn="l"/>
               </a:tabLst>
-              <a:defRPr b="1" sz="1800">
+              <a:defRPr sz="1800" b="1">
                 <a:solidFill>
                   <a:srgbClr val="000000"/>
                 </a:solidFill>
@@ -6413,7 +7007,7 @@
               <a:tabLst>
                 <a:tab pos="457200" algn="l"/>
               </a:tabLst>
-              <a:defRPr b="1" sz="1800">
+              <a:defRPr sz="1800" b="1">
                 <a:solidFill>
                   <a:srgbClr val="000000"/>
                 </a:solidFill>
@@ -6448,13 +7042,13 @@
           </a:ln>
           <a:extLst>
             <a:ext uri="{C572A759-6A51-4108-AA02-DFA0A04FC94B}">
-              <ma14:wrappingTextBoxFlag xmlns:ma14="http://schemas.microsoft.com/office/mac/drawingml/2011/main" val="1"/>
+              <ma14:wrappingTextBoxFlag xmlns:ma14="http://schemas.microsoft.com/office/mac/drawingml/2011/main" xmlns="" val="1"/>
             </a:ext>
           </a:extLst>
         </p:spPr>
         <p:txBody>
           <a:bodyPr lIns="50800" tIns="50800" rIns="50800" bIns="50800" anchor="ctr">
-            <a:normAutofit fontScale="100000" lnSpcReduction="0"/>
+            <a:normAutofit/>
           </a:bodyPr>
           <a:lstStyle>
             <a:lvl1pPr algn="l" defTabSz="457200">
@@ -6477,7 +7071,6 @@
             </a:lvl1pPr>
           </a:lstStyle>
           <a:p>
-            <a:pPr/>
             <a:r>
               <a:t>Questions</a:t>
             </a:r>
@@ -6489,12 +7082,12 @@
   <p:clrMapOvr>
     <a:masterClrMapping/>
   </p:clrMapOvr>
-  <p:transition xmlns:p14="http://schemas.microsoft.com/office/powerpoint/2010/main" spd="med" advClick="1"/>
+  <p:transition spd="med"/>
 </p:sld>
 </file>
 
 <file path=ppt/slides/slide5.xml><?xml version="1.0" encoding="utf-8"?>
-<p:sld xmlns:a="http://schemas.openxmlformats.org/drawingml/2006/main" xmlns:r="http://schemas.openxmlformats.org/officeDocument/2006/relationships" xmlns:p="http://schemas.openxmlformats.org/presentationml/2006/main" showMasterSp="1" showMasterPhAnim="1">
+<p:sld xmlns:a="http://schemas.openxmlformats.org/drawingml/2006/main" xmlns:r="http://schemas.openxmlformats.org/officeDocument/2006/relationships" xmlns:p="http://schemas.openxmlformats.org/presentationml/2006/main">
   <p:cSld>
     <p:spTree>
       <p:nvGrpSpPr>
@@ -6513,7 +7106,9 @@
       <p:sp>
         <p:nvSpPr>
           <p:cNvPr id="149" name="The data is collected from following websites:…"/>
-          <p:cNvSpPr txBox="1"/>
+          <p:cNvSpPr txBox="1">
+            <a:spLocks noGrp="1"/>
+          </p:cNvSpPr>
           <p:nvPr>
             <p:ph type="body" idx="1"/>
           </p:nvPr>
@@ -6542,7 +7137,7 @@
               <a:buSzTx/>
               <a:buFontTx/>
               <a:buNone/>
-              <a:defRPr b="1" sz="1800">
+              <a:defRPr sz="1800" b="1">
                 <a:latin typeface="Helvetica"/>
                 <a:ea typeface="Helvetica"/>
                 <a:cs typeface="Helvetica"/>
@@ -6565,13 +7160,14 @@
               <a:buSzTx/>
               <a:buFontTx/>
               <a:buNone/>
-              <a:defRPr b="1" sz="1800">
+              <a:defRPr sz="1800" b="1">
                 <a:latin typeface="Helvetica"/>
                 <a:ea typeface="Helvetica"/>
                 <a:cs typeface="Helvetica"/>
                 <a:sym typeface="Helvetica"/>
               </a:defRPr>
             </a:pPr>
+            <a:endParaRPr/>
           </a:p>
           <a:p>
             <a:pPr marL="0" indent="0">
@@ -6585,7 +7181,7 @@
               <a:buSzTx/>
               <a:buFontTx/>
               <a:buNone/>
-              <a:defRPr b="1" sz="1800">
+              <a:defRPr sz="1800" b="1">
                 <a:latin typeface="Helvetica"/>
                 <a:ea typeface="Helvetica"/>
                 <a:cs typeface="Helvetica"/>
@@ -6597,7 +7193,7 @@
             </a:r>
             <a:r>
               <a:rPr u="sng">
-                <a:hlinkClick r:id="rId2" invalidUrl="" action="" tgtFrame="" tooltip="" history="1" highlightClick="0" endSnd="0"/>
+                <a:hlinkClick r:id="rId2"/>
               </a:rPr>
               <a:t>https://www.who.int/data/gho</a:t>
             </a:r>
@@ -6619,7 +7215,7 @@
               <a:buSzTx/>
               <a:buFontTx/>
               <a:buNone/>
-              <a:defRPr b="1" sz="1800">
+              <a:defRPr sz="1800" b="1">
                 <a:latin typeface="Helvetica"/>
                 <a:ea typeface="Helvetica"/>
                 <a:cs typeface="Helvetica"/>
@@ -6631,7 +7227,7 @@
             </a:r>
             <a:r>
               <a:rPr u="sng">
-                <a:hlinkClick r:id="rId3" invalidUrl="" action="" tgtFrame="" tooltip="" history="1" highlightClick="0" endSnd="0"/>
+                <a:hlinkClick r:id="rId3"/>
               </a:rPr>
               <a:t>https://stats.oecd.org/</a:t>
             </a:r>
@@ -6653,7 +7249,7 @@
               <a:buSzTx/>
               <a:buFontTx/>
               <a:buNone/>
-              <a:defRPr b="1" sz="1800">
+              <a:defRPr sz="1800" b="1">
                 <a:latin typeface="Helvetica"/>
                 <a:ea typeface="Helvetica"/>
                 <a:cs typeface="Helvetica"/>
@@ -6676,7 +7272,7 @@
               <a:buSzTx/>
               <a:buFontTx/>
               <a:buNone/>
-              <a:defRPr b="1" sz="1800">
+              <a:defRPr sz="1800" b="1">
                 <a:latin typeface="Helvetica"/>
                 <a:ea typeface="Helvetica"/>
                 <a:cs typeface="Helvetica"/>
@@ -6699,7 +7295,7 @@
               <a:buSzTx/>
               <a:buFontTx/>
               <a:buNone/>
-              <a:defRPr b="1" sz="1800">
+              <a:defRPr sz="1800" b="1">
                 <a:latin typeface="Helvetica"/>
                 <a:ea typeface="Helvetica"/>
                 <a:cs typeface="Helvetica"/>
@@ -6711,7 +7307,7 @@
             </a:r>
             <a:r>
               <a:rPr u="sng">
-                <a:hlinkClick r:id="rId4" invalidUrl="" action="" tgtFrame="" tooltip="" history="1" highlightClick="0" endSnd="0"/>
+                <a:hlinkClick r:id="rId4"/>
               </a:rPr>
               <a:t>https://apps.who.int/gho/data/node.main.A989?lang=en</a:t>
             </a:r>
@@ -6733,7 +7329,7 @@
               <a:buSzTx/>
               <a:buFontTx/>
               <a:buNone/>
-              <a:defRPr b="1" sz="1800">
+              <a:defRPr sz="1800" b="1">
                 <a:latin typeface="Helvetica"/>
                 <a:ea typeface="Helvetica"/>
                 <a:cs typeface="Helvetica"/>
@@ -6758,12 +7354,13 @@
                   <a:srgbClr val="FFFFFF"/>
                 </a:solidFill>
                 <a:effectLst>
-                  <a:outerShdw sx="100000" sy="100000" kx="0" ky="0" algn="b" rotWithShape="0" blurRad="25400" dist="33948" dir="2700000">
+                  <a:outerShdw blurRad="25400" dist="33948" dir="2700000" rotWithShape="0">
                     <a:srgbClr val="3B3936"/>
                   </a:outerShdw>
                 </a:effectLst>
               </a:defRPr>
             </a:pPr>
+            <a:endParaRPr/>
           </a:p>
         </p:txBody>
       </p:sp>
@@ -6776,9 +7373,7 @@
           <p:nvPr/>
         </p:nvPicPr>
         <p:blipFill>
-          <a:blip r:embed="rId5">
-            <a:extLst/>
-          </a:blip>
+          <a:blip r:embed="rId5"/>
           <a:stretch>
             <a:fillRect/>
           </a:stretch>
@@ -6799,7 +7394,9 @@
       <p:sp>
         <p:nvSpPr>
           <p:cNvPr id="151" name="Data"/>
-          <p:cNvSpPr txBox="1"/>
+          <p:cNvSpPr txBox="1">
+            <a:spLocks noGrp="1"/>
+          </p:cNvSpPr>
           <p:nvPr>
             <p:ph type="title"/>
           </p:nvPr>
@@ -6835,7 +7432,6 @@
             </a:lvl1pPr>
           </a:lstStyle>
           <a:p>
-            <a:pPr/>
             <a:r>
               <a:t>Data</a:t>
             </a:r>
@@ -6847,12 +7443,12 @@
   <p:clrMapOvr>
     <a:masterClrMapping/>
   </p:clrMapOvr>
-  <p:transition xmlns:p14="http://schemas.microsoft.com/office/powerpoint/2010/main" spd="med" advClick="1"/>
+  <p:transition spd="med"/>
 </p:sld>
 </file>
 
 <file path=ppt/slides/slide6.xml><?xml version="1.0" encoding="utf-8"?>
-<p:sld xmlns:a="http://schemas.openxmlformats.org/drawingml/2006/main" xmlns:r="http://schemas.openxmlformats.org/officeDocument/2006/relationships" xmlns:p="http://schemas.openxmlformats.org/presentationml/2006/main" showMasterSp="1" showMasterPhAnim="1">
+<p:sld xmlns:a="http://schemas.openxmlformats.org/drawingml/2006/main" xmlns:r="http://schemas.openxmlformats.org/officeDocument/2006/relationships" xmlns:p="http://schemas.openxmlformats.org/presentationml/2006/main">
   <p:cSld>
     <p:spTree>
       <p:nvGrpSpPr>
@@ -6871,7 +7467,9 @@
       <p:sp>
         <p:nvSpPr>
           <p:cNvPr id="153" name="Data Cleanup &amp; Exploration"/>
-          <p:cNvSpPr txBox="1"/>
+          <p:cNvSpPr txBox="1">
+            <a:spLocks noGrp="1"/>
+          </p:cNvSpPr>
           <p:nvPr>
             <p:ph type="title"/>
           </p:nvPr>
@@ -6907,7 +7505,6 @@
             </a:lvl1pPr>
           </a:lstStyle>
           <a:p>
-            <a:pPr/>
             <a:r>
               <a:t>Data Cleanup &amp; Exploration</a:t>
             </a:r>
@@ -6933,13 +7530,13 @@
           </a:ln>
           <a:extLst>
             <a:ext uri="{C572A759-6A51-4108-AA02-DFA0A04FC94B}">
-              <ma14:wrappingTextBoxFlag xmlns:ma14="http://schemas.microsoft.com/office/mac/drawingml/2011/main" val="1"/>
+              <ma14:wrappingTextBoxFlag xmlns:ma14="http://schemas.microsoft.com/office/mac/drawingml/2011/main" xmlns="" val="1"/>
             </a:ext>
           </a:extLst>
         </p:spPr>
         <p:txBody>
           <a:bodyPr lIns="50800" tIns="50800" rIns="50800" bIns="50800" anchor="ctr">
-            <a:normAutofit fontScale="100000" lnSpcReduction="0"/>
+            <a:normAutofit/>
           </a:bodyPr>
           <a:lstStyle/>
           <a:p>
@@ -6953,7 +7550,7 @@
               <a:tabLst>
                 <a:tab pos="457200" algn="l"/>
               </a:tabLst>
-              <a:defRPr b="1" sz="1800">
+              <a:defRPr sz="1800" b="1">
                 <a:solidFill>
                   <a:srgbClr val="000000"/>
                 </a:solidFill>
@@ -6964,6 +7561,7 @@
               </a:defRPr>
             </a:pPr>
             <a:r>
+              <a:rPr dirty="0"/>
               <a:t>The problem we encountered at this stage:</a:t>
             </a:r>
           </a:p>
@@ -6978,7 +7576,7 @@
               <a:tabLst>
                 <a:tab pos="457200" algn="l"/>
               </a:tabLst>
-              <a:defRPr b="1" sz="1800">
+              <a:defRPr sz="1800" b="1">
                 <a:solidFill>
                   <a:srgbClr val="000000"/>
                 </a:solidFill>
@@ -6988,6 +7586,7 @@
                 <a:sym typeface="Helvetica"/>
               </a:defRPr>
             </a:pPr>
+            <a:endParaRPr dirty="0"/>
           </a:p>
           <a:p>
             <a:pPr marL="457200" indent="-228600" algn="l" defTabSz="457200">
@@ -7000,7 +7599,7 @@
               <a:tabLst>
                 <a:tab pos="457200" algn="l"/>
               </a:tabLst>
-              <a:defRPr b="1" sz="1800">
+              <a:defRPr sz="1800" b="1">
                 <a:solidFill>
                   <a:srgbClr val="000000"/>
                 </a:solidFill>
@@ -7011,6 +7610,7 @@
               </a:defRPr>
             </a:pPr>
             <a:r>
+              <a:rPr dirty="0"/>
               <a:t>•	Lots of missing data (mostly the countries with low income).</a:t>
             </a:r>
           </a:p>
@@ -7025,7 +7625,7 @@
               <a:tabLst>
                 <a:tab pos="457200" algn="l"/>
               </a:tabLst>
-              <a:defRPr b="1" sz="1800">
+              <a:defRPr sz="1800" b="1">
                 <a:solidFill>
                   <a:srgbClr val="000000"/>
                 </a:solidFill>
@@ -7036,6 +7636,7 @@
               </a:defRPr>
             </a:pPr>
             <a:r>
+              <a:rPr dirty="0"/>
               <a:t>•	Information collected at different times.</a:t>
             </a:r>
           </a:p>
@@ -7050,7 +7651,7 @@
               <a:tabLst>
                 <a:tab pos="457200" algn="l"/>
               </a:tabLst>
-              <a:defRPr b="1" sz="1800">
+              <a:defRPr sz="1800" b="1">
                 <a:solidFill>
                   <a:srgbClr val="000000"/>
                 </a:solidFill>
@@ -7061,8 +7662,39 @@
               </a:defRPr>
             </a:pPr>
             <a:r>
+              <a:rPr dirty="0"/>
               <a:t>•	Unknown symbols.</a:t>
             </a:r>
+            <a:endParaRPr lang="en-AU" dirty="0"/>
+          </a:p>
+          <a:p>
+            <a:pPr marL="514350" indent="-285750" algn="l" defTabSz="457200">
+              <a:lnSpc>
+                <a:spcPct val="120000"/>
+              </a:lnSpc>
+              <a:spcBef>
+                <a:spcPts val="500"/>
+              </a:spcBef>
+              <a:buFont typeface="Arial" panose="020B0604020202020204" pitchFamily="34" charset="0"/>
+              <a:buChar char="•"/>
+              <a:tabLst>
+                <a:tab pos="457200" algn="l"/>
+              </a:tabLst>
+              <a:defRPr sz="1800" b="1">
+                <a:solidFill>
+                  <a:srgbClr val="000000"/>
+                </a:solidFill>
+                <a:latin typeface="Helvetica"/>
+                <a:ea typeface="Helvetica"/>
+                <a:cs typeface="Helvetica"/>
+                <a:sym typeface="Helvetica"/>
+              </a:defRPr>
+            </a:pPr>
+            <a:r>
+              <a:rPr lang="en-AU" dirty="0"/>
+              <a:t>Data ranges</a:t>
+            </a:r>
+            <a:endParaRPr dirty="0"/>
           </a:p>
           <a:p>
             <a:pPr marL="457200" indent="-228600" algn="l" defTabSz="457200">
@@ -7075,7 +7707,7 @@
               <a:tabLst>
                 <a:tab pos="457200" algn="l"/>
               </a:tabLst>
-              <a:defRPr b="1" sz="1800">
+              <a:defRPr sz="1800" b="1">
                 <a:solidFill>
                   <a:srgbClr val="000000"/>
                 </a:solidFill>
@@ -7085,6 +7717,7 @@
                 <a:sym typeface="Helvetica"/>
               </a:defRPr>
             </a:pPr>
+            <a:endParaRPr dirty="0"/>
           </a:p>
           <a:p>
             <a:pPr marL="457200" indent="-228600" algn="l" defTabSz="457200">
@@ -7097,7 +7730,7 @@
               <a:tabLst>
                 <a:tab pos="457200" algn="l"/>
               </a:tabLst>
-              <a:defRPr b="1" sz="1800">
+              <a:defRPr sz="1800" b="1">
                 <a:solidFill>
                   <a:srgbClr val="000000"/>
                 </a:solidFill>
@@ -7108,6 +7741,7 @@
               </a:defRPr>
             </a:pPr>
             <a:r>
+              <a:rPr dirty="0"/>
               <a:t>By given a lot of effort we couldn't get the incomplete information, it was decided that focus on countries with full information.</a:t>
             </a:r>
           </a:p>
@@ -7122,7 +7756,7 @@
               <a:tabLst>
                 <a:tab pos="457200" algn="l"/>
               </a:tabLst>
-              <a:defRPr b="1" sz="1800">
+              <a:defRPr sz="1800" b="1">
                 <a:solidFill>
                   <a:srgbClr val="000000"/>
                 </a:solidFill>
@@ -7133,6 +7767,7 @@
               </a:defRPr>
             </a:pPr>
             <a:r>
+              <a:rPr dirty="0"/>
               <a:t>We decided to work the recent year in datasets however the year was mismatch.</a:t>
             </a:r>
           </a:p>
@@ -7147,7 +7782,7 @@
               <a:tabLst>
                 <a:tab pos="457200" algn="l"/>
               </a:tabLst>
-              <a:defRPr b="1" sz="1800">
+              <a:defRPr sz="1800" b="1">
                 <a:solidFill>
                   <a:srgbClr val="000000"/>
                 </a:solidFill>
@@ -7158,6 +7793,7 @@
               </a:defRPr>
             </a:pPr>
             <a:r>
+              <a:rPr dirty="0"/>
               <a:t>For some unknown symbols we used “Notepad” to correct data and then import in Panda and correct the rest in Jupiter notebook. </a:t>
             </a:r>
           </a:p>
@@ -7172,7 +7808,7 @@
               <a:tabLst>
                 <a:tab pos="457200" algn="l"/>
               </a:tabLst>
-              <a:defRPr b="1" sz="1800">
+              <a:defRPr sz="1800" b="1">
                 <a:solidFill>
                   <a:srgbClr val="000000"/>
                 </a:solidFill>
@@ -7182,6 +7818,7 @@
                 <a:sym typeface="Helvetica"/>
               </a:defRPr>
             </a:pPr>
+            <a:endParaRPr dirty="0"/>
           </a:p>
         </p:txBody>
       </p:sp>
@@ -7190,12 +7827,12 @@
   <p:clrMapOvr>
     <a:masterClrMapping/>
   </p:clrMapOvr>
-  <p:transition xmlns:p14="http://schemas.microsoft.com/office/powerpoint/2010/main" spd="med" advClick="1"/>
+  <p:transition spd="med"/>
 </p:sld>
 </file>
 
 <file path=ppt/slides/slide7.xml><?xml version="1.0" encoding="utf-8"?>
-<p:sld xmlns:a="http://schemas.openxmlformats.org/drawingml/2006/main" xmlns:r="http://schemas.openxmlformats.org/officeDocument/2006/relationships" xmlns:p="http://schemas.openxmlformats.org/presentationml/2006/main" showMasterSp="1" showMasterPhAnim="1">
+<p:sld xmlns:a="http://schemas.openxmlformats.org/drawingml/2006/main" xmlns:r="http://schemas.openxmlformats.org/officeDocument/2006/relationships" xmlns:p="http://schemas.openxmlformats.org/presentationml/2006/main">
   <p:cSld>
     <p:spTree>
       <p:nvGrpSpPr>
@@ -7230,13 +7867,13 @@
           </a:ln>
           <a:extLst>
             <a:ext uri="{C572A759-6A51-4108-AA02-DFA0A04FC94B}">
-              <ma14:wrappingTextBoxFlag xmlns:ma14="http://schemas.microsoft.com/office/mac/drawingml/2011/main" val="1"/>
+              <ma14:wrappingTextBoxFlag xmlns:ma14="http://schemas.microsoft.com/office/mac/drawingml/2011/main" xmlns="" val="1"/>
             </a:ext>
           </a:extLst>
         </p:spPr>
         <p:txBody>
           <a:bodyPr lIns="50800" tIns="50800" rIns="50800" bIns="50800" anchor="ctr">
-            <a:normAutofit fontScale="100000" lnSpcReduction="0"/>
+            <a:normAutofit/>
           </a:bodyPr>
           <a:lstStyle>
             <a:lvl1pPr algn="l" defTabSz="457200">
@@ -7256,7 +7893,6 @@
             </a:lvl1pPr>
           </a:lstStyle>
           <a:p>
-            <a:pPr/>
             <a:r>
               <a:t>Data Analysis</a:t>
             </a:r>
@@ -7271,8 +7907,8 @@
         </p:nvSpPr>
         <p:spPr>
           <a:xfrm>
-            <a:off x="559552" y="2654299"/>
-            <a:ext cx="11885696" cy="381001"/>
+            <a:off x="559552" y="1793230"/>
+            <a:ext cx="11885696" cy="2103140"/>
           </a:xfrm>
           <a:prstGeom prst="rect">
             <a:avLst/>
@@ -7282,7 +7918,7 @@
           </a:ln>
           <a:extLst>
             <a:ext uri="{C572A759-6A51-4108-AA02-DFA0A04FC94B}">
-              <ma14:wrappingTextBoxFlag xmlns:ma14="http://schemas.microsoft.com/office/mac/drawingml/2011/main" val="1"/>
+              <ma14:wrappingTextBoxFlag xmlns:ma14="http://schemas.microsoft.com/office/mac/drawingml/2011/main" xmlns="" val="1"/>
             </a:ext>
           </a:extLst>
         </p:spPr>
@@ -7295,7 +7931,7 @@
               <a:spcBef>
                 <a:spcPts val="2400"/>
               </a:spcBef>
-              <a:defRPr b="1" sz="1800">
+              <a:defRPr sz="1800" b="1">
                 <a:latin typeface="Helvetica"/>
                 <a:ea typeface="Helvetica"/>
                 <a:cs typeface="Helvetica"/>
@@ -7304,24 +7940,117 @@
             </a:lvl1pPr>
           </a:lstStyle>
           <a:p>
-            <a:pPr/>
-            <a:r>
+            <a:r>
+              <a:rPr dirty="0"/>
               <a:t>This analysis could have been more comprehensive if we had full information of all countries.</a:t>
             </a:r>
+            <a:endParaRPr lang="en-AU" dirty="0"/>
+          </a:p>
+          <a:p>
+            <a:r>
+              <a:rPr lang="en-AU" dirty="0"/>
+              <a:t>For one of the data sets alone, only 60.14% of total countries had complete data, or data that fit within acceptable error margins (due to rounding accuracy).</a:t>
+            </a:r>
+          </a:p>
+          <a:p>
+            <a:r>
+              <a:rPr lang="en-AU" dirty="0"/>
+              <a:t>Missing data or values that did not add up to 100% (over and under) were major causes of concern.</a:t>
+            </a:r>
+            <a:br>
+              <a:rPr lang="en-AU" dirty="0"/>
+            </a:br>
+            <a:r>
+              <a:rPr lang="en-AU" dirty="0"/>
+              <a:t>We used a small subset of countries to try to help with this, using countries which had more complete data.</a:t>
+            </a:r>
+            <a:endParaRPr dirty="0"/>
           </a:p>
         </p:txBody>
       </p:sp>
+      <p:pic>
+        <p:nvPicPr>
+          <p:cNvPr id="3" name="Picture 2">
+            <a:extLst>
+              <a:ext uri="{FF2B5EF4-FFF2-40B4-BE49-F238E27FC236}">
+                <a16:creationId xmlns:a16="http://schemas.microsoft.com/office/drawing/2014/main" id="{8B27D7EB-22BB-41B2-8325-0A1956E6BCF5}"/>
+              </a:ext>
+            </a:extLst>
+          </p:cNvPr>
+          <p:cNvPicPr>
+            <a:picLocks noChangeAspect="1"/>
+          </p:cNvPicPr>
+          <p:nvPr/>
+        </p:nvPicPr>
+        <p:blipFill>
+          <a:blip r:embed="rId2">
+            <a:extLst>
+              <a:ext uri="{28A0092B-C50C-407E-A947-70E740481C1C}">
+                <a14:useLocalDpi xmlns:a14="http://schemas.microsoft.com/office/drawing/2010/main" val="0"/>
+              </a:ext>
+            </a:extLst>
+          </a:blip>
+          <a:stretch>
+            <a:fillRect/>
+          </a:stretch>
+        </p:blipFill>
+        <p:spPr>
+          <a:xfrm>
+            <a:off x="508000" y="4497858"/>
+            <a:ext cx="6448854" cy="2921233"/>
+          </a:xfrm>
+          <a:prstGeom prst="rect">
+            <a:avLst/>
+          </a:prstGeom>
+        </p:spPr>
+      </p:pic>
+      <p:pic>
+        <p:nvPicPr>
+          <p:cNvPr id="5" name="Picture 4">
+            <a:extLst>
+              <a:ext uri="{FF2B5EF4-FFF2-40B4-BE49-F238E27FC236}">
+                <a16:creationId xmlns:a16="http://schemas.microsoft.com/office/drawing/2014/main" id="{A59A2730-CC17-476C-A440-2BA9F7680BC9}"/>
+              </a:ext>
+            </a:extLst>
+          </p:cNvPr>
+          <p:cNvPicPr>
+            <a:picLocks noChangeAspect="1"/>
+          </p:cNvPicPr>
+          <p:nvPr/>
+        </p:nvPicPr>
+        <p:blipFill>
+          <a:blip r:embed="rId3">
+            <a:extLst>
+              <a:ext uri="{28A0092B-C50C-407E-A947-70E740481C1C}">
+                <a14:useLocalDpi xmlns:a14="http://schemas.microsoft.com/office/drawing/2010/main" val="0"/>
+              </a:ext>
+            </a:extLst>
+          </a:blip>
+          <a:stretch>
+            <a:fillRect/>
+          </a:stretch>
+        </p:blipFill>
+        <p:spPr>
+          <a:xfrm>
+            <a:off x="7261475" y="4127157"/>
+            <a:ext cx="5512796" cy="4700936"/>
+          </a:xfrm>
+          <a:prstGeom prst="rect">
+            <a:avLst/>
+          </a:prstGeom>
+        </p:spPr>
+      </p:pic>
     </p:spTree>
   </p:cSld>
   <p:clrMapOvr>
     <a:masterClrMapping/>
   </p:clrMapOvr>
-  <p:transition xmlns:p14="http://schemas.microsoft.com/office/powerpoint/2010/main" spd="med" advClick="1"/>
+  <p:transition spd="med"/>
 </p:sld>
 </file>
 
 <file path=ppt/slides/slide8.xml><?xml version="1.0" encoding="utf-8"?>
-<p:sld xmlns:a="http://schemas.openxmlformats.org/drawingml/2006/main" xmlns:r="http://schemas.openxmlformats.org/officeDocument/2006/relationships" xmlns:p="http://schemas.openxmlformats.org/presentationml/2006/main" showMasterSp="1" showMasterPhAnim="1">
+<p:sld xmlns:a="http://schemas.openxmlformats.org/drawingml/2006/main" xmlns:r="http://schemas.openxmlformats.org/officeDocument/2006/relationships" xmlns:p="http://schemas.openxmlformats.org/presentationml/2006/main">
   <p:cSld>
     <p:spTree>
       <p:nvGrpSpPr>
@@ -7356,13 +8085,13 @@
           </a:ln>
           <a:extLst>
             <a:ext uri="{C572A759-6A51-4108-AA02-DFA0A04FC94B}">
-              <ma14:wrappingTextBoxFlag xmlns:ma14="http://schemas.microsoft.com/office/mac/drawingml/2011/main" val="1"/>
+              <ma14:wrappingTextBoxFlag xmlns:ma14="http://schemas.microsoft.com/office/mac/drawingml/2011/main" xmlns="" val="1"/>
             </a:ext>
           </a:extLst>
         </p:spPr>
         <p:txBody>
           <a:bodyPr lIns="50800" tIns="50800" rIns="50800" bIns="50800" anchor="ctr">
-            <a:normAutofit fontScale="100000" lnSpcReduction="0"/>
+            <a:normAutofit lnSpcReduction="10000"/>
           </a:bodyPr>
           <a:lstStyle>
             <a:lvl1pPr algn="l" defTabSz="361188">
@@ -7382,7 +8111,6 @@
             </a:lvl1pPr>
           </a:lstStyle>
           <a:p>
-            <a:pPr/>
             <a:r>
               <a:t>Proportion of population and road traffic deaths by countries income</a:t>
             </a:r>
@@ -7408,7 +8136,7 @@
           </a:ln>
           <a:extLst>
             <a:ext uri="{C572A759-6A51-4108-AA02-DFA0A04FC94B}">
-              <ma14:wrappingTextBoxFlag xmlns:ma14="http://schemas.microsoft.com/office/mac/drawingml/2011/main" val="1"/>
+              <ma14:wrappingTextBoxFlag xmlns:ma14="http://schemas.microsoft.com/office/mac/drawingml/2011/main" xmlns="" val="1"/>
             </a:ext>
           </a:extLst>
         </p:spPr>
@@ -7421,7 +8149,7 @@
               <a:spcBef>
                 <a:spcPts val="1200"/>
               </a:spcBef>
-              <a:defRPr b="1" sz="1300">
+              <a:defRPr sz="1300" b="1">
                 <a:solidFill>
                   <a:srgbClr val="000000"/>
                 </a:solidFill>
@@ -7433,7 +8161,6 @@
             </a:lvl1pPr>
           </a:lstStyle>
           <a:p>
-            <a:pPr/>
             <a:r>
               <a:t>* Income levels are based on 2017 WORLD BANK classifiers.</a:t>
             </a:r>
@@ -7459,7 +8186,7 @@
           </a:ln>
           <a:extLst>
             <a:ext uri="{C572A759-6A51-4108-AA02-DFA0A04FC94B}">
-              <ma14:wrappingTextBoxFlag xmlns:ma14="http://schemas.microsoft.com/office/mac/drawingml/2011/main" val="1"/>
+              <ma14:wrappingTextBoxFlag xmlns:ma14="http://schemas.microsoft.com/office/mac/drawingml/2011/main" xmlns="" val="1"/>
             </a:ext>
           </a:extLst>
         </p:spPr>
@@ -7475,7 +8202,7 @@
               <a:spcBef>
                 <a:spcPts val="2400"/>
               </a:spcBef>
-              <a:defRPr b="1" sz="1800">
+              <a:defRPr sz="1800" b="1">
                 <a:latin typeface="Helvetica"/>
                 <a:ea typeface="Helvetica"/>
                 <a:cs typeface="Helvetica"/>
@@ -7484,7 +8211,6 @@
             </a:lvl1pPr>
           </a:lstStyle>
           <a:p>
-            <a:pPr/>
             <a:r>
               <a:t>Population, income level, education and laws are very effective in reducing the rate of road traffic deaths. Wealthy countries have this opportunity to invest in this area by providing enough information and education to their own people, and enforcing the law more efficiently. This is also assisted by using better technology and equipment to reach a high standard in car safety. </a:t>
             </a:r>
@@ -7500,9 +8226,7 @@
           <p:nvPr/>
         </p:nvPicPr>
         <p:blipFill>
-          <a:blip r:embed="rId2">
-            <a:extLst/>
-          </a:blip>
+          <a:blip r:embed="rId2"/>
           <a:stretch>
             <a:fillRect/>
           </a:stretch>
@@ -7519,7 +8243,7 @@
             <a:miter lim="400000"/>
           </a:ln>
           <a:effectLst>
-            <a:outerShdw sx="100000" sy="100000" kx="0" ky="0" algn="b" rotWithShape="0" blurRad="190500" dist="101600" dir="5400000">
+            <a:outerShdw blurRad="190500" dist="101600" dir="5400000" rotWithShape="0">
               <a:srgbClr val="000000">
                 <a:alpha val="40000"/>
               </a:srgbClr>
@@ -7536,9 +8260,7 @@
           <p:nvPr/>
         </p:nvPicPr>
         <p:blipFill>
-          <a:blip r:embed="rId3">
-            <a:extLst/>
-          </a:blip>
+          <a:blip r:embed="rId3"/>
           <a:stretch>
             <a:fillRect/>
           </a:stretch>
@@ -7555,7 +8277,7 @@
             <a:miter lim="400000"/>
           </a:ln>
           <a:effectLst>
-            <a:outerShdw sx="100000" sy="100000" kx="0" ky="0" algn="b" rotWithShape="0" blurRad="190500" dist="101600" dir="5400000">
+            <a:outerShdw blurRad="190500" dist="101600" dir="5400000" rotWithShape="0">
               <a:srgbClr val="000000">
                 <a:alpha val="40000"/>
               </a:srgbClr>
@@ -7568,12 +8290,12 @@
   <p:clrMapOvr>
     <a:masterClrMapping/>
   </p:clrMapOvr>
-  <p:transition xmlns:p14="http://schemas.microsoft.com/office/powerpoint/2010/main" spd="med" advClick="1"/>
+  <p:transition spd="med"/>
 </p:sld>
 </file>
 
 <file path=ppt/slides/slide9.xml><?xml version="1.0" encoding="utf-8"?>
-<p:sld xmlns:a="http://schemas.openxmlformats.org/drawingml/2006/main" xmlns:r="http://schemas.openxmlformats.org/officeDocument/2006/relationships" xmlns:p="http://schemas.openxmlformats.org/presentationml/2006/main" showMasterSp="1" showMasterPhAnim="1">
+<p:sld xmlns:a="http://schemas.openxmlformats.org/drawingml/2006/main" xmlns:r="http://schemas.openxmlformats.org/officeDocument/2006/relationships" xmlns:p="http://schemas.openxmlformats.org/presentationml/2006/main">
   <p:cSld>
     <p:spTree>
       <p:nvGrpSpPr>
@@ -7608,13 +8330,13 @@
           </a:ln>
           <a:extLst>
             <a:ext uri="{C572A759-6A51-4108-AA02-DFA0A04FC94B}">
-              <ma14:wrappingTextBoxFlag xmlns:ma14="http://schemas.microsoft.com/office/mac/drawingml/2011/main" val="1"/>
+              <ma14:wrappingTextBoxFlag xmlns:ma14="http://schemas.microsoft.com/office/mac/drawingml/2011/main" xmlns="" val="1"/>
             </a:ext>
           </a:extLst>
         </p:spPr>
         <p:txBody>
           <a:bodyPr lIns="50800" tIns="50800" rIns="50800" bIns="50800" anchor="ctr">
-            <a:normAutofit fontScale="100000" lnSpcReduction="0"/>
+            <a:normAutofit/>
           </a:bodyPr>
           <a:lstStyle>
             <a:lvl1pPr algn="l" defTabSz="406908">
@@ -7634,7 +8356,6 @@
             </a:lvl1pPr>
           </a:lstStyle>
           <a:p>
-            <a:pPr/>
             <a:r>
               <a:t>Influence of child restraints laws on road traffic deaths</a:t>
             </a:r>
@@ -7644,7 +8365,9 @@
       <p:sp>
         <p:nvSpPr>
           <p:cNvPr id="166" name="Although children are very vulnerable and based on WHO reports the first cause of death between them is driving accidents but only 84 countries of 175 countries used child restraints laws which is just 48% in all around the world."/>
-          <p:cNvSpPr txBox="1"/>
+          <p:cNvSpPr txBox="1">
+            <a:spLocks noGrp="1"/>
+          </p:cNvSpPr>
           <p:nvPr>
             <p:ph type="body" sz="quarter" idx="1"/>
           </p:nvPr>
@@ -7673,7 +8396,7 @@
               <a:buSzTx/>
               <a:buFontTx/>
               <a:buNone/>
-              <a:defRPr b="1" sz="1746">
+              <a:defRPr sz="1746" b="1">
                 <a:latin typeface="Helvetica"/>
                 <a:ea typeface="Helvetica"/>
                 <a:cs typeface="Helvetica"/>
@@ -7696,7 +8419,7 @@
               <a:buSzTx/>
               <a:buFontTx/>
               <a:buNone/>
-              <a:defRPr b="1" sz="1746">
+              <a:defRPr sz="1746" b="1">
                 <a:latin typeface="Helvetica"/>
                 <a:ea typeface="Helvetica"/>
                 <a:cs typeface="Helvetica"/>
@@ -7728,20 +8451,20 @@
           </a:ln>
           <a:extLst>
             <a:ext uri="{C572A759-6A51-4108-AA02-DFA0A04FC94B}">
-              <ma14:wrappingTextBoxFlag xmlns:ma14="http://schemas.microsoft.com/office/mac/drawingml/2011/main" val="1"/>
+              <ma14:wrappingTextBoxFlag xmlns:ma14="http://schemas.microsoft.com/office/mac/drawingml/2011/main" xmlns="" val="1"/>
             </a:ext>
           </a:extLst>
         </p:spPr>
         <p:txBody>
           <a:bodyPr lIns="50800" tIns="50800" rIns="50800" bIns="50800" anchor="ctr">
-            <a:normAutofit fontScale="100000" lnSpcReduction="0"/>
+            <a:normAutofit/>
           </a:bodyPr>
           <a:lstStyle>
             <a:lvl1pPr algn="l">
               <a:lnSpc>
                 <a:spcPct val="150000"/>
               </a:lnSpc>
-              <a:defRPr b="1" sz="1800">
+              <a:defRPr sz="1800" b="1">
                 <a:latin typeface="Helvetica"/>
                 <a:ea typeface="Helvetica"/>
                 <a:cs typeface="Helvetica"/>
@@ -7750,7 +8473,6 @@
             </a:lvl1pPr>
           </a:lstStyle>
           <a:p>
-            <a:pPr/>
             <a:r>
               <a:t>We can see in this bar chart, 90% of countries with high income level are using this law. This percentage for middle income countries is 36% and just 17% of low income countries are protecting children in this area. </a:t>
             </a:r>
@@ -7766,9 +8488,7 @@
           <p:nvPr/>
         </p:nvPicPr>
         <p:blipFill>
-          <a:blip r:embed="rId2">
-            <a:extLst/>
-          </a:blip>
+          <a:blip r:embed="rId2"/>
           <a:stretch>
             <a:fillRect/>
           </a:stretch>
@@ -7785,7 +8505,7 @@
             <a:miter lim="400000"/>
           </a:ln>
           <a:effectLst>
-            <a:outerShdw sx="100000" sy="100000" kx="0" ky="0" algn="b" rotWithShape="0" blurRad="190500" dist="101600" dir="5400000">
+            <a:outerShdw blurRad="190500" dist="101600" dir="5400000" rotWithShape="0">
               <a:srgbClr val="000000">
                 <a:alpha val="40000"/>
               </a:srgbClr>
@@ -7798,12 +8518,12 @@
   <p:clrMapOvr>
     <a:masterClrMapping/>
   </p:clrMapOvr>
-  <p:transition xmlns:p14="http://schemas.microsoft.com/office/powerpoint/2010/main" spd="med" advClick="1"/>
+  <p:transition spd="med"/>
 </p:sld>
 </file>
 
 <file path=ppt/theme/theme1.xml><?xml version="1.0" encoding="utf-8"?>
-<a:theme xmlns:a="http://schemas.openxmlformats.org/drawingml/2006/main" xmlns:r="http://schemas.openxmlformats.org/officeDocument/2006/relationships" name="New_Template4">
+<a:theme xmlns:a="http://schemas.openxmlformats.org/drawingml/2006/main" name="New_Template4">
   <a:themeElements>
     <a:clrScheme name="New_Template4">
       <a:dk1>
@@ -7993,8 +8713,8 @@
     <a:spDef>
       <a:spPr>
         <a:blipFill rotWithShape="1">
-          <a:blip r:embed="rId1"/>
-          <a:srcRect l="0" t="0" r="0" b="0"/>
+          <a:blip xmlns:r="http://schemas.openxmlformats.org/officeDocument/2006/relationships" r:embed="rId1"/>
+          <a:srcRect/>
           <a:tile tx="0" ty="0" sx="100000" sy="100000" flip="none" algn="tl"/>
         </a:blipFill>
         <a:ln w="12700" cap="flat">
@@ -8004,7 +8724,7 @@
         <a:effectLst/>
         <a:sp3d/>
       </a:spPr>
-      <a:bodyPr rot="0" spcFirstLastPara="1" vertOverflow="overflow" horzOverflow="overflow" vert="horz" wrap="square" lIns="50800" tIns="50800" rIns="50800" bIns="50800" numCol="1" spcCol="38100" rtlCol="0" anchor="ctr" upright="0">
+      <a:bodyPr rot="0" spcFirstLastPara="1" vertOverflow="overflow" horzOverflow="overflow" vert="horz" wrap="square" lIns="50800" tIns="50800" rIns="50800" bIns="50800" numCol="1" spcCol="38100" rtlCol="0" anchor="ctr">
         <a:spAutoFit/>
       </a:bodyPr>
       <a:lstStyle>
@@ -8023,7 +8743,7 @@
           <a:buFontTx/>
           <a:buNone/>
           <a:tabLst/>
-          <a:defRPr b="0" baseline="0" cap="none" i="0" spc="0" strike="noStrike" sz="3200" u="none" kumimoji="0" normalizeH="0">
+          <a:defRPr kumimoji="0" sz="3200" b="0" i="0" u="none" strike="noStrike" cap="none" spc="0" normalizeH="0" baseline="0">
             <a:ln>
               <a:noFill/>
             </a:ln>
@@ -8031,7 +8751,7 @@
               <a:srgbClr val="FFFFFF"/>
             </a:solidFill>
             <a:effectLst>
-              <a:outerShdw sx="100000" sy="100000" kx="0" ky="0" algn="b" rotWithShape="0" blurRad="25400" dist="33948" dir="2700000">
+              <a:outerShdw blurRad="25400" dist="33948" dir="2700000" rotWithShape="0">
                 <a:srgbClr val="3B3936"/>
               </a:outerShdw>
             </a:effectLst>
@@ -8057,7 +8777,7 @@
           <a:buFontTx/>
           <a:buNone/>
           <a:tabLst/>
-          <a:defRPr b="0" baseline="0" cap="none" i="0" spc="0" strike="noStrike" sz="1800" u="none" kumimoji="0" normalizeH="0">
+          <a:defRPr kumimoji="0" sz="1800" b="0" i="0" u="none" strike="noStrike" cap="none" spc="0" normalizeH="0" baseline="0">
             <a:ln>
               <a:noFill/>
             </a:ln>
@@ -8083,7 +8803,7 @@
           <a:buFontTx/>
           <a:buNone/>
           <a:tabLst/>
-          <a:defRPr b="0" baseline="0" cap="none" i="0" spc="0" strike="noStrike" sz="1800" u="none" kumimoji="0" normalizeH="0">
+          <a:defRPr kumimoji="0" sz="1800" b="0" i="0" u="none" strike="noStrike" cap="none" spc="0" normalizeH="0" baseline="0">
             <a:ln>
               <a:noFill/>
             </a:ln>
@@ -8109,7 +8829,7 @@
           <a:buFontTx/>
           <a:buNone/>
           <a:tabLst/>
-          <a:defRPr b="0" baseline="0" cap="none" i="0" spc="0" strike="noStrike" sz="1800" u="none" kumimoji="0" normalizeH="0">
+          <a:defRPr kumimoji="0" sz="1800" b="0" i="0" u="none" strike="noStrike" cap="none" spc="0" normalizeH="0" baseline="0">
             <a:ln>
               <a:noFill/>
             </a:ln>
@@ -8135,7 +8855,7 @@
           <a:buFontTx/>
           <a:buNone/>
           <a:tabLst/>
-          <a:defRPr b="0" baseline="0" cap="none" i="0" spc="0" strike="noStrike" sz="1800" u="none" kumimoji="0" normalizeH="0">
+          <a:defRPr kumimoji="0" sz="1800" b="0" i="0" u="none" strike="noStrike" cap="none" spc="0" normalizeH="0" baseline="0">
             <a:ln>
               <a:noFill/>
             </a:ln>
@@ -8161,7 +8881,7 @@
           <a:buFontTx/>
           <a:buNone/>
           <a:tabLst/>
-          <a:defRPr b="0" baseline="0" cap="none" i="0" spc="0" strike="noStrike" sz="1800" u="none" kumimoji="0" normalizeH="0">
+          <a:defRPr kumimoji="0" sz="1800" b="0" i="0" u="none" strike="noStrike" cap="none" spc="0" normalizeH="0" baseline="0">
             <a:ln>
               <a:noFill/>
             </a:ln>
@@ -8187,7 +8907,7 @@
           <a:buFontTx/>
           <a:buNone/>
           <a:tabLst/>
-          <a:defRPr b="0" baseline="0" cap="none" i="0" spc="0" strike="noStrike" sz="1800" u="none" kumimoji="0" normalizeH="0">
+          <a:defRPr kumimoji="0" sz="1800" b="0" i="0" u="none" strike="noStrike" cap="none" spc="0" normalizeH="0" baseline="0">
             <a:ln>
               <a:noFill/>
             </a:ln>
@@ -8213,7 +8933,7 @@
           <a:buFontTx/>
           <a:buNone/>
           <a:tabLst/>
-          <a:defRPr b="0" baseline="0" cap="none" i="0" spc="0" strike="noStrike" sz="1800" u="none" kumimoji="0" normalizeH="0">
+          <a:defRPr kumimoji="0" sz="1800" b="0" i="0" u="none" strike="noStrike" cap="none" spc="0" normalizeH="0" baseline="0">
             <a:ln>
               <a:noFill/>
             </a:ln>
@@ -8239,7 +8959,7 @@
           <a:buFontTx/>
           <a:buNone/>
           <a:tabLst/>
-          <a:defRPr b="0" baseline="0" cap="none" i="0" spc="0" strike="noStrike" sz="1800" u="none" kumimoji="0" normalizeH="0">
+          <a:defRPr kumimoji="0" sz="1800" b="0" i="0" u="none" strike="noStrike" cap="none" spc="0" normalizeH="0" baseline="0">
             <a:ln>
               <a:noFill/>
             </a:ln>
@@ -8265,7 +8985,7 @@
           <a:buFontTx/>
           <a:buNone/>
           <a:tabLst/>
-          <a:defRPr b="0" baseline="0" cap="none" i="0" spc="0" strike="noStrike" sz="1800" u="none" kumimoji="0" normalizeH="0">
+          <a:defRPr kumimoji="0" sz="1800" b="0" i="0" u="none" strike="noStrike" cap="none" spc="0" normalizeH="0" baseline="0">
             <a:ln>
               <a:noFill/>
             </a:ln>
@@ -8278,9 +8998,15 @@
         </a:lvl9pPr>
       </a:lstStyle>
       <a:style>
-        <a:lnRef idx="0"/>
-        <a:fillRef idx="0"/>
-        <a:effectRef idx="0"/>
+        <a:lnRef idx="0">
+          <a:scrgbClr r="0" g="0" b="0"/>
+        </a:lnRef>
+        <a:fillRef idx="0">
+          <a:scrgbClr r="0" g="0" b="0"/>
+        </a:fillRef>
+        <a:effectRef idx="0">
+          <a:scrgbClr r="0" g="0" b="0"/>
+        </a:effectRef>
         <a:fontRef idx="none"/>
       </a:style>
     </a:spDef>
@@ -8297,7 +9023,7 @@
         <a:effectLst/>
         <a:sp3d/>
       </a:spPr>
-      <a:bodyPr rot="0" spcFirstLastPara="1" vertOverflow="overflow" horzOverflow="overflow" vert="horz" wrap="square" lIns="91439" tIns="45719" rIns="91439" bIns="45719" numCol="1" spcCol="38100" rtlCol="0" anchor="t" upright="0">
+      <a:bodyPr rot="0" spcFirstLastPara="1" vertOverflow="overflow" horzOverflow="overflow" vert="horz" wrap="square" lIns="91439" tIns="45719" rIns="91439" bIns="45719" numCol="1" spcCol="38100" rtlCol="0" anchor="t">
         <a:noAutofit/>
       </a:bodyPr>
       <a:lstStyle>
@@ -8316,7 +9042,7 @@
           <a:buFontTx/>
           <a:buNone/>
           <a:tabLst/>
-          <a:defRPr b="0" baseline="0" cap="none" i="0" spc="0" strike="noStrike" sz="1800" u="none" kumimoji="0" normalizeH="0">
+          <a:defRPr kumimoji="0" sz="1800" b="0" i="0" u="none" strike="noStrike" cap="none" spc="0" normalizeH="0" baseline="0">
             <a:ln>
               <a:noFill/>
             </a:ln>
@@ -8342,7 +9068,7 @@
           <a:buFontTx/>
           <a:buNone/>
           <a:tabLst/>
-          <a:defRPr b="0" baseline="0" cap="none" i="0" spc="0" strike="noStrike" sz="1800" u="none" kumimoji="0" normalizeH="0">
+          <a:defRPr kumimoji="0" sz="1800" b="0" i="0" u="none" strike="noStrike" cap="none" spc="0" normalizeH="0" baseline="0">
             <a:ln>
               <a:noFill/>
             </a:ln>
@@ -8368,7 +9094,7 @@
           <a:buFontTx/>
           <a:buNone/>
           <a:tabLst/>
-          <a:defRPr b="0" baseline="0" cap="none" i="0" spc="0" strike="noStrike" sz="1800" u="none" kumimoji="0" normalizeH="0">
+          <a:defRPr kumimoji="0" sz="1800" b="0" i="0" u="none" strike="noStrike" cap="none" spc="0" normalizeH="0" baseline="0">
             <a:ln>
               <a:noFill/>
             </a:ln>
@@ -8394,7 +9120,7 @@
           <a:buFontTx/>
           <a:buNone/>
           <a:tabLst/>
-          <a:defRPr b="0" baseline="0" cap="none" i="0" spc="0" strike="noStrike" sz="1800" u="none" kumimoji="0" normalizeH="0">
+          <a:defRPr kumimoji="0" sz="1800" b="0" i="0" u="none" strike="noStrike" cap="none" spc="0" normalizeH="0" baseline="0">
             <a:ln>
               <a:noFill/>
             </a:ln>
@@ -8420,7 +9146,7 @@
           <a:buFontTx/>
           <a:buNone/>
           <a:tabLst/>
-          <a:defRPr b="0" baseline="0" cap="none" i="0" spc="0" strike="noStrike" sz="1800" u="none" kumimoji="0" normalizeH="0">
+          <a:defRPr kumimoji="0" sz="1800" b="0" i="0" u="none" strike="noStrike" cap="none" spc="0" normalizeH="0" baseline="0">
             <a:ln>
               <a:noFill/>
             </a:ln>
@@ -8446,7 +9172,7 @@
           <a:buFontTx/>
           <a:buNone/>
           <a:tabLst/>
-          <a:defRPr b="0" baseline="0" cap="none" i="0" spc="0" strike="noStrike" sz="1800" u="none" kumimoji="0" normalizeH="0">
+          <a:defRPr kumimoji="0" sz="1800" b="0" i="0" u="none" strike="noStrike" cap="none" spc="0" normalizeH="0" baseline="0">
             <a:ln>
               <a:noFill/>
             </a:ln>
@@ -8472,7 +9198,7 @@
           <a:buFontTx/>
           <a:buNone/>
           <a:tabLst/>
-          <a:defRPr b="0" baseline="0" cap="none" i="0" spc="0" strike="noStrike" sz="1800" u="none" kumimoji="0" normalizeH="0">
+          <a:defRPr kumimoji="0" sz="1800" b="0" i="0" u="none" strike="noStrike" cap="none" spc="0" normalizeH="0" baseline="0">
             <a:ln>
               <a:noFill/>
             </a:ln>
@@ -8498,7 +9224,7 @@
           <a:buFontTx/>
           <a:buNone/>
           <a:tabLst/>
-          <a:defRPr b="0" baseline="0" cap="none" i="0" spc="0" strike="noStrike" sz="1800" u="none" kumimoji="0" normalizeH="0">
+          <a:defRPr kumimoji="0" sz="1800" b="0" i="0" u="none" strike="noStrike" cap="none" spc="0" normalizeH="0" baseline="0">
             <a:ln>
               <a:noFill/>
             </a:ln>
@@ -8524,7 +9250,7 @@
           <a:buFontTx/>
           <a:buNone/>
           <a:tabLst/>
-          <a:defRPr b="0" baseline="0" cap="none" i="0" spc="0" strike="noStrike" sz="1800" u="none" kumimoji="0" normalizeH="0">
+          <a:defRPr kumimoji="0" sz="1800" b="0" i="0" u="none" strike="noStrike" cap="none" spc="0" normalizeH="0" baseline="0">
             <a:ln>
               <a:noFill/>
             </a:ln>
@@ -8550,7 +9276,7 @@
           <a:buFontTx/>
           <a:buNone/>
           <a:tabLst/>
-          <a:defRPr b="0" baseline="0" cap="none" i="0" spc="0" strike="noStrike" sz="1800" u="none" kumimoji="0" normalizeH="0">
+          <a:defRPr kumimoji="0" sz="1800" b="0" i="0" u="none" strike="noStrike" cap="none" spc="0" normalizeH="0" baseline="0">
             <a:ln>
               <a:noFill/>
             </a:ln>
@@ -8563,9 +9289,15 @@
         </a:lvl9pPr>
       </a:lstStyle>
       <a:style>
-        <a:lnRef idx="0"/>
-        <a:fillRef idx="0"/>
-        <a:effectRef idx="0"/>
+        <a:lnRef idx="0">
+          <a:scrgbClr r="0" g="0" b="0"/>
+        </a:lnRef>
+        <a:fillRef idx="0">
+          <a:scrgbClr r="0" g="0" b="0"/>
+        </a:fillRef>
+        <a:effectRef idx="0">
+          <a:scrgbClr r="0" g="0" b="0"/>
+        </a:effectRef>
         <a:fontRef idx="none"/>
       </a:style>
     </a:lnDef>
@@ -8579,7 +9311,7 @@
         <a:effectLst/>
         <a:sp3d/>
       </a:spPr>
-      <a:bodyPr rot="0" spcFirstLastPara="1" vertOverflow="overflow" horzOverflow="overflow" vert="horz" wrap="square" lIns="50800" tIns="50800" rIns="50800" bIns="50800" numCol="1" spcCol="38100" rtlCol="0" anchor="ctr" upright="0">
+      <a:bodyPr rot="0" spcFirstLastPara="1" vertOverflow="overflow" horzOverflow="overflow" vert="horz" wrap="square" lIns="50800" tIns="50800" rIns="50800" bIns="50800" numCol="1" spcCol="38100" rtlCol="0" anchor="ctr">
         <a:spAutoFit/>
       </a:bodyPr>
       <a:lstStyle>
@@ -8598,7 +9330,7 @@
           <a:buFontTx/>
           <a:buNone/>
           <a:tabLst/>
-          <a:defRPr b="0" baseline="0" cap="none" i="0" spc="0" strike="noStrike" sz="2400" u="none" kumimoji="0" normalizeH="0">
+          <a:defRPr kumimoji="0" sz="2400" b="0" i="0" u="none" strike="noStrike" cap="none" spc="0" normalizeH="0" baseline="0">
             <a:ln>
               <a:noFill/>
             </a:ln>
@@ -8628,7 +9360,7 @@
           <a:buFontTx/>
           <a:buNone/>
           <a:tabLst/>
-          <a:defRPr b="0" baseline="0" cap="none" i="0" spc="0" strike="noStrike" sz="1800" u="none" kumimoji="0" normalizeH="0">
+          <a:defRPr kumimoji="0" sz="1800" b="0" i="0" u="none" strike="noStrike" cap="none" spc="0" normalizeH="0" baseline="0">
             <a:ln>
               <a:noFill/>
             </a:ln>
@@ -8654,7 +9386,7 @@
           <a:buFontTx/>
           <a:buNone/>
           <a:tabLst/>
-          <a:defRPr b="0" baseline="0" cap="none" i="0" spc="0" strike="noStrike" sz="1800" u="none" kumimoji="0" normalizeH="0">
+          <a:defRPr kumimoji="0" sz="1800" b="0" i="0" u="none" strike="noStrike" cap="none" spc="0" normalizeH="0" baseline="0">
             <a:ln>
               <a:noFill/>
             </a:ln>
@@ -8680,7 +9412,7 @@
           <a:buFontTx/>
           <a:buNone/>
           <a:tabLst/>
-          <a:defRPr b="0" baseline="0" cap="none" i="0" spc="0" strike="noStrike" sz="1800" u="none" kumimoji="0" normalizeH="0">
+          <a:defRPr kumimoji="0" sz="1800" b="0" i="0" u="none" strike="noStrike" cap="none" spc="0" normalizeH="0" baseline="0">
             <a:ln>
               <a:noFill/>
             </a:ln>
@@ -8706,7 +9438,7 @@
           <a:buFontTx/>
           <a:buNone/>
           <a:tabLst/>
-          <a:defRPr b="0" baseline="0" cap="none" i="0" spc="0" strike="noStrike" sz="1800" u="none" kumimoji="0" normalizeH="0">
+          <a:defRPr kumimoji="0" sz="1800" b="0" i="0" u="none" strike="noStrike" cap="none" spc="0" normalizeH="0" baseline="0">
             <a:ln>
               <a:noFill/>
             </a:ln>
@@ -8732,7 +9464,7 @@
           <a:buFontTx/>
           <a:buNone/>
           <a:tabLst/>
-          <a:defRPr b="0" baseline="0" cap="none" i="0" spc="0" strike="noStrike" sz="1800" u="none" kumimoji="0" normalizeH="0">
+          <a:defRPr kumimoji="0" sz="1800" b="0" i="0" u="none" strike="noStrike" cap="none" spc="0" normalizeH="0" baseline="0">
             <a:ln>
               <a:noFill/>
             </a:ln>
@@ -8758,7 +9490,7 @@
           <a:buFontTx/>
           <a:buNone/>
           <a:tabLst/>
-          <a:defRPr b="0" baseline="0" cap="none" i="0" spc="0" strike="noStrike" sz="1800" u="none" kumimoji="0" normalizeH="0">
+          <a:defRPr kumimoji="0" sz="1800" b="0" i="0" u="none" strike="noStrike" cap="none" spc="0" normalizeH="0" baseline="0">
             <a:ln>
               <a:noFill/>
             </a:ln>
@@ -8784,7 +9516,7 @@
           <a:buFontTx/>
           <a:buNone/>
           <a:tabLst/>
-          <a:defRPr b="0" baseline="0" cap="none" i="0" spc="0" strike="noStrike" sz="1800" u="none" kumimoji="0" normalizeH="0">
+          <a:defRPr kumimoji="0" sz="1800" b="0" i="0" u="none" strike="noStrike" cap="none" spc="0" normalizeH="0" baseline="0">
             <a:ln>
               <a:noFill/>
             </a:ln>
@@ -8810,7 +9542,7 @@
           <a:buFontTx/>
           <a:buNone/>
           <a:tabLst/>
-          <a:defRPr b="0" baseline="0" cap="none" i="0" spc="0" strike="noStrike" sz="1800" u="none" kumimoji="0" normalizeH="0">
+          <a:defRPr kumimoji="0" sz="1800" b="0" i="0" u="none" strike="noStrike" cap="none" spc="0" normalizeH="0" baseline="0">
             <a:ln>
               <a:noFill/>
             </a:ln>
@@ -8836,7 +9568,7 @@
           <a:buFontTx/>
           <a:buNone/>
           <a:tabLst/>
-          <a:defRPr b="0" baseline="0" cap="none" i="0" spc="0" strike="noStrike" sz="1800" u="none" kumimoji="0" normalizeH="0">
+          <a:defRPr kumimoji="0" sz="1800" b="0" i="0" u="none" strike="noStrike" cap="none" spc="0" normalizeH="0" baseline="0">
             <a:ln>
               <a:noFill/>
             </a:ln>
@@ -8849,18 +9581,25 @@
         </a:lvl9pPr>
       </a:lstStyle>
       <a:style>
-        <a:lnRef idx="0"/>
-        <a:fillRef idx="0"/>
-        <a:effectRef idx="0"/>
+        <a:lnRef idx="0">
+          <a:scrgbClr r="0" g="0" b="0"/>
+        </a:lnRef>
+        <a:fillRef idx="0">
+          <a:scrgbClr r="0" g="0" b="0"/>
+        </a:fillRef>
+        <a:effectRef idx="0">
+          <a:scrgbClr r="0" g="0" b="0"/>
+        </a:effectRef>
         <a:fontRef idx="none"/>
       </a:style>
     </a:txDef>
   </a:objectDefaults>
+  <a:extraClrSchemeLst/>
 </a:theme>
 </file>
 
 <file path=ppt/theme/theme2.xml><?xml version="1.0" encoding="utf-8"?>
-<a:theme xmlns:a="http://schemas.openxmlformats.org/drawingml/2006/main" xmlns:r="http://schemas.openxmlformats.org/officeDocument/2006/relationships" name="New_Template4">
+<a:theme xmlns:a="http://schemas.openxmlformats.org/drawingml/2006/main" name="New_Template4">
   <a:themeElements>
     <a:clrScheme name="New_Template4">
       <a:dk1>
@@ -9050,8 +9789,8 @@
     <a:spDef>
       <a:spPr>
         <a:blipFill rotWithShape="1">
-          <a:blip r:embed="rId1"/>
-          <a:srcRect l="0" t="0" r="0" b="0"/>
+          <a:blip xmlns:r="http://schemas.openxmlformats.org/officeDocument/2006/relationships" r:embed="rId1"/>
+          <a:srcRect/>
           <a:tile tx="0" ty="0" sx="100000" sy="100000" flip="none" algn="tl"/>
         </a:blipFill>
         <a:ln w="12700" cap="flat">
@@ -9061,7 +9800,7 @@
         <a:effectLst/>
         <a:sp3d/>
       </a:spPr>
-      <a:bodyPr rot="0" spcFirstLastPara="1" vertOverflow="overflow" horzOverflow="overflow" vert="horz" wrap="square" lIns="50800" tIns="50800" rIns="50800" bIns="50800" numCol="1" spcCol="38100" rtlCol="0" anchor="ctr" upright="0">
+      <a:bodyPr rot="0" spcFirstLastPara="1" vertOverflow="overflow" horzOverflow="overflow" vert="horz" wrap="square" lIns="50800" tIns="50800" rIns="50800" bIns="50800" numCol="1" spcCol="38100" rtlCol="0" anchor="ctr">
         <a:spAutoFit/>
       </a:bodyPr>
       <a:lstStyle>
@@ -9080,7 +9819,7 @@
           <a:buFontTx/>
           <a:buNone/>
           <a:tabLst/>
-          <a:defRPr b="0" baseline="0" cap="none" i="0" spc="0" strike="noStrike" sz="3200" u="none" kumimoji="0" normalizeH="0">
+          <a:defRPr kumimoji="0" sz="3200" b="0" i="0" u="none" strike="noStrike" cap="none" spc="0" normalizeH="0" baseline="0">
             <a:ln>
               <a:noFill/>
             </a:ln>
@@ -9088,7 +9827,7 @@
               <a:srgbClr val="FFFFFF"/>
             </a:solidFill>
             <a:effectLst>
-              <a:outerShdw sx="100000" sy="100000" kx="0" ky="0" algn="b" rotWithShape="0" blurRad="25400" dist="33948" dir="2700000">
+              <a:outerShdw blurRad="25400" dist="33948" dir="2700000" rotWithShape="0">
                 <a:srgbClr val="3B3936"/>
               </a:outerShdw>
             </a:effectLst>
@@ -9114,7 +9853,7 @@
           <a:buFontTx/>
           <a:buNone/>
           <a:tabLst/>
-          <a:defRPr b="0" baseline="0" cap="none" i="0" spc="0" strike="noStrike" sz="1800" u="none" kumimoji="0" normalizeH="0">
+          <a:defRPr kumimoji="0" sz="1800" b="0" i="0" u="none" strike="noStrike" cap="none" spc="0" normalizeH="0" baseline="0">
             <a:ln>
               <a:noFill/>
             </a:ln>
@@ -9140,7 +9879,7 @@
           <a:buFontTx/>
           <a:buNone/>
           <a:tabLst/>
-          <a:defRPr b="0" baseline="0" cap="none" i="0" spc="0" strike="noStrike" sz="1800" u="none" kumimoji="0" normalizeH="0">
+          <a:defRPr kumimoji="0" sz="1800" b="0" i="0" u="none" strike="noStrike" cap="none" spc="0" normalizeH="0" baseline="0">
             <a:ln>
               <a:noFill/>
             </a:ln>
@@ -9166,7 +9905,7 @@
           <a:buFontTx/>
           <a:buNone/>
           <a:tabLst/>
-          <a:defRPr b="0" baseline="0" cap="none" i="0" spc="0" strike="noStrike" sz="1800" u="none" kumimoji="0" normalizeH="0">
+          <a:defRPr kumimoji="0" sz="1800" b="0" i="0" u="none" strike="noStrike" cap="none" spc="0" normalizeH="0" baseline="0">
             <a:ln>
               <a:noFill/>
             </a:ln>
@@ -9192,7 +9931,7 @@
           <a:buFontTx/>
           <a:buNone/>
           <a:tabLst/>
-          <a:defRPr b="0" baseline="0" cap="none" i="0" spc="0" strike="noStrike" sz="1800" u="none" kumimoji="0" normalizeH="0">
+          <a:defRPr kumimoji="0" sz="1800" b="0" i="0" u="none" strike="noStrike" cap="none" spc="0" normalizeH="0" baseline="0">
             <a:ln>
               <a:noFill/>
             </a:ln>
@@ -9218,7 +9957,7 @@
           <a:buFontTx/>
           <a:buNone/>
           <a:tabLst/>
-          <a:defRPr b="0" baseline="0" cap="none" i="0" spc="0" strike="noStrike" sz="1800" u="none" kumimoji="0" normalizeH="0">
+          <a:defRPr kumimoji="0" sz="1800" b="0" i="0" u="none" strike="noStrike" cap="none" spc="0" normalizeH="0" baseline="0">
             <a:ln>
               <a:noFill/>
             </a:ln>
@@ -9244,7 +9983,7 @@
           <a:buFontTx/>
           <a:buNone/>
           <a:tabLst/>
-          <a:defRPr b="0" baseline="0" cap="none" i="0" spc="0" strike="noStrike" sz="1800" u="none" kumimoji="0" normalizeH="0">
+          <a:defRPr kumimoji="0" sz="1800" b="0" i="0" u="none" strike="noStrike" cap="none" spc="0" normalizeH="0" baseline="0">
             <a:ln>
               <a:noFill/>
             </a:ln>
@@ -9270,7 +10009,7 @@
           <a:buFontTx/>
           <a:buNone/>
           <a:tabLst/>
-          <a:defRPr b="0" baseline="0" cap="none" i="0" spc="0" strike="noStrike" sz="1800" u="none" kumimoji="0" normalizeH="0">
+          <a:defRPr kumimoji="0" sz="1800" b="0" i="0" u="none" strike="noStrike" cap="none" spc="0" normalizeH="0" baseline="0">
             <a:ln>
               <a:noFill/>
             </a:ln>
@@ -9296,7 +10035,7 @@
           <a:buFontTx/>
           <a:buNone/>
           <a:tabLst/>
-          <a:defRPr b="0" baseline="0" cap="none" i="0" spc="0" strike="noStrike" sz="1800" u="none" kumimoji="0" normalizeH="0">
+          <a:defRPr kumimoji="0" sz="1800" b="0" i="0" u="none" strike="noStrike" cap="none" spc="0" normalizeH="0" baseline="0">
             <a:ln>
               <a:noFill/>
             </a:ln>
@@ -9322,7 +10061,7 @@
           <a:buFontTx/>
           <a:buNone/>
           <a:tabLst/>
-          <a:defRPr b="0" baseline="0" cap="none" i="0" spc="0" strike="noStrike" sz="1800" u="none" kumimoji="0" normalizeH="0">
+          <a:defRPr kumimoji="0" sz="1800" b="0" i="0" u="none" strike="noStrike" cap="none" spc="0" normalizeH="0" baseline="0">
             <a:ln>
               <a:noFill/>
             </a:ln>
@@ -9335,9 +10074,15 @@
         </a:lvl9pPr>
       </a:lstStyle>
       <a:style>
-        <a:lnRef idx="0"/>
-        <a:fillRef idx="0"/>
-        <a:effectRef idx="0"/>
+        <a:lnRef idx="0">
+          <a:scrgbClr r="0" g="0" b="0"/>
+        </a:lnRef>
+        <a:fillRef idx="0">
+          <a:scrgbClr r="0" g="0" b="0"/>
+        </a:fillRef>
+        <a:effectRef idx="0">
+          <a:scrgbClr r="0" g="0" b="0"/>
+        </a:effectRef>
         <a:fontRef idx="none"/>
       </a:style>
     </a:spDef>
@@ -9354,7 +10099,7 @@
         <a:effectLst/>
         <a:sp3d/>
       </a:spPr>
-      <a:bodyPr rot="0" spcFirstLastPara="1" vertOverflow="overflow" horzOverflow="overflow" vert="horz" wrap="square" lIns="91439" tIns="45719" rIns="91439" bIns="45719" numCol="1" spcCol="38100" rtlCol="0" anchor="t" upright="0">
+      <a:bodyPr rot="0" spcFirstLastPara="1" vertOverflow="overflow" horzOverflow="overflow" vert="horz" wrap="square" lIns="91439" tIns="45719" rIns="91439" bIns="45719" numCol="1" spcCol="38100" rtlCol="0" anchor="t">
         <a:noAutofit/>
       </a:bodyPr>
       <a:lstStyle>
@@ -9373,7 +10118,7 @@
           <a:buFontTx/>
           <a:buNone/>
           <a:tabLst/>
-          <a:defRPr b="0" baseline="0" cap="none" i="0" spc="0" strike="noStrike" sz="1800" u="none" kumimoji="0" normalizeH="0">
+          <a:defRPr kumimoji="0" sz="1800" b="0" i="0" u="none" strike="noStrike" cap="none" spc="0" normalizeH="0" baseline="0">
             <a:ln>
               <a:noFill/>
             </a:ln>
@@ -9399,7 +10144,7 @@
           <a:buFontTx/>
           <a:buNone/>
           <a:tabLst/>
-          <a:defRPr b="0" baseline="0" cap="none" i="0" spc="0" strike="noStrike" sz="1800" u="none" kumimoji="0" normalizeH="0">
+          <a:defRPr kumimoji="0" sz="1800" b="0" i="0" u="none" strike="noStrike" cap="none" spc="0" normalizeH="0" baseline="0">
             <a:ln>
               <a:noFill/>
             </a:ln>
@@ -9425,7 +10170,7 @@
           <a:buFontTx/>
           <a:buNone/>
           <a:tabLst/>
-          <a:defRPr b="0" baseline="0" cap="none" i="0" spc="0" strike="noStrike" sz="1800" u="none" kumimoji="0" normalizeH="0">
+          <a:defRPr kumimoji="0" sz="1800" b="0" i="0" u="none" strike="noStrike" cap="none" spc="0" normalizeH="0" baseline="0">
             <a:ln>
               <a:noFill/>
             </a:ln>
@@ -9451,7 +10196,7 @@
           <a:buFontTx/>
           <a:buNone/>
           <a:tabLst/>
-          <a:defRPr b="0" baseline="0" cap="none" i="0" spc="0" strike="noStrike" sz="1800" u="none" kumimoji="0" normalizeH="0">
+          <a:defRPr kumimoji="0" sz="1800" b="0" i="0" u="none" strike="noStrike" cap="none" spc="0" normalizeH="0" baseline="0">
             <a:ln>
               <a:noFill/>
             </a:ln>
@@ -9477,7 +10222,7 @@
           <a:buFontTx/>
           <a:buNone/>
           <a:tabLst/>
-          <a:defRPr b="0" baseline="0" cap="none" i="0" spc="0" strike="noStrike" sz="1800" u="none" kumimoji="0" normalizeH="0">
+          <a:defRPr kumimoji="0" sz="1800" b="0" i="0" u="none" strike="noStrike" cap="none" spc="0" normalizeH="0" baseline="0">
             <a:ln>
               <a:noFill/>
             </a:ln>
@@ -9503,7 +10248,7 @@
           <a:buFontTx/>
           <a:buNone/>
           <a:tabLst/>
-          <a:defRPr b="0" baseline="0" cap="none" i="0" spc="0" strike="noStrike" sz="1800" u="none" kumimoji="0" normalizeH="0">
+          <a:defRPr kumimoji="0" sz="1800" b="0" i="0" u="none" strike="noStrike" cap="none" spc="0" normalizeH="0" baseline="0">
             <a:ln>
               <a:noFill/>
             </a:ln>
@@ -9529,7 +10274,7 @@
           <a:buFontTx/>
           <a:buNone/>
           <a:tabLst/>
-          <a:defRPr b="0" baseline="0" cap="none" i="0" spc="0" strike="noStrike" sz="1800" u="none" kumimoji="0" normalizeH="0">
+          <a:defRPr kumimoji="0" sz="1800" b="0" i="0" u="none" strike="noStrike" cap="none" spc="0" normalizeH="0" baseline="0">
             <a:ln>
               <a:noFill/>
             </a:ln>
@@ -9555,7 +10300,7 @@
           <a:buFontTx/>
           <a:buNone/>
           <a:tabLst/>
-          <a:defRPr b="0" baseline="0" cap="none" i="0" spc="0" strike="noStrike" sz="1800" u="none" kumimoji="0" normalizeH="0">
+          <a:defRPr kumimoji="0" sz="1800" b="0" i="0" u="none" strike="noStrike" cap="none" spc="0" normalizeH="0" baseline="0">
             <a:ln>
               <a:noFill/>
             </a:ln>
@@ -9581,7 +10326,7 @@
           <a:buFontTx/>
           <a:buNone/>
           <a:tabLst/>
-          <a:defRPr b="0" baseline="0" cap="none" i="0" spc="0" strike="noStrike" sz="1800" u="none" kumimoji="0" normalizeH="0">
+          <a:defRPr kumimoji="0" sz="1800" b="0" i="0" u="none" strike="noStrike" cap="none" spc="0" normalizeH="0" baseline="0">
             <a:ln>
               <a:noFill/>
             </a:ln>
@@ -9607,7 +10352,7 @@
           <a:buFontTx/>
           <a:buNone/>
           <a:tabLst/>
-          <a:defRPr b="0" baseline="0" cap="none" i="0" spc="0" strike="noStrike" sz="1800" u="none" kumimoji="0" normalizeH="0">
+          <a:defRPr kumimoji="0" sz="1800" b="0" i="0" u="none" strike="noStrike" cap="none" spc="0" normalizeH="0" baseline="0">
             <a:ln>
               <a:noFill/>
             </a:ln>
@@ -9620,9 +10365,15 @@
         </a:lvl9pPr>
       </a:lstStyle>
       <a:style>
-        <a:lnRef idx="0"/>
-        <a:fillRef idx="0"/>
-        <a:effectRef idx="0"/>
+        <a:lnRef idx="0">
+          <a:scrgbClr r="0" g="0" b="0"/>
+        </a:lnRef>
+        <a:fillRef idx="0">
+          <a:scrgbClr r="0" g="0" b="0"/>
+        </a:fillRef>
+        <a:effectRef idx="0">
+          <a:scrgbClr r="0" g="0" b="0"/>
+        </a:effectRef>
         <a:fontRef idx="none"/>
       </a:style>
     </a:lnDef>
@@ -9636,7 +10387,7 @@
         <a:effectLst/>
         <a:sp3d/>
       </a:spPr>
-      <a:bodyPr rot="0" spcFirstLastPara="1" vertOverflow="overflow" horzOverflow="overflow" vert="horz" wrap="square" lIns="50800" tIns="50800" rIns="50800" bIns="50800" numCol="1" spcCol="38100" rtlCol="0" anchor="ctr" upright="0">
+      <a:bodyPr rot="0" spcFirstLastPara="1" vertOverflow="overflow" horzOverflow="overflow" vert="horz" wrap="square" lIns="50800" tIns="50800" rIns="50800" bIns="50800" numCol="1" spcCol="38100" rtlCol="0" anchor="ctr">
         <a:spAutoFit/>
       </a:bodyPr>
       <a:lstStyle>
@@ -9655,7 +10406,7 @@
           <a:buFontTx/>
           <a:buNone/>
           <a:tabLst/>
-          <a:defRPr b="0" baseline="0" cap="none" i="0" spc="0" strike="noStrike" sz="2400" u="none" kumimoji="0" normalizeH="0">
+          <a:defRPr kumimoji="0" sz="2400" b="0" i="0" u="none" strike="noStrike" cap="none" spc="0" normalizeH="0" baseline="0">
             <a:ln>
               <a:noFill/>
             </a:ln>
@@ -9685,7 +10436,7 @@
           <a:buFontTx/>
           <a:buNone/>
           <a:tabLst/>
-          <a:defRPr b="0" baseline="0" cap="none" i="0" spc="0" strike="noStrike" sz="1800" u="none" kumimoji="0" normalizeH="0">
+          <a:defRPr kumimoji="0" sz="1800" b="0" i="0" u="none" strike="noStrike" cap="none" spc="0" normalizeH="0" baseline="0">
             <a:ln>
               <a:noFill/>
             </a:ln>
@@ -9711,7 +10462,7 @@
           <a:buFontTx/>
           <a:buNone/>
           <a:tabLst/>
-          <a:defRPr b="0" baseline="0" cap="none" i="0" spc="0" strike="noStrike" sz="1800" u="none" kumimoji="0" normalizeH="0">
+          <a:defRPr kumimoji="0" sz="1800" b="0" i="0" u="none" strike="noStrike" cap="none" spc="0" normalizeH="0" baseline="0">
             <a:ln>
               <a:noFill/>
             </a:ln>
@@ -9737,7 +10488,7 @@
           <a:buFontTx/>
           <a:buNone/>
           <a:tabLst/>
-          <a:defRPr b="0" baseline="0" cap="none" i="0" spc="0" strike="noStrike" sz="1800" u="none" kumimoji="0" normalizeH="0">
+          <a:defRPr kumimoji="0" sz="1800" b="0" i="0" u="none" strike="noStrike" cap="none" spc="0" normalizeH="0" baseline="0">
             <a:ln>
               <a:noFill/>
             </a:ln>
@@ -9763,7 +10514,7 @@
           <a:buFontTx/>
           <a:buNone/>
           <a:tabLst/>
-          <a:defRPr b="0" baseline="0" cap="none" i="0" spc="0" strike="noStrike" sz="1800" u="none" kumimoji="0" normalizeH="0">
+          <a:defRPr kumimoji="0" sz="1800" b="0" i="0" u="none" strike="noStrike" cap="none" spc="0" normalizeH="0" baseline="0">
             <a:ln>
               <a:noFill/>
             </a:ln>
@@ -9789,7 +10540,7 @@
           <a:buFontTx/>
           <a:buNone/>
           <a:tabLst/>
-          <a:defRPr b="0" baseline="0" cap="none" i="0" spc="0" strike="noStrike" sz="1800" u="none" kumimoji="0" normalizeH="0">
+          <a:defRPr kumimoji="0" sz="1800" b="0" i="0" u="none" strike="noStrike" cap="none" spc="0" normalizeH="0" baseline="0">
             <a:ln>
               <a:noFill/>
             </a:ln>
@@ -9815,7 +10566,7 @@
           <a:buFontTx/>
           <a:buNone/>
           <a:tabLst/>
-          <a:defRPr b="0" baseline="0" cap="none" i="0" spc="0" strike="noStrike" sz="1800" u="none" kumimoji="0" normalizeH="0">
+          <a:defRPr kumimoji="0" sz="1800" b="0" i="0" u="none" strike="noStrike" cap="none" spc="0" normalizeH="0" baseline="0">
             <a:ln>
               <a:noFill/>
             </a:ln>
@@ -9841,7 +10592,7 @@
           <a:buFontTx/>
           <a:buNone/>
           <a:tabLst/>
-          <a:defRPr b="0" baseline="0" cap="none" i="0" spc="0" strike="noStrike" sz="1800" u="none" kumimoji="0" normalizeH="0">
+          <a:defRPr kumimoji="0" sz="1800" b="0" i="0" u="none" strike="noStrike" cap="none" spc="0" normalizeH="0" baseline="0">
             <a:ln>
               <a:noFill/>
             </a:ln>
@@ -9867,7 +10618,7 @@
           <a:buFontTx/>
           <a:buNone/>
           <a:tabLst/>
-          <a:defRPr b="0" baseline="0" cap="none" i="0" spc="0" strike="noStrike" sz="1800" u="none" kumimoji="0" normalizeH="0">
+          <a:defRPr kumimoji="0" sz="1800" b="0" i="0" u="none" strike="noStrike" cap="none" spc="0" normalizeH="0" baseline="0">
             <a:ln>
               <a:noFill/>
             </a:ln>
@@ -9893,7 +10644,7 @@
           <a:buFontTx/>
           <a:buNone/>
           <a:tabLst/>
-          <a:defRPr b="0" baseline="0" cap="none" i="0" spc="0" strike="noStrike" sz="1800" u="none" kumimoji="0" normalizeH="0">
+          <a:defRPr kumimoji="0" sz="1800" b="0" i="0" u="none" strike="noStrike" cap="none" spc="0" normalizeH="0" baseline="0">
             <a:ln>
               <a:noFill/>
             </a:ln>
@@ -9906,12 +10657,19 @@
         </a:lvl9pPr>
       </a:lstStyle>
       <a:style>
-        <a:lnRef idx="0"/>
-        <a:fillRef idx="0"/>
-        <a:effectRef idx="0"/>
+        <a:lnRef idx="0">
+          <a:scrgbClr r="0" g="0" b="0"/>
+        </a:lnRef>
+        <a:fillRef idx="0">
+          <a:scrgbClr r="0" g="0" b="0"/>
+        </a:fillRef>
+        <a:effectRef idx="0">
+          <a:scrgbClr r="0" g="0" b="0"/>
+        </a:effectRef>
         <a:fontRef idx="none"/>
       </a:style>
     </a:txDef>
   </a:objectDefaults>
+  <a:extraClrSchemeLst/>
 </a:theme>
 </file>